--- a/Suicide Across the World  - Final .pptx
+++ b/Suicide Across the World  - Final .pptx
@@ -5,7 +5,7 @@
     <p:sldMasterId id="2147483660" r:id="rId1"/>
   </p:sldMasterIdLst>
   <p:notesMasterIdLst>
-    <p:notesMasterId r:id="rId15"/>
+    <p:notesMasterId r:id="rId16"/>
   </p:notesMasterIdLst>
   <p:sldIdLst>
     <p:sldId id="256" r:id="rId2"/>
@@ -14,13 +14,14 @@
     <p:sldId id="281" r:id="rId5"/>
     <p:sldId id="298" r:id="rId6"/>
     <p:sldId id="299" r:id="rId7"/>
-    <p:sldId id="291" r:id="rId8"/>
-    <p:sldId id="292" r:id="rId9"/>
-    <p:sldId id="293" r:id="rId10"/>
-    <p:sldId id="294" r:id="rId11"/>
-    <p:sldId id="289" r:id="rId12"/>
-    <p:sldId id="279" r:id="rId13"/>
-    <p:sldId id="285" r:id="rId14"/>
+    <p:sldId id="301" r:id="rId8"/>
+    <p:sldId id="291" r:id="rId9"/>
+    <p:sldId id="292" r:id="rId10"/>
+    <p:sldId id="293" r:id="rId11"/>
+    <p:sldId id="294" r:id="rId12"/>
+    <p:sldId id="289" r:id="rId13"/>
+    <p:sldId id="279" r:id="rId14"/>
+    <p:sldId id="285" r:id="rId15"/>
   </p:sldIdLst>
   <p:sldSz cx="12192000" cy="6858000"/>
   <p:notesSz cx="6858000" cy="9144000"/>
@@ -138,6 +139,7 @@
           <p14:sldIdLst>
             <p14:sldId id="298"/>
             <p14:sldId id="299"/>
+            <p14:sldId id="301"/>
           </p14:sldIdLst>
         </p14:section>
         <p14:section name="Saurabh" id="{79D07EE0-68B2-4535-97D5-3A4D667093EF}">
@@ -4461,7 +4463,7 @@
                   </a:schemeClr>
                 </a:solidFill>
               </a:rPr>
-              <a:t>Years: 2000 - 2015</a:t>
+              <a:t>Year 2000</a:t>
             </a:r>
             <a:br>
               <a:rPr lang="en-US" sz="2800" dirty="0">
@@ -4639,8 +4641,8 @@
         </p:nvSpPr>
         <p:spPr>
           <a:xfrm>
-            <a:off x="4673175" y="1464184"/>
-            <a:ext cx="2743195" cy="710707"/>
+            <a:off x="4673175" y="1773771"/>
+            <a:ext cx="2743195" cy="954364"/>
           </a:xfrm>
           <a:prstGeom prst="rect">
             <a:avLst/>
@@ -4667,7 +4669,105 @@
                 </a:solidFill>
                 <a:cs typeface="Segoe UI" panose="020B0502040204020203" pitchFamily="34" charset="0"/>
               </a:rPr>
-              <a:t>Listed among the top 10 countries with Suicide rate estimates in male and both sex gender categories.</a:t>
+              <a:t>14.5 % Males</a:t>
+            </a:r>
+          </a:p>
+          <a:p>
+            <a:pPr>
+              <a:lnSpc>
+                <a:spcPts val="1900"/>
+              </a:lnSpc>
+            </a:pPr>
+            <a:r>
+              <a:rPr lang="en-US" sz="1400" dirty="0">
+                <a:solidFill>
+                  <a:schemeClr val="tx1">
+                    <a:lumMod val="75000"/>
+                    <a:lumOff val="25000"/>
+                  </a:schemeClr>
+                </a:solidFill>
+                <a:cs typeface="Segoe UI" panose="020B0502040204020203" pitchFamily="34" charset="0"/>
+              </a:rPr>
+              <a:t>?? % Females</a:t>
+            </a:r>
+          </a:p>
+          <a:p>
+            <a:pPr>
+              <a:lnSpc>
+                <a:spcPts val="1900"/>
+              </a:lnSpc>
+            </a:pPr>
+            <a:r>
+              <a:rPr lang="en-US" sz="1400" dirty="0">
+                <a:solidFill>
+                  <a:schemeClr val="tx1">
+                    <a:lumMod val="75000"/>
+                    <a:lumOff val="25000"/>
+                  </a:schemeClr>
+                </a:solidFill>
+                <a:cs typeface="Segoe UI" panose="020B0502040204020203" pitchFamily="34" charset="0"/>
+              </a:rPr>
+              <a:t>14.0 % Both Sexes</a:t>
+            </a:r>
+          </a:p>
+          <a:p>
+            <a:pPr>
+              <a:lnSpc>
+                <a:spcPts val="1900"/>
+              </a:lnSpc>
+            </a:pPr>
+            <a:r>
+              <a:rPr lang="en-US" sz="1400" dirty="0">
+                <a:solidFill>
+                  <a:schemeClr val="tx1">
+                    <a:lumMod val="75000"/>
+                    <a:lumOff val="25000"/>
+                  </a:schemeClr>
+                </a:solidFill>
+                <a:cs typeface="Segoe UI" panose="020B0502040204020203" pitchFamily="34" charset="0"/>
+              </a:rPr>
+              <a:t>Age Ranges: 50-69 years</a:t>
+            </a:r>
+          </a:p>
+        </p:txBody>
+      </p:sp>
+      <p:sp>
+        <p:nvSpPr>
+          <p:cNvPr id="44" name="Rectangle 43">
+            <a:extLst>
+              <a:ext uri="{FF2B5EF4-FFF2-40B4-BE49-F238E27FC236}">
+                <a16:creationId xmlns:a16="http://schemas.microsoft.com/office/drawing/2014/main" id="{71E47AC8-8358-4724-91F8-0D1B21FC5F47}"/>
+              </a:ext>
+            </a:extLst>
+          </p:cNvPr>
+          <p:cNvSpPr/>
+          <p:nvPr/>
+        </p:nvSpPr>
+        <p:spPr>
+          <a:xfrm>
+            <a:off x="4673175" y="1253030"/>
+            <a:ext cx="2743195" cy="492443"/>
+          </a:xfrm>
+          <a:prstGeom prst="rect">
+            <a:avLst/>
+          </a:prstGeom>
+        </p:spPr>
+        <p:txBody>
+          <a:bodyPr wrap="square" lIns="0" tIns="0" rIns="0" bIns="0" anchor="t">
+            <a:spAutoFit/>
+          </a:bodyPr>
+          <a:lstStyle/>
+          <a:p>
+            <a:r>
+              <a:rPr lang="en-US" sz="3200" dirty="0">
+                <a:solidFill>
+                  <a:schemeClr val="accent3">
+                    <a:lumMod val="75000"/>
+                  </a:schemeClr>
+                </a:solidFill>
+                <a:cs typeface="Segoe UI" panose="020B0502040204020203" pitchFamily="34" charset="0"/>
+              </a:rPr>
+              <a:t>28.5 %</a:t>
             </a:r>
           </a:p>
         </p:txBody>
@@ -4686,7 +4786,7 @@
         </p:nvSpPr>
         <p:spPr>
           <a:xfrm>
-            <a:off x="4673175" y="1140659"/>
+            <a:off x="4673175" y="1001338"/>
             <a:ext cx="2743195" cy="223394"/>
           </a:xfrm>
           <a:prstGeom prst="rect">
@@ -4714,7 +4814,7 @@
                 <a:latin typeface="+mj-lt"/>
                 <a:cs typeface="Segoe UI" panose="020B0502040204020203" pitchFamily="34" charset="0"/>
               </a:rPr>
-              <a:t>Kazakhstan &amp; Belarus</a:t>
+              <a:t>Russian Federation</a:t>
             </a:r>
           </a:p>
         </p:txBody>
@@ -4733,8 +4833,8 @@
         </p:nvSpPr>
         <p:spPr>
           <a:xfrm>
-            <a:off x="4657555" y="3456302"/>
-            <a:ext cx="2743195" cy="710707"/>
+            <a:off x="4657555" y="3611904"/>
+            <a:ext cx="2743195" cy="954364"/>
           </a:xfrm>
           <a:prstGeom prst="rect">
             <a:avLst/>
@@ -4761,7 +4861,105 @@
                 </a:solidFill>
                 <a:cs typeface="Segoe UI" panose="020B0502040204020203" pitchFamily="34" charset="0"/>
               </a:rPr>
-              <a:t>Listed among the top 10 countries with Suicide rate estimates in female gender categories.</a:t>
+              <a:t>13.8 % Males</a:t>
+            </a:r>
+          </a:p>
+          <a:p>
+            <a:pPr>
+              <a:lnSpc>
+                <a:spcPts val="1900"/>
+              </a:lnSpc>
+            </a:pPr>
+            <a:r>
+              <a:rPr lang="en-US" sz="1400" dirty="0">
+                <a:solidFill>
+                  <a:schemeClr val="tx1">
+                    <a:lumMod val="75000"/>
+                    <a:lumOff val="25000"/>
+                  </a:schemeClr>
+                </a:solidFill>
+                <a:cs typeface="Segoe UI" panose="020B0502040204020203" pitchFamily="34" charset="0"/>
+              </a:rPr>
+              <a:t>?? % Females</a:t>
+            </a:r>
+          </a:p>
+          <a:p>
+            <a:pPr>
+              <a:lnSpc>
+                <a:spcPts val="1900"/>
+              </a:lnSpc>
+            </a:pPr>
+            <a:r>
+              <a:rPr lang="en-US" sz="1400" dirty="0">
+                <a:solidFill>
+                  <a:schemeClr val="tx1">
+                    <a:lumMod val="75000"/>
+                    <a:lumOff val="25000"/>
+                  </a:schemeClr>
+                </a:solidFill>
+                <a:cs typeface="Segoe UI" panose="020B0502040204020203" pitchFamily="34" charset="0"/>
+              </a:rPr>
+              <a:t>13.6 % Both Sexes</a:t>
+            </a:r>
+          </a:p>
+          <a:p>
+            <a:pPr>
+              <a:lnSpc>
+                <a:spcPts val="1900"/>
+              </a:lnSpc>
+            </a:pPr>
+            <a:r>
+              <a:rPr lang="en-US" sz="1400" dirty="0">
+                <a:solidFill>
+                  <a:schemeClr val="tx1">
+                    <a:lumMod val="75000"/>
+                    <a:lumOff val="25000"/>
+                  </a:schemeClr>
+                </a:solidFill>
+                <a:cs typeface="Segoe UI" panose="020B0502040204020203" pitchFamily="34" charset="0"/>
+              </a:rPr>
+              <a:t>Age Ranges: 50-69 years</a:t>
+            </a:r>
+          </a:p>
+        </p:txBody>
+      </p:sp>
+      <p:sp>
+        <p:nvSpPr>
+          <p:cNvPr id="47" name="Rectangle 46">
+            <a:extLst>
+              <a:ext uri="{FF2B5EF4-FFF2-40B4-BE49-F238E27FC236}">
+                <a16:creationId xmlns:a16="http://schemas.microsoft.com/office/drawing/2014/main" id="{839BCDE9-6CF8-45EE-BFA1-6E32ED5C240E}"/>
+              </a:ext>
+            </a:extLst>
+          </p:cNvPr>
+          <p:cNvSpPr/>
+          <p:nvPr/>
+        </p:nvSpPr>
+        <p:spPr>
+          <a:xfrm>
+            <a:off x="4657555" y="3091163"/>
+            <a:ext cx="2743195" cy="492443"/>
+          </a:xfrm>
+          <a:prstGeom prst="rect">
+            <a:avLst/>
+          </a:prstGeom>
+        </p:spPr>
+        <p:txBody>
+          <a:bodyPr wrap="square" lIns="0" tIns="0" rIns="0" bIns="0" anchor="t">
+            <a:spAutoFit/>
+          </a:bodyPr>
+          <a:lstStyle/>
+          <a:p>
+            <a:r>
+              <a:rPr lang="en-US" sz="3200" dirty="0">
+                <a:solidFill>
+                  <a:schemeClr val="accent4">
+                    <a:lumMod val="75000"/>
+                  </a:schemeClr>
+                </a:solidFill>
+                <a:cs typeface="Segoe UI" panose="020B0502040204020203" pitchFamily="34" charset="0"/>
+              </a:rPr>
+              <a:t>27.4 %</a:t>
             </a:r>
           </a:p>
         </p:txBody>
@@ -4781,7 +4979,7 @@
         <p:spPr>
           <a:xfrm>
             <a:off x="4657555" y="2839471"/>
-            <a:ext cx="2743195" cy="465577"/>
+            <a:ext cx="2743195" cy="223394"/>
           </a:xfrm>
           <a:prstGeom prst="rect">
             <a:avLst/>
@@ -4808,7 +5006,7 @@
                 <a:latin typeface="+mj-lt"/>
                 <a:cs typeface="Segoe UI" panose="020B0502040204020203" pitchFamily="34" charset="0"/>
               </a:rPr>
-              <a:t>India, Lesotho, Uganda, Nigeria, Sierra Leone</a:t>
+              <a:t>Lithuania</a:t>
             </a:r>
           </a:p>
         </p:txBody>
@@ -4827,8 +5025,8 @@
         </p:nvSpPr>
         <p:spPr>
           <a:xfrm>
-            <a:off x="4657554" y="5006039"/>
-            <a:ext cx="2743195" cy="710707"/>
+            <a:off x="4673175" y="5558710"/>
+            <a:ext cx="2743195" cy="954364"/>
           </a:xfrm>
           <a:prstGeom prst="rect">
             <a:avLst/>
@@ -4855,7 +5053,106 @@
                 </a:solidFill>
                 <a:cs typeface="Segoe UI" panose="020B0502040204020203" pitchFamily="34" charset="0"/>
               </a:rPr>
-              <a:t>Listed among the top 10 countries with Suicide rate estimates in female gender categories.in year 2000 only.</a:t>
+              <a:t>?? % Males</a:t>
+            </a:r>
+          </a:p>
+          <a:p>
+            <a:pPr>
+              <a:lnSpc>
+                <a:spcPts val="1900"/>
+              </a:lnSpc>
+            </a:pPr>
+            <a:r>
+              <a:rPr lang="en-US" sz="1400" dirty="0">
+                <a:solidFill>
+                  <a:schemeClr val="tx1">
+                    <a:lumMod val="75000"/>
+                    <a:lumOff val="25000"/>
+                  </a:schemeClr>
+                </a:solidFill>
+                <a:cs typeface="Segoe UI" panose="020B0502040204020203" pitchFamily="34" charset="0"/>
+              </a:rPr>
+              <a:t>16.1 % Females</a:t>
+            </a:r>
+          </a:p>
+          <a:p>
+            <a:pPr>
+              <a:lnSpc>
+                <a:spcPts val="1900"/>
+              </a:lnSpc>
+            </a:pPr>
+            <a:r>
+              <a:rPr lang="en-US" sz="1400" dirty="0">
+                <a:solidFill>
+                  <a:schemeClr val="tx1">
+                    <a:lumMod val="75000"/>
+                    <a:lumOff val="25000"/>
+                  </a:schemeClr>
+                </a:solidFill>
+                <a:cs typeface="Segoe UI" panose="020B0502040204020203" pitchFamily="34" charset="0"/>
+              </a:rPr>
+              <a:t>7.9 % Both Sexes</a:t>
+            </a:r>
+          </a:p>
+          <a:p>
+            <a:pPr>
+              <a:lnSpc>
+                <a:spcPts val="1900"/>
+              </a:lnSpc>
+            </a:pPr>
+            <a:r>
+              <a:rPr lang="en-US" sz="1400" dirty="0">
+                <a:solidFill>
+                  <a:schemeClr val="tx1">
+                    <a:lumMod val="75000"/>
+                    <a:lumOff val="25000"/>
+                  </a:schemeClr>
+                </a:solidFill>
+                <a:cs typeface="Segoe UI" panose="020B0502040204020203" pitchFamily="34" charset="0"/>
+              </a:rPr>
+              <a:t>Age Ranges: 70+ years</a:t>
+            </a:r>
+          </a:p>
+        </p:txBody>
+      </p:sp>
+      <p:sp>
+        <p:nvSpPr>
+          <p:cNvPr id="50" name="Rectangle 49">
+            <a:extLst>
+              <a:ext uri="{FF2B5EF4-FFF2-40B4-BE49-F238E27FC236}">
+                <a16:creationId xmlns:a16="http://schemas.microsoft.com/office/drawing/2014/main" id="{B164A1DA-19AA-4A0C-9ED2-92A9346B807A}"/>
+              </a:ext>
+            </a:extLst>
+          </p:cNvPr>
+          <p:cNvSpPr/>
+          <p:nvPr/>
+        </p:nvSpPr>
+        <p:spPr>
+          <a:xfrm>
+            <a:off x="4673175" y="5024522"/>
+            <a:ext cx="2743195" cy="492443"/>
+          </a:xfrm>
+          <a:prstGeom prst="rect">
+            <a:avLst/>
+          </a:prstGeom>
+        </p:spPr>
+        <p:txBody>
+          <a:bodyPr wrap="square" lIns="0" tIns="0" rIns="0" bIns="0" anchor="t">
+            <a:spAutoFit/>
+          </a:bodyPr>
+          <a:lstStyle/>
+          <a:p>
+            <a:r>
+              <a:rPr lang="en-US" sz="3200" dirty="0">
+                <a:solidFill>
+                  <a:schemeClr val="tx1">
+                    <a:lumMod val="75000"/>
+                    <a:lumOff val="25000"/>
+                  </a:schemeClr>
+                </a:solidFill>
+                <a:cs typeface="Segoe UI" panose="020B0502040204020203" pitchFamily="34" charset="0"/>
+              </a:rPr>
+              <a:t>24 %</a:t>
             </a:r>
           </a:p>
         </p:txBody>
@@ -4903,7 +5200,7 @@
                 <a:latin typeface="+mj-lt"/>
                 <a:cs typeface="Segoe UI" panose="020B0502040204020203" pitchFamily="34" charset="0"/>
               </a:rPr>
-              <a:t>China</a:t>
+              <a:t>Lesotho</a:t>
             </a:r>
           </a:p>
         </p:txBody>
@@ -5094,10 +5391,10 @@
       </p:cxnSp>
       <p:pic>
         <p:nvPicPr>
-          <p:cNvPr id="3" name="Picture 2">
-            <a:extLst>
-              <a:ext uri="{FF2B5EF4-FFF2-40B4-BE49-F238E27FC236}">
-                <a16:creationId xmlns:a16="http://schemas.microsoft.com/office/drawing/2014/main" id="{45D86A5F-5E10-4AC3-B7D0-EEA2839ED10B}"/>
+          <p:cNvPr id="5" name="Picture 4">
+            <a:extLst>
+              <a:ext uri="{FF2B5EF4-FFF2-40B4-BE49-F238E27FC236}">
+                <a16:creationId xmlns:a16="http://schemas.microsoft.com/office/drawing/2014/main" id="{24242EB3-7A07-456B-83E3-731D52336B57}"/>
               </a:ext>
             </a:extLst>
           </p:cNvPr>
@@ -5120,8 +5417,8 @@
         </p:blipFill>
         <p:spPr>
           <a:xfrm>
-            <a:off x="127758" y="3644478"/>
-            <a:ext cx="4084684" cy="2723122"/>
+            <a:off x="353422" y="4635892"/>
+            <a:ext cx="3304505" cy="2047976"/>
           </a:xfrm>
           <a:prstGeom prst="rect">
             <a:avLst/>
@@ -5130,10 +5427,10 @@
       </p:pic>
       <p:pic>
         <p:nvPicPr>
-          <p:cNvPr id="7" name="Picture 6">
-            <a:extLst>
-              <a:ext uri="{FF2B5EF4-FFF2-40B4-BE49-F238E27FC236}">
-                <a16:creationId xmlns:a16="http://schemas.microsoft.com/office/drawing/2014/main" id="{41AEB6FF-E338-46E0-9BAC-0A5CAAE7A694}"/>
+          <p:cNvPr id="10" name="Picture 9">
+            <a:extLst>
+              <a:ext uri="{FF2B5EF4-FFF2-40B4-BE49-F238E27FC236}">
+                <a16:creationId xmlns:a16="http://schemas.microsoft.com/office/drawing/2014/main" id="{8196B9AF-95A9-42F2-8E2B-E9212560A006}"/>
               </a:ext>
             </a:extLst>
           </p:cNvPr>
@@ -5156,8 +5453,8 @@
         </p:blipFill>
         <p:spPr>
           <a:xfrm>
-            <a:off x="8107316" y="3611904"/>
-            <a:ext cx="4084684" cy="2723122"/>
+            <a:off x="408870" y="2587916"/>
+            <a:ext cx="3133160" cy="2047976"/>
           </a:xfrm>
           <a:prstGeom prst="rect">
             <a:avLst/>
@@ -5166,10 +5463,10 @@
       </p:pic>
       <p:pic>
         <p:nvPicPr>
-          <p:cNvPr id="12" name="Picture 11">
-            <a:extLst>
-              <a:ext uri="{FF2B5EF4-FFF2-40B4-BE49-F238E27FC236}">
-                <a16:creationId xmlns:a16="http://schemas.microsoft.com/office/drawing/2014/main" id="{B06533A0-B1E3-4E71-B12F-7DA930F40EC3}"/>
+          <p:cNvPr id="16" name="Picture 15">
+            <a:extLst>
+              <a:ext uri="{FF2B5EF4-FFF2-40B4-BE49-F238E27FC236}">
+                <a16:creationId xmlns:a16="http://schemas.microsoft.com/office/drawing/2014/main" id="{CB86D8A5-8617-4726-9210-1F892D367EBE}"/>
               </a:ext>
             </a:extLst>
           </p:cNvPr>
@@ -5192,8 +5489,8 @@
         </p:blipFill>
         <p:spPr>
           <a:xfrm>
-            <a:off x="8105775" y="733180"/>
-            <a:ext cx="4084684" cy="2723122"/>
+            <a:off x="461181" y="597146"/>
+            <a:ext cx="3133160" cy="2047976"/>
           </a:xfrm>
           <a:prstGeom prst="rect">
             <a:avLst/>
@@ -5202,10 +5499,10 @@
       </p:pic>
       <p:pic>
         <p:nvPicPr>
-          <p:cNvPr id="17" name="Picture 16">
-            <a:extLst>
-              <a:ext uri="{FF2B5EF4-FFF2-40B4-BE49-F238E27FC236}">
-                <a16:creationId xmlns:a16="http://schemas.microsoft.com/office/drawing/2014/main" id="{3ADE5DFD-BF29-4AB1-BDF7-D91F57B6D45D}"/>
+          <p:cNvPr id="18" name="Picture 17">
+            <a:extLst>
+              <a:ext uri="{FF2B5EF4-FFF2-40B4-BE49-F238E27FC236}">
+                <a16:creationId xmlns:a16="http://schemas.microsoft.com/office/drawing/2014/main" id="{1455C609-0DC8-4D8E-80B2-3317331765DC}"/>
               </a:ext>
             </a:extLst>
           </p:cNvPr>
@@ -5228,8 +5525,80 @@
         </p:blipFill>
         <p:spPr>
           <a:xfrm>
-            <a:off x="147221" y="813330"/>
-            <a:ext cx="4084684" cy="2723122"/>
+            <a:off x="8602247" y="4636296"/>
+            <a:ext cx="3029157" cy="2019438"/>
+          </a:xfrm>
+          <a:prstGeom prst="rect">
+            <a:avLst/>
+          </a:prstGeom>
+        </p:spPr>
+      </p:pic>
+      <p:pic>
+        <p:nvPicPr>
+          <p:cNvPr id="20" name="Picture 19">
+            <a:extLst>
+              <a:ext uri="{FF2B5EF4-FFF2-40B4-BE49-F238E27FC236}">
+                <a16:creationId xmlns:a16="http://schemas.microsoft.com/office/drawing/2014/main" id="{D9267355-5CCB-48D6-AF76-C6C9C790337F}"/>
+              </a:ext>
+            </a:extLst>
+          </p:cNvPr>
+          <p:cNvPicPr>
+            <a:picLocks noChangeAspect="1"/>
+          </p:cNvPicPr>
+          <p:nvPr/>
+        </p:nvPicPr>
+        <p:blipFill>
+          <a:blip r:embed="rId6">
+            <a:extLst>
+              <a:ext uri="{28A0092B-C50C-407E-A947-70E740481C1C}">
+                <a14:useLocalDpi xmlns:a14="http://schemas.microsoft.com/office/drawing/2010/main" val="0"/>
+              </a:ext>
+            </a:extLst>
+          </a:blip>
+          <a:stretch>
+            <a:fillRect/>
+          </a:stretch>
+        </p:blipFill>
+        <p:spPr>
+          <a:xfrm>
+            <a:off x="8602247" y="2555097"/>
+            <a:ext cx="3029157" cy="2019438"/>
+          </a:xfrm>
+          <a:prstGeom prst="rect">
+            <a:avLst/>
+          </a:prstGeom>
+        </p:spPr>
+      </p:pic>
+      <p:pic>
+        <p:nvPicPr>
+          <p:cNvPr id="23" name="Picture 22">
+            <a:extLst>
+              <a:ext uri="{FF2B5EF4-FFF2-40B4-BE49-F238E27FC236}">
+                <a16:creationId xmlns:a16="http://schemas.microsoft.com/office/drawing/2014/main" id="{54E9474E-5FA0-4439-9A3A-5EA53E53BA1B}"/>
+              </a:ext>
+            </a:extLst>
+          </p:cNvPr>
+          <p:cNvPicPr>
+            <a:picLocks noChangeAspect="1"/>
+          </p:cNvPicPr>
+          <p:nvPr/>
+        </p:nvPicPr>
+        <p:blipFill>
+          <a:blip r:embed="rId7">
+            <a:extLst>
+              <a:ext uri="{28A0092B-C50C-407E-A947-70E740481C1C}">
+                <a14:useLocalDpi xmlns:a14="http://schemas.microsoft.com/office/drawing/2010/main" val="0"/>
+              </a:ext>
+            </a:extLst>
+          </a:blip>
+          <a:stretch>
+            <a:fillRect/>
+          </a:stretch>
+        </p:blipFill>
+        <p:spPr>
+          <a:xfrm>
+            <a:off x="8597661" y="622626"/>
+            <a:ext cx="3033744" cy="2022496"/>
           </a:xfrm>
           <a:prstGeom prst="rect">
             <a:avLst/>
@@ -5239,7 +5608,7 @@
     </p:spTree>
     <p:extLst>
       <p:ext uri="{BB962C8B-B14F-4D97-AF65-F5344CB8AC3E}">
-        <p14:creationId xmlns:p14="http://schemas.microsoft.com/office/powerpoint/2010/main" val="3455234043"/>
+        <p14:creationId xmlns:p14="http://schemas.microsoft.com/office/powerpoint/2010/main" val="3897069696"/>
       </p:ext>
     </p:extLst>
   </p:cSld>
@@ -5348,554 +5717,6 @@
           </a:fontRef>
         </p:style>
       </p:cxnSp>
-      <p:cxnSp>
-        <p:nvCxnSpPr>
-          <p:cNvPr id="14" name="Straight Connector 13">
-            <a:extLst>
-              <a:ext uri="{FF2B5EF4-FFF2-40B4-BE49-F238E27FC236}">
-                <a16:creationId xmlns:a16="http://schemas.microsoft.com/office/drawing/2014/main" id="{83E690F4-843A-47A5-8620-4FB01C0D8E68}"/>
-              </a:ext>
-              <a:ext uri="{C183D7F6-B498-43B3-948B-1728B52AA6E4}">
-                <adec:decorative xmlns:adec="http://schemas.microsoft.com/office/drawing/2017/decorative" val="1"/>
-              </a:ext>
-            </a:extLst>
-          </p:cNvPr>
-          <p:cNvCxnSpPr>
-            <a:cxnSpLocks/>
-          </p:cNvCxnSpPr>
-          <p:nvPr/>
-        </p:nvCxnSpPr>
-        <p:spPr>
-          <a:xfrm>
-            <a:off x="0" y="522898"/>
-            <a:ext cx="4086225" cy="0"/>
-          </a:xfrm>
-          <a:prstGeom prst="line">
-            <a:avLst/>
-          </a:prstGeom>
-          <a:ln>
-            <a:solidFill>
-              <a:schemeClr val="accent3">
-                <a:lumMod val="50000"/>
-              </a:schemeClr>
-            </a:solidFill>
-            <a:tailEnd type="oval"/>
-          </a:ln>
-        </p:spPr>
-        <p:style>
-          <a:lnRef idx="1">
-            <a:schemeClr val="accent1"/>
-          </a:lnRef>
-          <a:fillRef idx="0">
-            <a:schemeClr val="accent1"/>
-          </a:fillRef>
-          <a:effectRef idx="0">
-            <a:schemeClr val="accent1"/>
-          </a:effectRef>
-          <a:fontRef idx="minor">
-            <a:schemeClr val="tx1"/>
-          </a:fontRef>
-        </p:style>
-      </p:cxnSp>
-      <p:cxnSp>
-        <p:nvCxnSpPr>
-          <p:cNvPr id="15" name="Straight Connector 14">
-            <a:extLst>
-              <a:ext uri="{FF2B5EF4-FFF2-40B4-BE49-F238E27FC236}">
-                <a16:creationId xmlns:a16="http://schemas.microsoft.com/office/drawing/2014/main" id="{6516ABC0-EF46-4159-B4CF-45B14EA929B3}"/>
-              </a:ext>
-              <a:ext uri="{C183D7F6-B498-43B3-948B-1728B52AA6E4}">
-                <adec:decorative xmlns:adec="http://schemas.microsoft.com/office/drawing/2017/decorative" val="1"/>
-              </a:ext>
-            </a:extLst>
-          </p:cNvPr>
-          <p:cNvCxnSpPr/>
-          <p:nvPr/>
-        </p:nvCxnSpPr>
-        <p:spPr>
-          <a:xfrm>
-            <a:off x="4152902" y="4879971"/>
-            <a:ext cx="0" cy="1206500"/>
-          </a:xfrm>
-          <a:prstGeom prst="line">
-            <a:avLst/>
-          </a:prstGeom>
-          <a:ln>
-            <a:solidFill>
-              <a:schemeClr val="accent3">
-                <a:lumMod val="50000"/>
-              </a:schemeClr>
-            </a:solidFill>
-          </a:ln>
-        </p:spPr>
-        <p:style>
-          <a:lnRef idx="1">
-            <a:schemeClr val="accent1"/>
-          </a:lnRef>
-          <a:fillRef idx="0">
-            <a:schemeClr val="accent1"/>
-          </a:fillRef>
-          <a:effectRef idx="0">
-            <a:schemeClr val="accent1"/>
-          </a:effectRef>
-          <a:fontRef idx="minor">
-            <a:schemeClr val="tx1"/>
-          </a:fontRef>
-        </p:style>
-      </p:cxnSp>
-      <p:cxnSp>
-        <p:nvCxnSpPr>
-          <p:cNvPr id="40" name="Straight Connector 39">
-            <a:extLst>
-              <a:ext uri="{FF2B5EF4-FFF2-40B4-BE49-F238E27FC236}">
-                <a16:creationId xmlns:a16="http://schemas.microsoft.com/office/drawing/2014/main" id="{B1E755E2-4A99-478A-BBEF-ACE16BEBFCB7}"/>
-              </a:ext>
-              <a:ext uri="{C183D7F6-B498-43B3-948B-1728B52AA6E4}">
-                <adec:decorative xmlns:adec="http://schemas.microsoft.com/office/drawing/2017/decorative" val="1"/>
-              </a:ext>
-            </a:extLst>
-          </p:cNvPr>
-          <p:cNvCxnSpPr/>
-          <p:nvPr/>
-        </p:nvCxnSpPr>
-        <p:spPr>
-          <a:xfrm>
-            <a:off x="8039100" y="4879971"/>
-            <a:ext cx="0" cy="1206500"/>
-          </a:xfrm>
-          <a:prstGeom prst="line">
-            <a:avLst/>
-          </a:prstGeom>
-          <a:ln>
-            <a:solidFill>
-              <a:schemeClr val="accent3">
-                <a:lumMod val="50000"/>
-              </a:schemeClr>
-            </a:solidFill>
-          </a:ln>
-        </p:spPr>
-        <p:style>
-          <a:lnRef idx="1">
-            <a:schemeClr val="accent1"/>
-          </a:lnRef>
-          <a:fillRef idx="0">
-            <a:schemeClr val="accent1"/>
-          </a:fillRef>
-          <a:effectRef idx="0">
-            <a:schemeClr val="accent1"/>
-          </a:effectRef>
-          <a:fontRef idx="minor">
-            <a:schemeClr val="tx1"/>
-          </a:fontRef>
-        </p:style>
-      </p:cxnSp>
-      <p:sp>
-        <p:nvSpPr>
-          <p:cNvPr id="43" name="Rectangle 42">
-            <a:extLst>
-              <a:ext uri="{FF2B5EF4-FFF2-40B4-BE49-F238E27FC236}">
-                <a16:creationId xmlns:a16="http://schemas.microsoft.com/office/drawing/2014/main" id="{51613421-44EB-4EA7-89AE-D8972D473414}"/>
-              </a:ext>
-            </a:extLst>
-          </p:cNvPr>
-          <p:cNvSpPr/>
-          <p:nvPr/>
-        </p:nvSpPr>
-        <p:spPr>
-          <a:xfrm>
-            <a:off x="838205" y="5521007"/>
-            <a:ext cx="2743195" cy="467051"/>
-          </a:xfrm>
-          <a:prstGeom prst="rect">
-            <a:avLst/>
-          </a:prstGeom>
-        </p:spPr>
-        <p:txBody>
-          <a:bodyPr wrap="square" lIns="0" tIns="0" rIns="0" bIns="0" anchor="t">
-            <a:spAutoFit/>
-          </a:bodyPr>
-          <a:lstStyle/>
-          <a:p>
-            <a:pPr>
-              <a:lnSpc>
-                <a:spcPts val="1900"/>
-              </a:lnSpc>
-            </a:pPr>
-            <a:r>
-              <a:rPr lang="en-US" sz="1400" dirty="0">
-                <a:solidFill>
-                  <a:schemeClr val="tx1">
-                    <a:lumMod val="75000"/>
-                    <a:lumOff val="25000"/>
-                  </a:schemeClr>
-                </a:solidFill>
-                <a:cs typeface="Segoe UI" panose="020B0502040204020203" pitchFamily="34" charset="0"/>
-              </a:rPr>
-              <a:t>Poisoning is the mechanism most used by females for suicide in 2005</a:t>
-            </a:r>
-          </a:p>
-        </p:txBody>
-      </p:sp>
-      <p:sp>
-        <p:nvSpPr>
-          <p:cNvPr id="44" name="Rectangle 43">
-            <a:extLst>
-              <a:ext uri="{FF2B5EF4-FFF2-40B4-BE49-F238E27FC236}">
-                <a16:creationId xmlns:a16="http://schemas.microsoft.com/office/drawing/2014/main" id="{71E47AC8-8358-4724-91F8-0D1B21FC5F47}"/>
-              </a:ext>
-            </a:extLst>
-          </p:cNvPr>
-          <p:cNvSpPr/>
-          <p:nvPr/>
-        </p:nvSpPr>
-        <p:spPr>
-          <a:xfrm>
-            <a:off x="838205" y="5000266"/>
-            <a:ext cx="2743195" cy="492443"/>
-          </a:xfrm>
-          <a:prstGeom prst="rect">
-            <a:avLst/>
-          </a:prstGeom>
-        </p:spPr>
-        <p:txBody>
-          <a:bodyPr wrap="square" lIns="0" tIns="0" rIns="0" bIns="0" anchor="t">
-            <a:spAutoFit/>
-          </a:bodyPr>
-          <a:lstStyle/>
-          <a:p>
-            <a:r>
-              <a:rPr lang="en-US" sz="3200" dirty="0">
-                <a:solidFill>
-                  <a:schemeClr val="accent3">
-                    <a:lumMod val="75000"/>
-                  </a:schemeClr>
-                </a:solidFill>
-                <a:cs typeface="Segoe UI" panose="020B0502040204020203" pitchFamily="34" charset="0"/>
-              </a:rPr>
-              <a:t>34.6%</a:t>
-            </a:r>
-          </a:p>
-        </p:txBody>
-      </p:sp>
-      <p:sp>
-        <p:nvSpPr>
-          <p:cNvPr id="45" name="Rectangle 44">
-            <a:extLst>
-              <a:ext uri="{FF2B5EF4-FFF2-40B4-BE49-F238E27FC236}">
-                <a16:creationId xmlns:a16="http://schemas.microsoft.com/office/drawing/2014/main" id="{69F7E025-DDEC-4748-AAE9-9FA2A4BF1E49}"/>
-              </a:ext>
-            </a:extLst>
-          </p:cNvPr>
-          <p:cNvSpPr/>
-          <p:nvPr/>
-        </p:nvSpPr>
-        <p:spPr>
-          <a:xfrm>
-            <a:off x="838205" y="4748574"/>
-            <a:ext cx="2743195" cy="223394"/>
-          </a:xfrm>
-          <a:prstGeom prst="rect">
-            <a:avLst/>
-          </a:prstGeom>
-        </p:spPr>
-        <p:txBody>
-          <a:bodyPr wrap="square" lIns="0" tIns="0" rIns="0" bIns="0" anchor="t">
-            <a:spAutoFit/>
-          </a:bodyPr>
-          <a:lstStyle/>
-          <a:p>
-            <a:pPr>
-              <a:lnSpc>
-                <a:spcPts val="1900"/>
-              </a:lnSpc>
-            </a:pPr>
-            <a:r>
-              <a:rPr lang="en-US" sz="1400" b="1" dirty="0">
-                <a:solidFill>
-                  <a:schemeClr val="accent3">
-                    <a:lumMod val="75000"/>
-                  </a:schemeClr>
-                </a:solidFill>
-                <a:latin typeface="+mj-lt"/>
-                <a:cs typeface="Segoe UI" panose="020B0502040204020203" pitchFamily="34" charset="0"/>
-              </a:rPr>
-              <a:t>POISONING</a:t>
-            </a:r>
-          </a:p>
-        </p:txBody>
-      </p:sp>
-      <p:sp>
-        <p:nvSpPr>
-          <p:cNvPr id="46" name="Rectangle 45">
-            <a:extLst>
-              <a:ext uri="{FF2B5EF4-FFF2-40B4-BE49-F238E27FC236}">
-                <a16:creationId xmlns:a16="http://schemas.microsoft.com/office/drawing/2014/main" id="{84176128-6116-4C3C-9CC3-394E6E116762}"/>
-              </a:ext>
-            </a:extLst>
-          </p:cNvPr>
-          <p:cNvSpPr/>
-          <p:nvPr/>
-        </p:nvSpPr>
-        <p:spPr>
-          <a:xfrm>
-            <a:off x="4724403" y="5521007"/>
-            <a:ext cx="2743195" cy="710707"/>
-          </a:xfrm>
-          <a:prstGeom prst="rect">
-            <a:avLst/>
-          </a:prstGeom>
-        </p:spPr>
-        <p:txBody>
-          <a:bodyPr wrap="square" lIns="0" tIns="0" rIns="0" bIns="0" anchor="t">
-            <a:spAutoFit/>
-          </a:bodyPr>
-          <a:lstStyle/>
-          <a:p>
-            <a:pPr>
-              <a:lnSpc>
-                <a:spcPts val="1900"/>
-              </a:lnSpc>
-            </a:pPr>
-            <a:r>
-              <a:rPr lang="en-US" sz="1400" dirty="0">
-                <a:solidFill>
-                  <a:schemeClr val="tx1">
-                    <a:lumMod val="75000"/>
-                    <a:lumOff val="25000"/>
-                  </a:schemeClr>
-                </a:solidFill>
-                <a:cs typeface="Segoe UI" panose="020B0502040204020203" pitchFamily="34" charset="0"/>
-              </a:rPr>
-              <a:t>Suicide rates are greater between the ages of 45 and 64 for both sexes. </a:t>
-            </a:r>
-          </a:p>
-        </p:txBody>
-      </p:sp>
-      <p:sp>
-        <p:nvSpPr>
-          <p:cNvPr id="47" name="Rectangle 46">
-            <a:extLst>
-              <a:ext uri="{FF2B5EF4-FFF2-40B4-BE49-F238E27FC236}">
-                <a16:creationId xmlns:a16="http://schemas.microsoft.com/office/drawing/2014/main" id="{839BCDE9-6CF8-45EE-BFA1-6E32ED5C240E}"/>
-              </a:ext>
-            </a:extLst>
-          </p:cNvPr>
-          <p:cNvSpPr/>
-          <p:nvPr/>
-        </p:nvSpPr>
-        <p:spPr>
-          <a:xfrm>
-            <a:off x="4724403" y="5000266"/>
-            <a:ext cx="2743195" cy="492443"/>
-          </a:xfrm>
-          <a:prstGeom prst="rect">
-            <a:avLst/>
-          </a:prstGeom>
-        </p:spPr>
-        <p:txBody>
-          <a:bodyPr wrap="square" lIns="0" tIns="0" rIns="0" bIns="0" anchor="t">
-            <a:spAutoFit/>
-          </a:bodyPr>
-          <a:lstStyle/>
-          <a:p>
-            <a:r>
-              <a:rPr lang="en-US" sz="3200" dirty="0">
-                <a:solidFill>
-                  <a:schemeClr val="accent4">
-                    <a:lumMod val="75000"/>
-                  </a:schemeClr>
-                </a:solidFill>
-                <a:cs typeface="Segoe UI" panose="020B0502040204020203" pitchFamily="34" charset="0"/>
-              </a:rPr>
-              <a:t>45-64</a:t>
-            </a:r>
-          </a:p>
-        </p:txBody>
-      </p:sp>
-      <p:sp>
-        <p:nvSpPr>
-          <p:cNvPr id="48" name="Rectangle 47">
-            <a:extLst>
-              <a:ext uri="{FF2B5EF4-FFF2-40B4-BE49-F238E27FC236}">
-                <a16:creationId xmlns:a16="http://schemas.microsoft.com/office/drawing/2014/main" id="{7DDB637A-4822-4FE9-8AEA-11DEA7859049}"/>
-              </a:ext>
-            </a:extLst>
-          </p:cNvPr>
-          <p:cNvSpPr/>
-          <p:nvPr/>
-        </p:nvSpPr>
-        <p:spPr>
-          <a:xfrm>
-            <a:off x="4724403" y="4748574"/>
-            <a:ext cx="2743195" cy="223394"/>
-          </a:xfrm>
-          <a:prstGeom prst="rect">
-            <a:avLst/>
-          </a:prstGeom>
-        </p:spPr>
-        <p:txBody>
-          <a:bodyPr wrap="square" lIns="0" tIns="0" rIns="0" bIns="0" anchor="t">
-            <a:spAutoFit/>
-          </a:bodyPr>
-          <a:lstStyle/>
-          <a:p>
-            <a:pPr>
-              <a:lnSpc>
-                <a:spcPts val="1900"/>
-              </a:lnSpc>
-            </a:pPr>
-            <a:r>
-              <a:rPr lang="en-US" sz="1400" b="1" dirty="0">
-                <a:solidFill>
-                  <a:schemeClr val="accent4">
-                    <a:lumMod val="75000"/>
-                  </a:schemeClr>
-                </a:solidFill>
-                <a:latin typeface="+mj-lt"/>
-                <a:cs typeface="Segoe UI" panose="020B0502040204020203" pitchFamily="34" charset="0"/>
-              </a:rPr>
-              <a:t>SUICIDE BY AGE</a:t>
-            </a:r>
-          </a:p>
-        </p:txBody>
-      </p:sp>
-      <p:sp>
-        <p:nvSpPr>
-          <p:cNvPr id="49" name="Rectangle 48">
-            <a:extLst>
-              <a:ext uri="{FF2B5EF4-FFF2-40B4-BE49-F238E27FC236}">
-                <a16:creationId xmlns:a16="http://schemas.microsoft.com/office/drawing/2014/main" id="{7FA68D61-8BDC-4C14-9F0D-CF0C946CD30A}"/>
-              </a:ext>
-            </a:extLst>
-          </p:cNvPr>
-          <p:cNvSpPr/>
-          <p:nvPr/>
-        </p:nvSpPr>
-        <p:spPr>
-          <a:xfrm>
-            <a:off x="8614573" y="5521006"/>
-            <a:ext cx="2743195" cy="467051"/>
-          </a:xfrm>
-          <a:prstGeom prst="rect">
-            <a:avLst/>
-          </a:prstGeom>
-        </p:spPr>
-        <p:txBody>
-          <a:bodyPr wrap="square" lIns="0" tIns="0" rIns="0" bIns="0" anchor="t">
-            <a:spAutoFit/>
-          </a:bodyPr>
-          <a:lstStyle/>
-          <a:p>
-            <a:pPr>
-              <a:lnSpc>
-                <a:spcPts val="1900"/>
-              </a:lnSpc>
-            </a:pPr>
-            <a:r>
-              <a:rPr lang="en-US" sz="1400" dirty="0">
-                <a:solidFill>
-                  <a:schemeClr val="tx1">
-                    <a:lumMod val="75000"/>
-                    <a:lumOff val="25000"/>
-                  </a:schemeClr>
-                </a:solidFill>
-                <a:cs typeface="Segoe UI" panose="020B0502040204020203" pitchFamily="34" charset="0"/>
-              </a:rPr>
-              <a:t>Firearm was the mechanism most used by males for suicide in 2005.</a:t>
-            </a:r>
-          </a:p>
-        </p:txBody>
-      </p:sp>
-      <p:sp>
-        <p:nvSpPr>
-          <p:cNvPr id="50" name="Rectangle 49">
-            <a:extLst>
-              <a:ext uri="{FF2B5EF4-FFF2-40B4-BE49-F238E27FC236}">
-                <a16:creationId xmlns:a16="http://schemas.microsoft.com/office/drawing/2014/main" id="{B164A1DA-19AA-4A0C-9ED2-92A9346B807A}"/>
-              </a:ext>
-            </a:extLst>
-          </p:cNvPr>
-          <p:cNvSpPr/>
-          <p:nvPr/>
-        </p:nvSpPr>
-        <p:spPr>
-          <a:xfrm>
-            <a:off x="8610600" y="5000266"/>
-            <a:ext cx="2743195" cy="492443"/>
-          </a:xfrm>
-          <a:prstGeom prst="rect">
-            <a:avLst/>
-          </a:prstGeom>
-        </p:spPr>
-        <p:txBody>
-          <a:bodyPr wrap="square" lIns="0" tIns="0" rIns="0" bIns="0" anchor="t">
-            <a:spAutoFit/>
-          </a:bodyPr>
-          <a:lstStyle/>
-          <a:p>
-            <a:r>
-              <a:rPr lang="en-US" sz="3200" dirty="0">
-                <a:solidFill>
-                  <a:schemeClr val="tx1">
-                    <a:lumMod val="75000"/>
-                    <a:lumOff val="25000"/>
-                  </a:schemeClr>
-                </a:solidFill>
-                <a:cs typeface="Segoe UI" panose="020B0502040204020203" pitchFamily="34" charset="0"/>
-              </a:rPr>
-              <a:t>56.5%</a:t>
-            </a:r>
-          </a:p>
-        </p:txBody>
-      </p:sp>
-      <p:sp>
-        <p:nvSpPr>
-          <p:cNvPr id="51" name="Rectangle 50">
-            <a:extLst>
-              <a:ext uri="{FF2B5EF4-FFF2-40B4-BE49-F238E27FC236}">
-                <a16:creationId xmlns:a16="http://schemas.microsoft.com/office/drawing/2014/main" id="{FA4B18CA-09B5-4584-8D25-60B58EF68413}"/>
-              </a:ext>
-            </a:extLst>
-          </p:cNvPr>
-          <p:cNvSpPr/>
-          <p:nvPr/>
-        </p:nvSpPr>
-        <p:spPr>
-          <a:xfrm>
-            <a:off x="8610600" y="4748574"/>
-            <a:ext cx="2743195" cy="223394"/>
-          </a:xfrm>
-          <a:prstGeom prst="rect">
-            <a:avLst/>
-          </a:prstGeom>
-        </p:spPr>
-        <p:txBody>
-          <a:bodyPr wrap="square" lIns="0" tIns="0" rIns="0" bIns="0" anchor="t">
-            <a:spAutoFit/>
-          </a:bodyPr>
-          <a:lstStyle/>
-          <a:p>
-            <a:pPr>
-              <a:lnSpc>
-                <a:spcPts val="1900"/>
-              </a:lnSpc>
-            </a:pPr>
-            <a:r>
-              <a:rPr lang="en-US" sz="1400" b="1" dirty="0">
-                <a:solidFill>
-                  <a:schemeClr val="tx1">
-                    <a:lumMod val="75000"/>
-                    <a:lumOff val="25000"/>
-                  </a:schemeClr>
-                </a:solidFill>
-                <a:latin typeface="+mj-lt"/>
-                <a:cs typeface="Segoe UI" panose="020B0502040204020203" pitchFamily="34" charset="0"/>
-              </a:rPr>
-              <a:t>FIREARM</a:t>
-            </a:r>
-          </a:p>
-        </p:txBody>
-      </p:sp>
       <p:sp>
         <p:nvSpPr>
           <p:cNvPr id="11" name="Title 1">
@@ -5953,7 +5774,7 @@
                   </a:schemeClr>
                 </a:solidFill>
               </a:rPr>
-              <a:t>Suicide Mechanism</a:t>
+              <a:t>Suicide Rates Analysis</a:t>
             </a:r>
           </a:p>
           <a:p>
@@ -5967,7 +5788,7 @@
                   </a:schemeClr>
                 </a:solidFill>
               </a:rPr>
-              <a:t>US 2015</a:t>
+              <a:t>Years: 2000 - 2015</a:t>
             </a:r>
             <a:br>
               <a:rPr lang="en-US" sz="2800" dirty="0">
@@ -5990,12 +5811,620 @@
           </a:p>
         </p:txBody>
       </p:sp>
+      <p:cxnSp>
+        <p:nvCxnSpPr>
+          <p:cNvPr id="14" name="Straight Connector 13">
+            <a:extLst>
+              <a:ext uri="{FF2B5EF4-FFF2-40B4-BE49-F238E27FC236}">
+                <a16:creationId xmlns:a16="http://schemas.microsoft.com/office/drawing/2014/main" id="{83E690F4-843A-47A5-8620-4FB01C0D8E68}"/>
+              </a:ext>
+              <a:ext uri="{C183D7F6-B498-43B3-948B-1728B52AA6E4}">
+                <adec:decorative xmlns:adec="http://schemas.microsoft.com/office/drawing/2017/decorative" val="1"/>
+              </a:ext>
+            </a:extLst>
+          </p:cNvPr>
+          <p:cNvCxnSpPr>
+            <a:cxnSpLocks/>
+          </p:cNvCxnSpPr>
+          <p:nvPr/>
+        </p:nvCxnSpPr>
+        <p:spPr>
+          <a:xfrm>
+            <a:off x="0" y="522898"/>
+            <a:ext cx="4086225" cy="0"/>
+          </a:xfrm>
+          <a:prstGeom prst="line">
+            <a:avLst/>
+          </a:prstGeom>
+          <a:ln>
+            <a:solidFill>
+              <a:schemeClr val="accent3">
+                <a:lumMod val="50000"/>
+              </a:schemeClr>
+            </a:solidFill>
+            <a:tailEnd type="oval"/>
+          </a:ln>
+        </p:spPr>
+        <p:style>
+          <a:lnRef idx="1">
+            <a:schemeClr val="accent1"/>
+          </a:lnRef>
+          <a:fillRef idx="0">
+            <a:schemeClr val="accent1"/>
+          </a:fillRef>
+          <a:effectRef idx="0">
+            <a:schemeClr val="accent1"/>
+          </a:effectRef>
+          <a:fontRef idx="minor">
+            <a:schemeClr val="tx1"/>
+          </a:fontRef>
+        </p:style>
+      </p:cxnSp>
+      <p:cxnSp>
+        <p:nvCxnSpPr>
+          <p:cNvPr id="15" name="Straight Connector 14">
+            <a:extLst>
+              <a:ext uri="{FF2B5EF4-FFF2-40B4-BE49-F238E27FC236}">
+                <a16:creationId xmlns:a16="http://schemas.microsoft.com/office/drawing/2014/main" id="{6516ABC0-EF46-4159-B4CF-45B14EA929B3}"/>
+              </a:ext>
+              <a:ext uri="{C183D7F6-B498-43B3-948B-1728B52AA6E4}">
+                <adec:decorative xmlns:adec="http://schemas.microsoft.com/office/drawing/2017/decorative" val="1"/>
+              </a:ext>
+            </a:extLst>
+          </p:cNvPr>
+          <p:cNvCxnSpPr/>
+          <p:nvPr/>
+        </p:nvCxnSpPr>
+        <p:spPr>
+          <a:xfrm>
+            <a:off x="4300820" y="1252356"/>
+            <a:ext cx="0" cy="1206500"/>
+          </a:xfrm>
+          <a:prstGeom prst="line">
+            <a:avLst/>
+          </a:prstGeom>
+          <a:ln>
+            <a:solidFill>
+              <a:schemeClr val="accent3">
+                <a:lumMod val="50000"/>
+              </a:schemeClr>
+            </a:solidFill>
+          </a:ln>
+        </p:spPr>
+        <p:style>
+          <a:lnRef idx="1">
+            <a:schemeClr val="accent1"/>
+          </a:lnRef>
+          <a:fillRef idx="0">
+            <a:schemeClr val="accent1"/>
+          </a:fillRef>
+          <a:effectRef idx="0">
+            <a:schemeClr val="accent1"/>
+          </a:effectRef>
+          <a:fontRef idx="minor">
+            <a:schemeClr val="tx1"/>
+          </a:fontRef>
+        </p:style>
+      </p:cxnSp>
+      <p:cxnSp>
+        <p:nvCxnSpPr>
+          <p:cNvPr id="40" name="Straight Connector 39">
+            <a:extLst>
+              <a:ext uri="{FF2B5EF4-FFF2-40B4-BE49-F238E27FC236}">
+                <a16:creationId xmlns:a16="http://schemas.microsoft.com/office/drawing/2014/main" id="{B1E755E2-4A99-478A-BBEF-ACE16BEBFCB7}"/>
+              </a:ext>
+              <a:ext uri="{C183D7F6-B498-43B3-948B-1728B52AA6E4}">
+                <adec:decorative xmlns:adec="http://schemas.microsoft.com/office/drawing/2017/decorative" val="1"/>
+              </a:ext>
+            </a:extLst>
+          </p:cNvPr>
+          <p:cNvCxnSpPr/>
+          <p:nvPr/>
+        </p:nvCxnSpPr>
+        <p:spPr>
+          <a:xfrm>
+            <a:off x="8039100" y="4879971"/>
+            <a:ext cx="0" cy="1206500"/>
+          </a:xfrm>
+          <a:prstGeom prst="line">
+            <a:avLst/>
+          </a:prstGeom>
+          <a:ln>
+            <a:solidFill>
+              <a:schemeClr val="accent3">
+                <a:lumMod val="50000"/>
+              </a:schemeClr>
+            </a:solidFill>
+          </a:ln>
+        </p:spPr>
+        <p:style>
+          <a:lnRef idx="1">
+            <a:schemeClr val="accent1"/>
+          </a:lnRef>
+          <a:fillRef idx="0">
+            <a:schemeClr val="accent1"/>
+          </a:fillRef>
+          <a:effectRef idx="0">
+            <a:schemeClr val="accent1"/>
+          </a:effectRef>
+          <a:fontRef idx="minor">
+            <a:schemeClr val="tx1"/>
+          </a:fontRef>
+        </p:style>
+      </p:cxnSp>
+      <p:sp>
+        <p:nvSpPr>
+          <p:cNvPr id="43" name="Rectangle 42">
+            <a:extLst>
+              <a:ext uri="{FF2B5EF4-FFF2-40B4-BE49-F238E27FC236}">
+                <a16:creationId xmlns:a16="http://schemas.microsoft.com/office/drawing/2014/main" id="{51613421-44EB-4EA7-89AE-D8972D473414}"/>
+              </a:ext>
+            </a:extLst>
+          </p:cNvPr>
+          <p:cNvSpPr/>
+          <p:nvPr/>
+        </p:nvSpPr>
+        <p:spPr>
+          <a:xfrm>
+            <a:off x="4673175" y="1464184"/>
+            <a:ext cx="2743195" cy="710707"/>
+          </a:xfrm>
+          <a:prstGeom prst="rect">
+            <a:avLst/>
+          </a:prstGeom>
+        </p:spPr>
+        <p:txBody>
+          <a:bodyPr wrap="square" lIns="0" tIns="0" rIns="0" bIns="0" anchor="t">
+            <a:spAutoFit/>
+          </a:bodyPr>
+          <a:lstStyle/>
+          <a:p>
+            <a:pPr>
+              <a:lnSpc>
+                <a:spcPts val="1900"/>
+              </a:lnSpc>
+            </a:pPr>
+            <a:r>
+              <a:rPr lang="en-US" sz="1400" dirty="0">
+                <a:solidFill>
+                  <a:schemeClr val="tx1">
+                    <a:lumMod val="75000"/>
+                    <a:lumOff val="25000"/>
+                  </a:schemeClr>
+                </a:solidFill>
+                <a:cs typeface="Segoe UI" panose="020B0502040204020203" pitchFamily="34" charset="0"/>
+              </a:rPr>
+              <a:t>Listed among the top 10 countries with Suicide rate estimates in male and both sex gender categories.</a:t>
+            </a:r>
+          </a:p>
+        </p:txBody>
+      </p:sp>
+      <p:sp>
+        <p:nvSpPr>
+          <p:cNvPr id="45" name="Rectangle 44">
+            <a:extLst>
+              <a:ext uri="{FF2B5EF4-FFF2-40B4-BE49-F238E27FC236}">
+                <a16:creationId xmlns:a16="http://schemas.microsoft.com/office/drawing/2014/main" id="{69F7E025-DDEC-4748-AAE9-9FA2A4BF1E49}"/>
+              </a:ext>
+            </a:extLst>
+          </p:cNvPr>
+          <p:cNvSpPr/>
+          <p:nvPr/>
+        </p:nvSpPr>
+        <p:spPr>
+          <a:xfrm>
+            <a:off x="4673175" y="1140659"/>
+            <a:ext cx="2743195" cy="223394"/>
+          </a:xfrm>
+          <a:prstGeom prst="rect">
+            <a:avLst/>
+          </a:prstGeom>
+        </p:spPr>
+        <p:txBody>
+          <a:bodyPr wrap="square" lIns="0" tIns="0" rIns="0" bIns="0" anchor="t">
+            <a:spAutoFit/>
+          </a:bodyPr>
+          <a:lstStyle/>
+          <a:p>
+            <a:pPr>
+              <a:lnSpc>
+                <a:spcPts val="1900"/>
+              </a:lnSpc>
+            </a:pPr>
+            <a:r>
+              <a:rPr lang="en-US" sz="1400" b="1" dirty="0">
+                <a:solidFill>
+                  <a:schemeClr val="accent3">
+                    <a:lumMod val="75000"/>
+                  </a:schemeClr>
+                </a:solidFill>
+                <a:latin typeface="+mj-lt"/>
+                <a:cs typeface="Segoe UI" panose="020B0502040204020203" pitchFamily="34" charset="0"/>
+              </a:rPr>
+              <a:t>Kazakhstan &amp; Belarus</a:t>
+            </a:r>
+          </a:p>
+        </p:txBody>
+      </p:sp>
+      <p:sp>
+        <p:nvSpPr>
+          <p:cNvPr id="46" name="Rectangle 45">
+            <a:extLst>
+              <a:ext uri="{FF2B5EF4-FFF2-40B4-BE49-F238E27FC236}">
+                <a16:creationId xmlns:a16="http://schemas.microsoft.com/office/drawing/2014/main" id="{84176128-6116-4C3C-9CC3-394E6E116762}"/>
+              </a:ext>
+            </a:extLst>
+          </p:cNvPr>
+          <p:cNvSpPr/>
+          <p:nvPr/>
+        </p:nvSpPr>
+        <p:spPr>
+          <a:xfrm>
+            <a:off x="4657555" y="3456302"/>
+            <a:ext cx="2743195" cy="710707"/>
+          </a:xfrm>
+          <a:prstGeom prst="rect">
+            <a:avLst/>
+          </a:prstGeom>
+        </p:spPr>
+        <p:txBody>
+          <a:bodyPr wrap="square" lIns="0" tIns="0" rIns="0" bIns="0" anchor="t">
+            <a:spAutoFit/>
+          </a:bodyPr>
+          <a:lstStyle/>
+          <a:p>
+            <a:pPr>
+              <a:lnSpc>
+                <a:spcPts val="1900"/>
+              </a:lnSpc>
+            </a:pPr>
+            <a:r>
+              <a:rPr lang="en-US" sz="1400" dirty="0">
+                <a:solidFill>
+                  <a:schemeClr val="tx1">
+                    <a:lumMod val="75000"/>
+                    <a:lumOff val="25000"/>
+                  </a:schemeClr>
+                </a:solidFill>
+                <a:cs typeface="Segoe UI" panose="020B0502040204020203" pitchFamily="34" charset="0"/>
+              </a:rPr>
+              <a:t>Listed among the top 10 countries with Suicide rate estimates in female gender categories.</a:t>
+            </a:r>
+          </a:p>
+        </p:txBody>
+      </p:sp>
+      <p:sp>
+        <p:nvSpPr>
+          <p:cNvPr id="48" name="Rectangle 47">
+            <a:extLst>
+              <a:ext uri="{FF2B5EF4-FFF2-40B4-BE49-F238E27FC236}">
+                <a16:creationId xmlns:a16="http://schemas.microsoft.com/office/drawing/2014/main" id="{7DDB637A-4822-4FE9-8AEA-11DEA7859049}"/>
+              </a:ext>
+            </a:extLst>
+          </p:cNvPr>
+          <p:cNvSpPr/>
+          <p:nvPr/>
+        </p:nvSpPr>
+        <p:spPr>
+          <a:xfrm>
+            <a:off x="4657555" y="2839471"/>
+            <a:ext cx="2743195" cy="465577"/>
+          </a:xfrm>
+          <a:prstGeom prst="rect">
+            <a:avLst/>
+          </a:prstGeom>
+        </p:spPr>
+        <p:txBody>
+          <a:bodyPr wrap="square" lIns="0" tIns="0" rIns="0" bIns="0" anchor="t">
+            <a:spAutoFit/>
+          </a:bodyPr>
+          <a:lstStyle/>
+          <a:p>
+            <a:pPr>
+              <a:lnSpc>
+                <a:spcPts val="1900"/>
+              </a:lnSpc>
+            </a:pPr>
+            <a:r>
+              <a:rPr lang="en-US" sz="1400" b="1" dirty="0">
+                <a:solidFill>
+                  <a:schemeClr val="accent4">
+                    <a:lumMod val="75000"/>
+                  </a:schemeClr>
+                </a:solidFill>
+                <a:latin typeface="+mj-lt"/>
+                <a:cs typeface="Segoe UI" panose="020B0502040204020203" pitchFamily="34" charset="0"/>
+              </a:rPr>
+              <a:t>India, Lesotho, Uganda, Nigeria, Sierra Leone</a:t>
+            </a:r>
+          </a:p>
+        </p:txBody>
+      </p:sp>
+      <p:sp>
+        <p:nvSpPr>
+          <p:cNvPr id="49" name="Rectangle 48">
+            <a:extLst>
+              <a:ext uri="{FF2B5EF4-FFF2-40B4-BE49-F238E27FC236}">
+                <a16:creationId xmlns:a16="http://schemas.microsoft.com/office/drawing/2014/main" id="{7FA68D61-8BDC-4C14-9F0D-CF0C946CD30A}"/>
+              </a:ext>
+            </a:extLst>
+          </p:cNvPr>
+          <p:cNvSpPr/>
+          <p:nvPr/>
+        </p:nvSpPr>
+        <p:spPr>
+          <a:xfrm>
+            <a:off x="4657554" y="5006039"/>
+            <a:ext cx="2743195" cy="710707"/>
+          </a:xfrm>
+          <a:prstGeom prst="rect">
+            <a:avLst/>
+          </a:prstGeom>
+        </p:spPr>
+        <p:txBody>
+          <a:bodyPr wrap="square" lIns="0" tIns="0" rIns="0" bIns="0" anchor="t">
+            <a:spAutoFit/>
+          </a:bodyPr>
+          <a:lstStyle/>
+          <a:p>
+            <a:pPr>
+              <a:lnSpc>
+                <a:spcPts val="1900"/>
+              </a:lnSpc>
+            </a:pPr>
+            <a:r>
+              <a:rPr lang="en-US" sz="1400" dirty="0">
+                <a:solidFill>
+                  <a:schemeClr val="tx1">
+                    <a:lumMod val="75000"/>
+                    <a:lumOff val="25000"/>
+                  </a:schemeClr>
+                </a:solidFill>
+                <a:cs typeface="Segoe UI" panose="020B0502040204020203" pitchFamily="34" charset="0"/>
+              </a:rPr>
+              <a:t>Listed among the top 10 countries with Suicide rate estimates in female gender categories.in year 2000 only.</a:t>
+            </a:r>
+          </a:p>
+        </p:txBody>
+      </p:sp>
+      <p:sp>
+        <p:nvSpPr>
+          <p:cNvPr id="51" name="Rectangle 50">
+            <a:extLst>
+              <a:ext uri="{FF2B5EF4-FFF2-40B4-BE49-F238E27FC236}">
+                <a16:creationId xmlns:a16="http://schemas.microsoft.com/office/drawing/2014/main" id="{FA4B18CA-09B5-4584-8D25-60B58EF68413}"/>
+              </a:ext>
+            </a:extLst>
+          </p:cNvPr>
+          <p:cNvSpPr/>
+          <p:nvPr/>
+        </p:nvSpPr>
+        <p:spPr>
+          <a:xfrm>
+            <a:off x="4673175" y="4772830"/>
+            <a:ext cx="2743195" cy="223394"/>
+          </a:xfrm>
+          <a:prstGeom prst="rect">
+            <a:avLst/>
+          </a:prstGeom>
+        </p:spPr>
+        <p:txBody>
+          <a:bodyPr wrap="square" lIns="0" tIns="0" rIns="0" bIns="0" anchor="t">
+            <a:spAutoFit/>
+          </a:bodyPr>
+          <a:lstStyle/>
+          <a:p>
+            <a:pPr>
+              <a:lnSpc>
+                <a:spcPts val="1900"/>
+              </a:lnSpc>
+            </a:pPr>
+            <a:r>
+              <a:rPr lang="en-US" sz="1400" b="1" dirty="0">
+                <a:solidFill>
+                  <a:schemeClr val="tx1">
+                    <a:lumMod val="75000"/>
+                    <a:lumOff val="25000"/>
+                  </a:schemeClr>
+                </a:solidFill>
+                <a:latin typeface="+mj-lt"/>
+                <a:cs typeface="Segoe UI" panose="020B0502040204020203" pitchFamily="34" charset="0"/>
+              </a:rPr>
+              <a:t>China</a:t>
+            </a:r>
+          </a:p>
+        </p:txBody>
+      </p:sp>
+      <p:cxnSp>
+        <p:nvCxnSpPr>
+          <p:cNvPr id="35" name="Straight Connector 34">
+            <a:extLst>
+              <a:ext uri="{FF2B5EF4-FFF2-40B4-BE49-F238E27FC236}">
+                <a16:creationId xmlns:a16="http://schemas.microsoft.com/office/drawing/2014/main" id="{DB7EF73A-9F20-4F55-A4EF-AAEB01E7093D}"/>
+              </a:ext>
+              <a:ext uri="{C183D7F6-B498-43B3-948B-1728B52AA6E4}">
+                <adec:decorative xmlns:adec="http://schemas.microsoft.com/office/drawing/2017/decorative" val="1"/>
+              </a:ext>
+            </a:extLst>
+          </p:cNvPr>
+          <p:cNvCxnSpPr/>
+          <p:nvPr/>
+        </p:nvCxnSpPr>
+        <p:spPr>
+          <a:xfrm>
+            <a:off x="4291860" y="2888415"/>
+            <a:ext cx="0" cy="1206500"/>
+          </a:xfrm>
+          <a:prstGeom prst="line">
+            <a:avLst/>
+          </a:prstGeom>
+          <a:ln>
+            <a:solidFill>
+              <a:schemeClr val="accent3">
+                <a:lumMod val="50000"/>
+              </a:schemeClr>
+            </a:solidFill>
+          </a:ln>
+        </p:spPr>
+        <p:style>
+          <a:lnRef idx="1">
+            <a:schemeClr val="accent1"/>
+          </a:lnRef>
+          <a:fillRef idx="0">
+            <a:schemeClr val="accent1"/>
+          </a:fillRef>
+          <a:effectRef idx="0">
+            <a:schemeClr val="accent1"/>
+          </a:effectRef>
+          <a:fontRef idx="minor">
+            <a:schemeClr val="tx1"/>
+          </a:fontRef>
+        </p:style>
+      </p:cxnSp>
+      <p:cxnSp>
+        <p:nvCxnSpPr>
+          <p:cNvPr id="36" name="Straight Connector 35">
+            <a:extLst>
+              <a:ext uri="{FF2B5EF4-FFF2-40B4-BE49-F238E27FC236}">
+                <a16:creationId xmlns:a16="http://schemas.microsoft.com/office/drawing/2014/main" id="{B7CCDE4F-04AE-4520-9B3A-619384C345FE}"/>
+              </a:ext>
+              <a:ext uri="{C183D7F6-B498-43B3-948B-1728B52AA6E4}">
+                <adec:decorative xmlns:adec="http://schemas.microsoft.com/office/drawing/2017/decorative" val="1"/>
+              </a:ext>
+            </a:extLst>
+          </p:cNvPr>
+          <p:cNvCxnSpPr/>
+          <p:nvPr/>
+        </p:nvCxnSpPr>
+        <p:spPr>
+          <a:xfrm>
+            <a:off x="4280657" y="4817654"/>
+            <a:ext cx="0" cy="1206500"/>
+          </a:xfrm>
+          <a:prstGeom prst="line">
+            <a:avLst/>
+          </a:prstGeom>
+          <a:ln>
+            <a:solidFill>
+              <a:schemeClr val="accent3">
+                <a:lumMod val="50000"/>
+              </a:schemeClr>
+            </a:solidFill>
+          </a:ln>
+        </p:spPr>
+        <p:style>
+          <a:lnRef idx="1">
+            <a:schemeClr val="accent1"/>
+          </a:lnRef>
+          <a:fillRef idx="0">
+            <a:schemeClr val="accent1"/>
+          </a:fillRef>
+          <a:effectRef idx="0">
+            <a:schemeClr val="accent1"/>
+          </a:effectRef>
+          <a:fontRef idx="minor">
+            <a:schemeClr val="tx1"/>
+          </a:fontRef>
+        </p:style>
+      </p:cxnSp>
+      <p:cxnSp>
+        <p:nvCxnSpPr>
+          <p:cNvPr id="37" name="Straight Connector 36">
+            <a:extLst>
+              <a:ext uri="{FF2B5EF4-FFF2-40B4-BE49-F238E27FC236}">
+                <a16:creationId xmlns:a16="http://schemas.microsoft.com/office/drawing/2014/main" id="{3EEB90A8-5D9B-4235-B626-B72D16B87A09}"/>
+              </a:ext>
+              <a:ext uri="{C183D7F6-B498-43B3-948B-1728B52AA6E4}">
+                <adec:decorative xmlns:adec="http://schemas.microsoft.com/office/drawing/2017/decorative" val="1"/>
+              </a:ext>
+            </a:extLst>
+          </p:cNvPr>
+          <p:cNvCxnSpPr/>
+          <p:nvPr/>
+        </p:nvCxnSpPr>
+        <p:spPr>
+          <a:xfrm>
+            <a:off x="8039100" y="2839471"/>
+            <a:ext cx="0" cy="1206500"/>
+          </a:xfrm>
+          <a:prstGeom prst="line">
+            <a:avLst/>
+          </a:prstGeom>
+          <a:ln>
+            <a:solidFill>
+              <a:schemeClr val="accent3">
+                <a:lumMod val="50000"/>
+              </a:schemeClr>
+            </a:solidFill>
+          </a:ln>
+        </p:spPr>
+        <p:style>
+          <a:lnRef idx="1">
+            <a:schemeClr val="accent1"/>
+          </a:lnRef>
+          <a:fillRef idx="0">
+            <a:schemeClr val="accent1"/>
+          </a:fillRef>
+          <a:effectRef idx="0">
+            <a:schemeClr val="accent1"/>
+          </a:effectRef>
+          <a:fontRef idx="minor">
+            <a:schemeClr val="tx1"/>
+          </a:fontRef>
+        </p:style>
+      </p:cxnSp>
+      <p:cxnSp>
+        <p:nvCxnSpPr>
+          <p:cNvPr id="38" name="Straight Connector 37">
+            <a:extLst>
+              <a:ext uri="{FF2B5EF4-FFF2-40B4-BE49-F238E27FC236}">
+                <a16:creationId xmlns:a16="http://schemas.microsoft.com/office/drawing/2014/main" id="{E9E03219-09ED-49EC-A2B0-96D63433B216}"/>
+              </a:ext>
+              <a:ext uri="{C183D7F6-B498-43B3-948B-1728B52AA6E4}">
+                <adec:decorative xmlns:adec="http://schemas.microsoft.com/office/drawing/2017/decorative" val="1"/>
+              </a:ext>
+            </a:extLst>
+          </p:cNvPr>
+          <p:cNvCxnSpPr/>
+          <p:nvPr/>
+        </p:nvCxnSpPr>
+        <p:spPr>
+          <a:xfrm>
+            <a:off x="8036859" y="1202669"/>
+            <a:ext cx="0" cy="1206500"/>
+          </a:xfrm>
+          <a:prstGeom prst="line">
+            <a:avLst/>
+          </a:prstGeom>
+          <a:ln>
+            <a:solidFill>
+              <a:schemeClr val="accent3">
+                <a:lumMod val="50000"/>
+              </a:schemeClr>
+            </a:solidFill>
+          </a:ln>
+        </p:spPr>
+        <p:style>
+          <a:lnRef idx="1">
+            <a:schemeClr val="accent1"/>
+          </a:lnRef>
+          <a:fillRef idx="0">
+            <a:schemeClr val="accent1"/>
+          </a:fillRef>
+          <a:effectRef idx="0">
+            <a:schemeClr val="accent1"/>
+          </a:effectRef>
+          <a:fontRef idx="minor">
+            <a:schemeClr val="tx1"/>
+          </a:fontRef>
+        </p:style>
+      </p:cxnSp>
       <p:pic>
         <p:nvPicPr>
-          <p:cNvPr id="7" name="Picture 6">
-            <a:extLst>
-              <a:ext uri="{FF2B5EF4-FFF2-40B4-BE49-F238E27FC236}">
-                <a16:creationId xmlns:a16="http://schemas.microsoft.com/office/drawing/2014/main" id="{A6BFC7F3-C22A-4935-A2A3-4807C8862FC6}"/>
+          <p:cNvPr id="3" name="Picture 2">
+            <a:extLst>
+              <a:ext uri="{FF2B5EF4-FFF2-40B4-BE49-F238E27FC236}">
+                <a16:creationId xmlns:a16="http://schemas.microsoft.com/office/drawing/2014/main" id="{45D86A5F-5E10-4AC3-B7D0-EEA2839ED10B}"/>
               </a:ext>
             </a:extLst>
           </p:cNvPr>
@@ -6018,8 +6447,8 @@
         </p:blipFill>
         <p:spPr>
           <a:xfrm>
-            <a:off x="4169684" y="1493759"/>
-            <a:ext cx="3657600" cy="2703443"/>
+            <a:off x="127758" y="3644478"/>
+            <a:ext cx="4084684" cy="2723122"/>
           </a:xfrm>
           <a:prstGeom prst="rect">
             <a:avLst/>
@@ -6028,10 +6457,10 @@
       </p:pic>
       <p:pic>
         <p:nvPicPr>
-          <p:cNvPr id="17" name="Picture 16">
-            <a:extLst>
-              <a:ext uri="{FF2B5EF4-FFF2-40B4-BE49-F238E27FC236}">
-                <a16:creationId xmlns:a16="http://schemas.microsoft.com/office/drawing/2014/main" id="{ECC6065C-8F80-459D-B967-33202BD318B6}"/>
+          <p:cNvPr id="7" name="Picture 6">
+            <a:extLst>
+              <a:ext uri="{FF2B5EF4-FFF2-40B4-BE49-F238E27FC236}">
+                <a16:creationId xmlns:a16="http://schemas.microsoft.com/office/drawing/2014/main" id="{41AEB6FF-E338-46E0-9BAC-0A5CAAE7A694}"/>
               </a:ext>
             </a:extLst>
           </p:cNvPr>
@@ -6054,8 +6483,8 @@
         </p:blipFill>
         <p:spPr>
           <a:xfrm>
-            <a:off x="214312" y="869942"/>
-            <a:ext cx="3657600" cy="3660770"/>
+            <a:off x="8107316" y="3611904"/>
+            <a:ext cx="4084684" cy="2723122"/>
           </a:xfrm>
           <a:prstGeom prst="rect">
             <a:avLst/>
@@ -6064,10 +6493,10 @@
       </p:pic>
       <p:pic>
         <p:nvPicPr>
-          <p:cNvPr id="19" name="Picture 18">
-            <a:extLst>
-              <a:ext uri="{FF2B5EF4-FFF2-40B4-BE49-F238E27FC236}">
-                <a16:creationId xmlns:a16="http://schemas.microsoft.com/office/drawing/2014/main" id="{16A1285F-2C40-4264-A882-823E8EC93F36}"/>
+          <p:cNvPr id="12" name="Picture 11">
+            <a:extLst>
+              <a:ext uri="{FF2B5EF4-FFF2-40B4-BE49-F238E27FC236}">
+                <a16:creationId xmlns:a16="http://schemas.microsoft.com/office/drawing/2014/main" id="{B06533A0-B1E3-4E71-B12F-7DA930F40EC3}"/>
               </a:ext>
             </a:extLst>
           </p:cNvPr>
@@ -6090,8 +6519,44 @@
         </p:blipFill>
         <p:spPr>
           <a:xfrm>
-            <a:off x="8320090" y="855297"/>
-            <a:ext cx="3657600" cy="3660756"/>
+            <a:off x="8105775" y="733180"/>
+            <a:ext cx="4084684" cy="2723122"/>
+          </a:xfrm>
+          <a:prstGeom prst="rect">
+            <a:avLst/>
+          </a:prstGeom>
+        </p:spPr>
+      </p:pic>
+      <p:pic>
+        <p:nvPicPr>
+          <p:cNvPr id="17" name="Picture 16">
+            <a:extLst>
+              <a:ext uri="{FF2B5EF4-FFF2-40B4-BE49-F238E27FC236}">
+                <a16:creationId xmlns:a16="http://schemas.microsoft.com/office/drawing/2014/main" id="{3ADE5DFD-BF29-4AB1-BDF7-D91F57B6D45D}"/>
+              </a:ext>
+            </a:extLst>
+          </p:cNvPr>
+          <p:cNvPicPr>
+            <a:picLocks noChangeAspect="1"/>
+          </p:cNvPicPr>
+          <p:nvPr/>
+        </p:nvPicPr>
+        <p:blipFill>
+          <a:blip r:embed="rId5">
+            <a:extLst>
+              <a:ext uri="{28A0092B-C50C-407E-A947-70E740481C1C}">
+                <a14:useLocalDpi xmlns:a14="http://schemas.microsoft.com/office/drawing/2010/main" val="0"/>
+              </a:ext>
+            </a:extLst>
+          </a:blip>
+          <a:stretch>
+            <a:fillRect/>
+          </a:stretch>
+        </p:blipFill>
+        <p:spPr>
+          <a:xfrm>
+            <a:off x="147221" y="813330"/>
+            <a:ext cx="4084684" cy="2723122"/>
           </a:xfrm>
           <a:prstGeom prst="rect">
             <a:avLst/>
@@ -6101,7 +6566,7 @@
     </p:spTree>
     <p:extLst>
       <p:ext uri="{BB962C8B-B14F-4D97-AF65-F5344CB8AC3E}">
-        <p14:creationId xmlns:p14="http://schemas.microsoft.com/office/powerpoint/2010/main" val="1795632014"/>
+        <p14:creationId xmlns:p14="http://schemas.microsoft.com/office/powerpoint/2010/main" val="3455234043"/>
       </p:ext>
     </p:extLst>
   </p:cSld>
@@ -6434,7 +6899,7 @@
                 </a:solidFill>
                 <a:cs typeface="Segoe UI" panose="020B0502040204020203" pitchFamily="34" charset="0"/>
               </a:rPr>
-              <a:t>40.4%</a:t>
+              <a:t>34.6%</a:t>
             </a:r>
           </a:p>
         </p:txBody>
@@ -6635,8 +7100,8 @@
         </p:nvSpPr>
         <p:spPr>
           <a:xfrm>
-            <a:off x="8610600" y="5521007"/>
-            <a:ext cx="2743195" cy="710707"/>
+            <a:off x="8614573" y="5521006"/>
+            <a:ext cx="2743195" cy="467051"/>
           </a:xfrm>
           <a:prstGeom prst="rect">
             <a:avLst/>
@@ -6663,7 +7128,7 @@
                 </a:solidFill>
                 <a:cs typeface="Segoe UI" panose="020B0502040204020203" pitchFamily="34" charset="0"/>
               </a:rPr>
-              <a:t>Lorem ipsum dolor sit amet, consectetur adipiscing elit, sed do eiusmod tempor.</a:t>
+              <a:t>Firearm was the mechanism most used by males for suicide in 2005.</a:t>
             </a:r>
           </a:p>
         </p:txBody>
@@ -6705,7 +7170,7 @@
                 </a:solidFill>
                 <a:cs typeface="Segoe UI" panose="020B0502040204020203" pitchFamily="34" charset="0"/>
               </a:rPr>
-              <a:t>59.2%</a:t>
+              <a:t>56.5%</a:t>
             </a:r>
           </a:p>
         </p:txBody>
@@ -6829,7 +7294,7 @@
                   </a:schemeClr>
                 </a:solidFill>
               </a:rPr>
-              <a:t>US 2005</a:t>
+              <a:t>US 2015</a:t>
             </a:r>
             <a:br>
               <a:rPr lang="en-US" sz="2800" dirty="0">
@@ -6854,6 +7319,868 @@
       </p:sp>
       <p:pic>
         <p:nvPicPr>
+          <p:cNvPr id="7" name="Picture 6">
+            <a:extLst>
+              <a:ext uri="{FF2B5EF4-FFF2-40B4-BE49-F238E27FC236}">
+                <a16:creationId xmlns:a16="http://schemas.microsoft.com/office/drawing/2014/main" id="{A6BFC7F3-C22A-4935-A2A3-4807C8862FC6}"/>
+              </a:ext>
+            </a:extLst>
+          </p:cNvPr>
+          <p:cNvPicPr>
+            <a:picLocks noChangeAspect="1"/>
+          </p:cNvPicPr>
+          <p:nvPr/>
+        </p:nvPicPr>
+        <p:blipFill>
+          <a:blip r:embed="rId2">
+            <a:extLst>
+              <a:ext uri="{28A0092B-C50C-407E-A947-70E740481C1C}">
+                <a14:useLocalDpi xmlns:a14="http://schemas.microsoft.com/office/drawing/2010/main" val="0"/>
+              </a:ext>
+            </a:extLst>
+          </a:blip>
+          <a:stretch>
+            <a:fillRect/>
+          </a:stretch>
+        </p:blipFill>
+        <p:spPr>
+          <a:xfrm>
+            <a:off x="4169684" y="1493759"/>
+            <a:ext cx="3657600" cy="2703443"/>
+          </a:xfrm>
+          <a:prstGeom prst="rect">
+            <a:avLst/>
+          </a:prstGeom>
+        </p:spPr>
+      </p:pic>
+      <p:pic>
+        <p:nvPicPr>
+          <p:cNvPr id="17" name="Picture 16">
+            <a:extLst>
+              <a:ext uri="{FF2B5EF4-FFF2-40B4-BE49-F238E27FC236}">
+                <a16:creationId xmlns:a16="http://schemas.microsoft.com/office/drawing/2014/main" id="{ECC6065C-8F80-459D-B967-33202BD318B6}"/>
+              </a:ext>
+            </a:extLst>
+          </p:cNvPr>
+          <p:cNvPicPr>
+            <a:picLocks noChangeAspect="1"/>
+          </p:cNvPicPr>
+          <p:nvPr/>
+        </p:nvPicPr>
+        <p:blipFill>
+          <a:blip r:embed="rId3">
+            <a:extLst>
+              <a:ext uri="{28A0092B-C50C-407E-A947-70E740481C1C}">
+                <a14:useLocalDpi xmlns:a14="http://schemas.microsoft.com/office/drawing/2010/main" val="0"/>
+              </a:ext>
+            </a:extLst>
+          </a:blip>
+          <a:stretch>
+            <a:fillRect/>
+          </a:stretch>
+        </p:blipFill>
+        <p:spPr>
+          <a:xfrm>
+            <a:off x="214312" y="869942"/>
+            <a:ext cx="3657600" cy="3660770"/>
+          </a:xfrm>
+          <a:prstGeom prst="rect">
+            <a:avLst/>
+          </a:prstGeom>
+        </p:spPr>
+      </p:pic>
+      <p:pic>
+        <p:nvPicPr>
+          <p:cNvPr id="19" name="Picture 18">
+            <a:extLst>
+              <a:ext uri="{FF2B5EF4-FFF2-40B4-BE49-F238E27FC236}">
+                <a16:creationId xmlns:a16="http://schemas.microsoft.com/office/drawing/2014/main" id="{16A1285F-2C40-4264-A882-823E8EC93F36}"/>
+              </a:ext>
+            </a:extLst>
+          </p:cNvPr>
+          <p:cNvPicPr>
+            <a:picLocks noChangeAspect="1"/>
+          </p:cNvPicPr>
+          <p:nvPr/>
+        </p:nvPicPr>
+        <p:blipFill>
+          <a:blip r:embed="rId4">
+            <a:extLst>
+              <a:ext uri="{28A0092B-C50C-407E-A947-70E740481C1C}">
+                <a14:useLocalDpi xmlns:a14="http://schemas.microsoft.com/office/drawing/2010/main" val="0"/>
+              </a:ext>
+            </a:extLst>
+          </a:blip>
+          <a:stretch>
+            <a:fillRect/>
+          </a:stretch>
+        </p:blipFill>
+        <p:spPr>
+          <a:xfrm>
+            <a:off x="8320090" y="855297"/>
+            <a:ext cx="3657600" cy="3660756"/>
+          </a:xfrm>
+          <a:prstGeom prst="rect">
+            <a:avLst/>
+          </a:prstGeom>
+        </p:spPr>
+      </p:pic>
+    </p:spTree>
+    <p:extLst>
+      <p:ext uri="{BB962C8B-B14F-4D97-AF65-F5344CB8AC3E}">
+        <p14:creationId xmlns:p14="http://schemas.microsoft.com/office/powerpoint/2010/main" val="1795632014"/>
+      </p:ext>
+    </p:extLst>
+  </p:cSld>
+  <p:clrMapOvr>
+    <a:masterClrMapping/>
+  </p:clrMapOvr>
+</p:sld>
+</file>
+
+<file path=ppt/slides/slide13.xml><?xml version="1.0" encoding="utf-8"?>
+<p:sld xmlns:a="http://schemas.openxmlformats.org/drawingml/2006/main" xmlns:r="http://schemas.openxmlformats.org/officeDocument/2006/relationships" xmlns:p="http://schemas.openxmlformats.org/presentationml/2006/main">
+  <p:cSld>
+    <p:spTree>
+      <p:nvGrpSpPr>
+        <p:cNvPr id="1" name=""/>
+        <p:cNvGrpSpPr/>
+        <p:nvPr/>
+      </p:nvGrpSpPr>
+      <p:grpSpPr>
+        <a:xfrm>
+          <a:off x="0" y="0"/>
+          <a:ext cx="0" cy="0"/>
+          <a:chOff x="0" y="0"/>
+          <a:chExt cx="0" cy="0"/>
+        </a:xfrm>
+      </p:grpSpPr>
+      <p:sp>
+        <p:nvSpPr>
+          <p:cNvPr id="4" name="Title 3" hidden="1">
+            <a:extLst>
+              <a:ext uri="{FF2B5EF4-FFF2-40B4-BE49-F238E27FC236}">
+                <a16:creationId xmlns:a16="http://schemas.microsoft.com/office/drawing/2014/main" id="{2AC0C949-7A02-4C95-8017-D82E7E71C4F7}"/>
+              </a:ext>
+            </a:extLst>
+          </p:cNvPr>
+          <p:cNvSpPr>
+            <a:spLocks noGrp="1"/>
+          </p:cNvSpPr>
+          <p:nvPr>
+            <p:ph type="title" idx="4294967295"/>
+          </p:nvPr>
+        </p:nvSpPr>
+        <p:spPr>
+          <a:xfrm>
+            <a:off x="0" y="365125"/>
+            <a:ext cx="10515600" cy="1325563"/>
+          </a:xfrm>
+        </p:spPr>
+        <p:txBody>
+          <a:bodyPr/>
+          <a:lstStyle/>
+          <a:p>
+            <a:r>
+              <a:rPr lang="en-US" dirty="0"/>
+              <a:t>Project analysis slide 5</a:t>
+            </a:r>
+          </a:p>
+        </p:txBody>
+      </p:sp>
+      <p:cxnSp>
+        <p:nvCxnSpPr>
+          <p:cNvPr id="8" name="Straight Connector 7">
+            <a:extLst>
+              <a:ext uri="{FF2B5EF4-FFF2-40B4-BE49-F238E27FC236}">
+                <a16:creationId xmlns:a16="http://schemas.microsoft.com/office/drawing/2014/main" id="{D0986099-F5F2-4E8B-BE17-81194861A00C}"/>
+              </a:ext>
+              <a:ext uri="{C183D7F6-B498-43B3-948B-1728B52AA6E4}">
+                <adec:decorative xmlns:adec="http://schemas.microsoft.com/office/drawing/2017/decorative" val="1"/>
+              </a:ext>
+            </a:extLst>
+          </p:cNvPr>
+          <p:cNvCxnSpPr>
+            <a:cxnSpLocks/>
+          </p:cNvCxnSpPr>
+          <p:nvPr/>
+        </p:nvCxnSpPr>
+        <p:spPr>
+          <a:xfrm>
+            <a:off x="8105775" y="522898"/>
+            <a:ext cx="4086225" cy="0"/>
+          </a:xfrm>
+          <a:prstGeom prst="line">
+            <a:avLst/>
+          </a:prstGeom>
+          <a:ln>
+            <a:solidFill>
+              <a:schemeClr val="accent3">
+                <a:lumMod val="50000"/>
+              </a:schemeClr>
+            </a:solidFill>
+            <a:headEnd type="oval"/>
+          </a:ln>
+        </p:spPr>
+        <p:style>
+          <a:lnRef idx="1">
+            <a:schemeClr val="accent1"/>
+          </a:lnRef>
+          <a:fillRef idx="0">
+            <a:schemeClr val="accent1"/>
+          </a:fillRef>
+          <a:effectRef idx="0">
+            <a:schemeClr val="accent1"/>
+          </a:effectRef>
+          <a:fontRef idx="minor">
+            <a:schemeClr val="tx1"/>
+          </a:fontRef>
+        </p:style>
+      </p:cxnSp>
+      <p:cxnSp>
+        <p:nvCxnSpPr>
+          <p:cNvPr id="14" name="Straight Connector 13">
+            <a:extLst>
+              <a:ext uri="{FF2B5EF4-FFF2-40B4-BE49-F238E27FC236}">
+                <a16:creationId xmlns:a16="http://schemas.microsoft.com/office/drawing/2014/main" id="{83E690F4-843A-47A5-8620-4FB01C0D8E68}"/>
+              </a:ext>
+              <a:ext uri="{C183D7F6-B498-43B3-948B-1728B52AA6E4}">
+                <adec:decorative xmlns:adec="http://schemas.microsoft.com/office/drawing/2017/decorative" val="1"/>
+              </a:ext>
+            </a:extLst>
+          </p:cNvPr>
+          <p:cNvCxnSpPr>
+            <a:cxnSpLocks/>
+          </p:cNvCxnSpPr>
+          <p:nvPr/>
+        </p:nvCxnSpPr>
+        <p:spPr>
+          <a:xfrm>
+            <a:off x="0" y="522898"/>
+            <a:ext cx="4086225" cy="0"/>
+          </a:xfrm>
+          <a:prstGeom prst="line">
+            <a:avLst/>
+          </a:prstGeom>
+          <a:ln>
+            <a:solidFill>
+              <a:schemeClr val="accent3">
+                <a:lumMod val="50000"/>
+              </a:schemeClr>
+            </a:solidFill>
+            <a:tailEnd type="oval"/>
+          </a:ln>
+        </p:spPr>
+        <p:style>
+          <a:lnRef idx="1">
+            <a:schemeClr val="accent1"/>
+          </a:lnRef>
+          <a:fillRef idx="0">
+            <a:schemeClr val="accent1"/>
+          </a:fillRef>
+          <a:effectRef idx="0">
+            <a:schemeClr val="accent1"/>
+          </a:effectRef>
+          <a:fontRef idx="minor">
+            <a:schemeClr val="tx1"/>
+          </a:fontRef>
+        </p:style>
+      </p:cxnSp>
+      <p:cxnSp>
+        <p:nvCxnSpPr>
+          <p:cNvPr id="15" name="Straight Connector 14">
+            <a:extLst>
+              <a:ext uri="{FF2B5EF4-FFF2-40B4-BE49-F238E27FC236}">
+                <a16:creationId xmlns:a16="http://schemas.microsoft.com/office/drawing/2014/main" id="{6516ABC0-EF46-4159-B4CF-45B14EA929B3}"/>
+              </a:ext>
+              <a:ext uri="{C183D7F6-B498-43B3-948B-1728B52AA6E4}">
+                <adec:decorative xmlns:adec="http://schemas.microsoft.com/office/drawing/2017/decorative" val="1"/>
+              </a:ext>
+            </a:extLst>
+          </p:cNvPr>
+          <p:cNvCxnSpPr/>
+          <p:nvPr/>
+        </p:nvCxnSpPr>
+        <p:spPr>
+          <a:xfrm>
+            <a:off x="4152902" y="4879971"/>
+            <a:ext cx="0" cy="1206500"/>
+          </a:xfrm>
+          <a:prstGeom prst="line">
+            <a:avLst/>
+          </a:prstGeom>
+          <a:ln>
+            <a:solidFill>
+              <a:schemeClr val="accent3">
+                <a:lumMod val="50000"/>
+              </a:schemeClr>
+            </a:solidFill>
+          </a:ln>
+        </p:spPr>
+        <p:style>
+          <a:lnRef idx="1">
+            <a:schemeClr val="accent1"/>
+          </a:lnRef>
+          <a:fillRef idx="0">
+            <a:schemeClr val="accent1"/>
+          </a:fillRef>
+          <a:effectRef idx="0">
+            <a:schemeClr val="accent1"/>
+          </a:effectRef>
+          <a:fontRef idx="minor">
+            <a:schemeClr val="tx1"/>
+          </a:fontRef>
+        </p:style>
+      </p:cxnSp>
+      <p:cxnSp>
+        <p:nvCxnSpPr>
+          <p:cNvPr id="40" name="Straight Connector 39">
+            <a:extLst>
+              <a:ext uri="{FF2B5EF4-FFF2-40B4-BE49-F238E27FC236}">
+                <a16:creationId xmlns:a16="http://schemas.microsoft.com/office/drawing/2014/main" id="{B1E755E2-4A99-478A-BBEF-ACE16BEBFCB7}"/>
+              </a:ext>
+              <a:ext uri="{C183D7F6-B498-43B3-948B-1728B52AA6E4}">
+                <adec:decorative xmlns:adec="http://schemas.microsoft.com/office/drawing/2017/decorative" val="1"/>
+              </a:ext>
+            </a:extLst>
+          </p:cNvPr>
+          <p:cNvCxnSpPr/>
+          <p:nvPr/>
+        </p:nvCxnSpPr>
+        <p:spPr>
+          <a:xfrm>
+            <a:off x="8039100" y="4879971"/>
+            <a:ext cx="0" cy="1206500"/>
+          </a:xfrm>
+          <a:prstGeom prst="line">
+            <a:avLst/>
+          </a:prstGeom>
+          <a:ln>
+            <a:solidFill>
+              <a:schemeClr val="accent3">
+                <a:lumMod val="50000"/>
+              </a:schemeClr>
+            </a:solidFill>
+          </a:ln>
+        </p:spPr>
+        <p:style>
+          <a:lnRef idx="1">
+            <a:schemeClr val="accent1"/>
+          </a:lnRef>
+          <a:fillRef idx="0">
+            <a:schemeClr val="accent1"/>
+          </a:fillRef>
+          <a:effectRef idx="0">
+            <a:schemeClr val="accent1"/>
+          </a:effectRef>
+          <a:fontRef idx="minor">
+            <a:schemeClr val="tx1"/>
+          </a:fontRef>
+        </p:style>
+      </p:cxnSp>
+      <p:sp>
+        <p:nvSpPr>
+          <p:cNvPr id="43" name="Rectangle 42">
+            <a:extLst>
+              <a:ext uri="{FF2B5EF4-FFF2-40B4-BE49-F238E27FC236}">
+                <a16:creationId xmlns:a16="http://schemas.microsoft.com/office/drawing/2014/main" id="{51613421-44EB-4EA7-89AE-D8972D473414}"/>
+              </a:ext>
+            </a:extLst>
+          </p:cNvPr>
+          <p:cNvSpPr/>
+          <p:nvPr/>
+        </p:nvSpPr>
+        <p:spPr>
+          <a:xfrm>
+            <a:off x="838205" y="5521007"/>
+            <a:ext cx="2743195" cy="467051"/>
+          </a:xfrm>
+          <a:prstGeom prst="rect">
+            <a:avLst/>
+          </a:prstGeom>
+        </p:spPr>
+        <p:txBody>
+          <a:bodyPr wrap="square" lIns="0" tIns="0" rIns="0" bIns="0" anchor="t">
+            <a:spAutoFit/>
+          </a:bodyPr>
+          <a:lstStyle/>
+          <a:p>
+            <a:pPr>
+              <a:lnSpc>
+                <a:spcPts val="1900"/>
+              </a:lnSpc>
+            </a:pPr>
+            <a:r>
+              <a:rPr lang="en-US" sz="1400" dirty="0">
+                <a:solidFill>
+                  <a:schemeClr val="tx1">
+                    <a:lumMod val="75000"/>
+                    <a:lumOff val="25000"/>
+                  </a:schemeClr>
+                </a:solidFill>
+                <a:cs typeface="Segoe UI" panose="020B0502040204020203" pitchFamily="34" charset="0"/>
+              </a:rPr>
+              <a:t>Poisoning is the mechanism most used by females for suicide in 2005</a:t>
+            </a:r>
+          </a:p>
+        </p:txBody>
+      </p:sp>
+      <p:sp>
+        <p:nvSpPr>
+          <p:cNvPr id="44" name="Rectangle 43">
+            <a:extLst>
+              <a:ext uri="{FF2B5EF4-FFF2-40B4-BE49-F238E27FC236}">
+                <a16:creationId xmlns:a16="http://schemas.microsoft.com/office/drawing/2014/main" id="{71E47AC8-8358-4724-91F8-0D1B21FC5F47}"/>
+              </a:ext>
+            </a:extLst>
+          </p:cNvPr>
+          <p:cNvSpPr/>
+          <p:nvPr/>
+        </p:nvSpPr>
+        <p:spPr>
+          <a:xfrm>
+            <a:off x="838205" y="5000266"/>
+            <a:ext cx="2743195" cy="492443"/>
+          </a:xfrm>
+          <a:prstGeom prst="rect">
+            <a:avLst/>
+          </a:prstGeom>
+        </p:spPr>
+        <p:txBody>
+          <a:bodyPr wrap="square" lIns="0" tIns="0" rIns="0" bIns="0" anchor="t">
+            <a:spAutoFit/>
+          </a:bodyPr>
+          <a:lstStyle/>
+          <a:p>
+            <a:r>
+              <a:rPr lang="en-US" sz="3200" dirty="0">
+                <a:solidFill>
+                  <a:schemeClr val="accent3">
+                    <a:lumMod val="75000"/>
+                  </a:schemeClr>
+                </a:solidFill>
+                <a:cs typeface="Segoe UI" panose="020B0502040204020203" pitchFamily="34" charset="0"/>
+              </a:rPr>
+              <a:t>40.4%</a:t>
+            </a:r>
+          </a:p>
+        </p:txBody>
+      </p:sp>
+      <p:sp>
+        <p:nvSpPr>
+          <p:cNvPr id="45" name="Rectangle 44">
+            <a:extLst>
+              <a:ext uri="{FF2B5EF4-FFF2-40B4-BE49-F238E27FC236}">
+                <a16:creationId xmlns:a16="http://schemas.microsoft.com/office/drawing/2014/main" id="{69F7E025-DDEC-4748-AAE9-9FA2A4BF1E49}"/>
+              </a:ext>
+            </a:extLst>
+          </p:cNvPr>
+          <p:cNvSpPr/>
+          <p:nvPr/>
+        </p:nvSpPr>
+        <p:spPr>
+          <a:xfrm>
+            <a:off x="838205" y="4748574"/>
+            <a:ext cx="2743195" cy="223394"/>
+          </a:xfrm>
+          <a:prstGeom prst="rect">
+            <a:avLst/>
+          </a:prstGeom>
+        </p:spPr>
+        <p:txBody>
+          <a:bodyPr wrap="square" lIns="0" tIns="0" rIns="0" bIns="0" anchor="t">
+            <a:spAutoFit/>
+          </a:bodyPr>
+          <a:lstStyle/>
+          <a:p>
+            <a:pPr>
+              <a:lnSpc>
+                <a:spcPts val="1900"/>
+              </a:lnSpc>
+            </a:pPr>
+            <a:r>
+              <a:rPr lang="en-US" sz="1400" b="1" dirty="0">
+                <a:solidFill>
+                  <a:schemeClr val="accent3">
+                    <a:lumMod val="75000"/>
+                  </a:schemeClr>
+                </a:solidFill>
+                <a:latin typeface="+mj-lt"/>
+                <a:cs typeface="Segoe UI" panose="020B0502040204020203" pitchFamily="34" charset="0"/>
+              </a:rPr>
+              <a:t>POISONING</a:t>
+            </a:r>
+          </a:p>
+        </p:txBody>
+      </p:sp>
+      <p:sp>
+        <p:nvSpPr>
+          <p:cNvPr id="46" name="Rectangle 45">
+            <a:extLst>
+              <a:ext uri="{FF2B5EF4-FFF2-40B4-BE49-F238E27FC236}">
+                <a16:creationId xmlns:a16="http://schemas.microsoft.com/office/drawing/2014/main" id="{84176128-6116-4C3C-9CC3-394E6E116762}"/>
+              </a:ext>
+            </a:extLst>
+          </p:cNvPr>
+          <p:cNvSpPr/>
+          <p:nvPr/>
+        </p:nvSpPr>
+        <p:spPr>
+          <a:xfrm>
+            <a:off x="4724403" y="5521007"/>
+            <a:ext cx="2743195" cy="710707"/>
+          </a:xfrm>
+          <a:prstGeom prst="rect">
+            <a:avLst/>
+          </a:prstGeom>
+        </p:spPr>
+        <p:txBody>
+          <a:bodyPr wrap="square" lIns="0" tIns="0" rIns="0" bIns="0" anchor="t">
+            <a:spAutoFit/>
+          </a:bodyPr>
+          <a:lstStyle/>
+          <a:p>
+            <a:pPr>
+              <a:lnSpc>
+                <a:spcPts val="1900"/>
+              </a:lnSpc>
+            </a:pPr>
+            <a:r>
+              <a:rPr lang="en-US" sz="1400" dirty="0">
+                <a:solidFill>
+                  <a:schemeClr val="tx1">
+                    <a:lumMod val="75000"/>
+                    <a:lumOff val="25000"/>
+                  </a:schemeClr>
+                </a:solidFill>
+                <a:cs typeface="Segoe UI" panose="020B0502040204020203" pitchFamily="34" charset="0"/>
+              </a:rPr>
+              <a:t>Suicide rates are greater between the ages of 45 and 64 for both sexes. </a:t>
+            </a:r>
+          </a:p>
+        </p:txBody>
+      </p:sp>
+      <p:sp>
+        <p:nvSpPr>
+          <p:cNvPr id="47" name="Rectangle 46">
+            <a:extLst>
+              <a:ext uri="{FF2B5EF4-FFF2-40B4-BE49-F238E27FC236}">
+                <a16:creationId xmlns:a16="http://schemas.microsoft.com/office/drawing/2014/main" id="{839BCDE9-6CF8-45EE-BFA1-6E32ED5C240E}"/>
+              </a:ext>
+            </a:extLst>
+          </p:cNvPr>
+          <p:cNvSpPr/>
+          <p:nvPr/>
+        </p:nvSpPr>
+        <p:spPr>
+          <a:xfrm>
+            <a:off x="4724403" y="5000266"/>
+            <a:ext cx="2743195" cy="492443"/>
+          </a:xfrm>
+          <a:prstGeom prst="rect">
+            <a:avLst/>
+          </a:prstGeom>
+        </p:spPr>
+        <p:txBody>
+          <a:bodyPr wrap="square" lIns="0" tIns="0" rIns="0" bIns="0" anchor="t">
+            <a:spAutoFit/>
+          </a:bodyPr>
+          <a:lstStyle/>
+          <a:p>
+            <a:r>
+              <a:rPr lang="en-US" sz="3200" dirty="0">
+                <a:solidFill>
+                  <a:schemeClr val="accent4">
+                    <a:lumMod val="75000"/>
+                  </a:schemeClr>
+                </a:solidFill>
+                <a:cs typeface="Segoe UI" panose="020B0502040204020203" pitchFamily="34" charset="0"/>
+              </a:rPr>
+              <a:t>45-64</a:t>
+            </a:r>
+          </a:p>
+        </p:txBody>
+      </p:sp>
+      <p:sp>
+        <p:nvSpPr>
+          <p:cNvPr id="48" name="Rectangle 47">
+            <a:extLst>
+              <a:ext uri="{FF2B5EF4-FFF2-40B4-BE49-F238E27FC236}">
+                <a16:creationId xmlns:a16="http://schemas.microsoft.com/office/drawing/2014/main" id="{7DDB637A-4822-4FE9-8AEA-11DEA7859049}"/>
+              </a:ext>
+            </a:extLst>
+          </p:cNvPr>
+          <p:cNvSpPr/>
+          <p:nvPr/>
+        </p:nvSpPr>
+        <p:spPr>
+          <a:xfrm>
+            <a:off x="4724403" y="4748574"/>
+            <a:ext cx="2743195" cy="223394"/>
+          </a:xfrm>
+          <a:prstGeom prst="rect">
+            <a:avLst/>
+          </a:prstGeom>
+        </p:spPr>
+        <p:txBody>
+          <a:bodyPr wrap="square" lIns="0" tIns="0" rIns="0" bIns="0" anchor="t">
+            <a:spAutoFit/>
+          </a:bodyPr>
+          <a:lstStyle/>
+          <a:p>
+            <a:pPr>
+              <a:lnSpc>
+                <a:spcPts val="1900"/>
+              </a:lnSpc>
+            </a:pPr>
+            <a:r>
+              <a:rPr lang="en-US" sz="1400" b="1" dirty="0">
+                <a:solidFill>
+                  <a:schemeClr val="accent4">
+                    <a:lumMod val="75000"/>
+                  </a:schemeClr>
+                </a:solidFill>
+                <a:latin typeface="+mj-lt"/>
+                <a:cs typeface="Segoe UI" panose="020B0502040204020203" pitchFamily="34" charset="0"/>
+              </a:rPr>
+              <a:t>SUICIDE BY AGE</a:t>
+            </a:r>
+          </a:p>
+        </p:txBody>
+      </p:sp>
+      <p:sp>
+        <p:nvSpPr>
+          <p:cNvPr id="49" name="Rectangle 48">
+            <a:extLst>
+              <a:ext uri="{FF2B5EF4-FFF2-40B4-BE49-F238E27FC236}">
+                <a16:creationId xmlns:a16="http://schemas.microsoft.com/office/drawing/2014/main" id="{7FA68D61-8BDC-4C14-9F0D-CF0C946CD30A}"/>
+              </a:ext>
+            </a:extLst>
+          </p:cNvPr>
+          <p:cNvSpPr/>
+          <p:nvPr/>
+        </p:nvSpPr>
+        <p:spPr>
+          <a:xfrm>
+            <a:off x="8610600" y="5521007"/>
+            <a:ext cx="2743195" cy="710707"/>
+          </a:xfrm>
+          <a:prstGeom prst="rect">
+            <a:avLst/>
+          </a:prstGeom>
+        </p:spPr>
+        <p:txBody>
+          <a:bodyPr wrap="square" lIns="0" tIns="0" rIns="0" bIns="0" anchor="t">
+            <a:spAutoFit/>
+          </a:bodyPr>
+          <a:lstStyle/>
+          <a:p>
+            <a:pPr>
+              <a:lnSpc>
+                <a:spcPts val="1900"/>
+              </a:lnSpc>
+            </a:pPr>
+            <a:r>
+              <a:rPr lang="en-US" sz="1400" dirty="0">
+                <a:solidFill>
+                  <a:schemeClr val="tx1">
+                    <a:lumMod val="75000"/>
+                    <a:lumOff val="25000"/>
+                  </a:schemeClr>
+                </a:solidFill>
+                <a:cs typeface="Segoe UI" panose="020B0502040204020203" pitchFamily="34" charset="0"/>
+              </a:rPr>
+              <a:t>Lorem ipsum dolor sit amet, consectetur adipiscing elit, sed do eiusmod tempor.</a:t>
+            </a:r>
+          </a:p>
+        </p:txBody>
+      </p:sp>
+      <p:sp>
+        <p:nvSpPr>
+          <p:cNvPr id="50" name="Rectangle 49">
+            <a:extLst>
+              <a:ext uri="{FF2B5EF4-FFF2-40B4-BE49-F238E27FC236}">
+                <a16:creationId xmlns:a16="http://schemas.microsoft.com/office/drawing/2014/main" id="{B164A1DA-19AA-4A0C-9ED2-92A9346B807A}"/>
+              </a:ext>
+            </a:extLst>
+          </p:cNvPr>
+          <p:cNvSpPr/>
+          <p:nvPr/>
+        </p:nvSpPr>
+        <p:spPr>
+          <a:xfrm>
+            <a:off x="8610600" y="5000266"/>
+            <a:ext cx="2743195" cy="492443"/>
+          </a:xfrm>
+          <a:prstGeom prst="rect">
+            <a:avLst/>
+          </a:prstGeom>
+        </p:spPr>
+        <p:txBody>
+          <a:bodyPr wrap="square" lIns="0" tIns="0" rIns="0" bIns="0" anchor="t">
+            <a:spAutoFit/>
+          </a:bodyPr>
+          <a:lstStyle/>
+          <a:p>
+            <a:r>
+              <a:rPr lang="en-US" sz="3200" dirty="0">
+                <a:solidFill>
+                  <a:schemeClr val="tx1">
+                    <a:lumMod val="75000"/>
+                    <a:lumOff val="25000"/>
+                  </a:schemeClr>
+                </a:solidFill>
+                <a:cs typeface="Segoe UI" panose="020B0502040204020203" pitchFamily="34" charset="0"/>
+              </a:rPr>
+              <a:t>59.2%</a:t>
+            </a:r>
+          </a:p>
+        </p:txBody>
+      </p:sp>
+      <p:sp>
+        <p:nvSpPr>
+          <p:cNvPr id="51" name="Rectangle 50">
+            <a:extLst>
+              <a:ext uri="{FF2B5EF4-FFF2-40B4-BE49-F238E27FC236}">
+                <a16:creationId xmlns:a16="http://schemas.microsoft.com/office/drawing/2014/main" id="{FA4B18CA-09B5-4584-8D25-60B58EF68413}"/>
+              </a:ext>
+            </a:extLst>
+          </p:cNvPr>
+          <p:cNvSpPr/>
+          <p:nvPr/>
+        </p:nvSpPr>
+        <p:spPr>
+          <a:xfrm>
+            <a:off x="8610600" y="4748574"/>
+            <a:ext cx="2743195" cy="223394"/>
+          </a:xfrm>
+          <a:prstGeom prst="rect">
+            <a:avLst/>
+          </a:prstGeom>
+        </p:spPr>
+        <p:txBody>
+          <a:bodyPr wrap="square" lIns="0" tIns="0" rIns="0" bIns="0" anchor="t">
+            <a:spAutoFit/>
+          </a:bodyPr>
+          <a:lstStyle/>
+          <a:p>
+            <a:pPr>
+              <a:lnSpc>
+                <a:spcPts val="1900"/>
+              </a:lnSpc>
+            </a:pPr>
+            <a:r>
+              <a:rPr lang="en-US" sz="1400" b="1" dirty="0">
+                <a:solidFill>
+                  <a:schemeClr val="tx1">
+                    <a:lumMod val="75000"/>
+                    <a:lumOff val="25000"/>
+                  </a:schemeClr>
+                </a:solidFill>
+                <a:latin typeface="+mj-lt"/>
+                <a:cs typeface="Segoe UI" panose="020B0502040204020203" pitchFamily="34" charset="0"/>
+              </a:rPr>
+              <a:t>FIREARM</a:t>
+            </a:r>
+          </a:p>
+        </p:txBody>
+      </p:sp>
+      <p:sp>
+        <p:nvSpPr>
+          <p:cNvPr id="11" name="Title 1">
+            <a:extLst>
+              <a:ext uri="{FF2B5EF4-FFF2-40B4-BE49-F238E27FC236}">
+                <a16:creationId xmlns:a16="http://schemas.microsoft.com/office/drawing/2014/main" id="{4E3F5479-058B-4FA8-92E9-18CAB8CDC5C5}"/>
+              </a:ext>
+            </a:extLst>
+          </p:cNvPr>
+          <p:cNvSpPr txBox="1">
+            <a:spLocks/>
+          </p:cNvSpPr>
+          <p:nvPr/>
+        </p:nvSpPr>
+        <p:spPr>
+          <a:xfrm>
+            <a:off x="228600" y="190500"/>
+            <a:ext cx="11734800" cy="1163395"/>
+          </a:xfrm>
+          <a:prstGeom prst="rect">
+            <a:avLst/>
+          </a:prstGeom>
+        </p:spPr>
+        <p:txBody>
+          <a:bodyPr vert="horz" wrap="square" lIns="0" tIns="0" rIns="0" bIns="0" rtlCol="0" anchor="t">
+            <a:spAutoFit/>
+          </a:bodyPr>
+          <a:lstStyle>
+            <a:lvl1pPr algn="l" defTabSz="914400" rtl="0" eaLnBrk="1" latinLnBrk="0" hangingPunct="1">
+              <a:lnSpc>
+                <a:spcPct val="90000"/>
+              </a:lnSpc>
+              <a:spcBef>
+                <a:spcPct val="0"/>
+              </a:spcBef>
+              <a:buNone/>
+              <a:defRPr sz="4400" kern="1200">
+                <a:solidFill>
+                  <a:schemeClr val="tx1"/>
+                </a:solidFill>
+                <a:latin typeface="+mj-lt"/>
+                <a:ea typeface="+mj-ea"/>
+                <a:cs typeface="+mj-cs"/>
+              </a:defRPr>
+            </a:lvl1pPr>
+          </a:lstStyle>
+          <a:p>
+            <a:pPr algn="ctr"/>
+            <a:r>
+              <a:rPr lang="en-US" sz="2800" b="1" dirty="0">
+                <a:solidFill>
+                  <a:schemeClr val="tx1">
+                    <a:lumMod val="75000"/>
+                    <a:lumOff val="25000"/>
+                  </a:schemeClr>
+                </a:solidFill>
+              </a:rPr>
+              <a:t>Suicide Mechanism</a:t>
+            </a:r>
+          </a:p>
+          <a:p>
+            <a:pPr algn="ctr"/>
+            <a:r>
+              <a:rPr lang="en-US" sz="2800" b="1" dirty="0">
+                <a:solidFill>
+                  <a:schemeClr val="tx1">
+                    <a:lumMod val="75000"/>
+                    <a:lumOff val="25000"/>
+                  </a:schemeClr>
+                </a:solidFill>
+              </a:rPr>
+              <a:t>US 2005</a:t>
+            </a:r>
+            <a:br>
+              <a:rPr lang="en-US" sz="2800" dirty="0">
+                <a:solidFill>
+                  <a:schemeClr val="tx1">
+                    <a:lumMod val="75000"/>
+                    <a:lumOff val="25000"/>
+                  </a:schemeClr>
+                </a:solidFill>
+              </a:rPr>
+            </a:br>
+            <a:endParaRPr lang="en-US" sz="2800" dirty="0">
+              <a:solidFill>
+                <a:schemeClr val="tx1">
+                  <a:lumMod val="75000"/>
+                  <a:lumOff val="25000"/>
+                </a:schemeClr>
+              </a:solidFill>
+            </a:endParaRPr>
+          </a:p>
+        </p:txBody>
+      </p:sp>
+      <p:pic>
+        <p:nvPicPr>
           <p:cNvPr id="21" name="Picture 20">
             <a:extLst>
               <a:ext uri="{FF2B5EF4-FFF2-40B4-BE49-F238E27FC236}">
@@ -6973,7 +8300,7 @@
 </p:sld>
 </file>
 
-<file path=ppt/slides/slide13.xml><?xml version="1.0" encoding="utf-8"?>
+<file path=ppt/slides/slide14.xml><?xml version="1.0" encoding="utf-8"?>
 <p:sld xmlns:a="http://schemas.openxmlformats.org/drawingml/2006/main" xmlns:r="http://schemas.openxmlformats.org/officeDocument/2006/relationships" xmlns:p="http://schemas.openxmlformats.org/presentationml/2006/main">
   <p:cSld>
     <p:bg>
@@ -14898,6 +16225,55 @@
           </a:fontRef>
         </p:style>
       </p:cxnSp>
+      <p:cxnSp>
+        <p:nvCxnSpPr>
+          <p:cNvPr id="14" name="Straight Connector 13">
+            <a:extLst>
+              <a:ext uri="{FF2B5EF4-FFF2-40B4-BE49-F238E27FC236}">
+                <a16:creationId xmlns:a16="http://schemas.microsoft.com/office/drawing/2014/main" id="{83E690F4-843A-47A5-8620-4FB01C0D8E68}"/>
+              </a:ext>
+              <a:ext uri="{C183D7F6-B498-43B3-948B-1728B52AA6E4}">
+                <adec:decorative xmlns:adec="http://schemas.microsoft.com/office/drawing/2017/decorative" val="1"/>
+              </a:ext>
+            </a:extLst>
+          </p:cNvPr>
+          <p:cNvCxnSpPr>
+            <a:cxnSpLocks/>
+          </p:cNvCxnSpPr>
+          <p:nvPr/>
+        </p:nvCxnSpPr>
+        <p:spPr>
+          <a:xfrm>
+            <a:off x="0" y="522898"/>
+            <a:ext cx="4086225" cy="0"/>
+          </a:xfrm>
+          <a:prstGeom prst="line">
+            <a:avLst/>
+          </a:prstGeom>
+          <a:ln>
+            <a:solidFill>
+              <a:schemeClr val="accent3">
+                <a:lumMod val="50000"/>
+              </a:schemeClr>
+            </a:solidFill>
+            <a:tailEnd type="oval"/>
+          </a:ln>
+        </p:spPr>
+        <p:style>
+          <a:lnRef idx="1">
+            <a:schemeClr val="accent1"/>
+          </a:lnRef>
+          <a:fillRef idx="0">
+            <a:schemeClr val="accent1"/>
+          </a:fillRef>
+          <a:effectRef idx="0">
+            <a:schemeClr val="accent1"/>
+          </a:effectRef>
+          <a:fontRef idx="minor">
+            <a:schemeClr val="tx1"/>
+          </a:fontRef>
+        </p:style>
+      </p:cxnSp>
       <p:sp>
         <p:nvSpPr>
           <p:cNvPr id="11" name="Title 1">
@@ -14914,8 +16290,8 @@
         </p:nvSpPr>
         <p:spPr>
           <a:xfrm>
-            <a:off x="228600" y="190500"/>
-            <a:ext cx="11734800" cy="1163395"/>
+            <a:off x="228600" y="151755"/>
+            <a:ext cx="11734800" cy="387798"/>
           </a:xfrm>
           <a:prstGeom prst="rect">
             <a:avLst/>
@@ -14955,32 +16331,8 @@
                   </a:schemeClr>
                 </a:solidFill>
               </a:rPr>
-              <a:t>Suicide Rates Analysis</a:t>
-            </a:r>
-          </a:p>
-          <a:p>
-            <a:pPr algn="ctr"/>
-            <a:r>
-              <a:rPr lang="en-US" sz="2800" b="1" dirty="0">
-                <a:solidFill>
-                  <a:schemeClr val="tx1">
-                    <a:lumMod val="75000"/>
-                    <a:lumOff val="25000"/>
-                  </a:schemeClr>
-                </a:solidFill>
-              </a:rPr>
-              <a:t>Year 2015</a:t>
-            </a:r>
-            <a:br>
-              <a:rPr lang="en-US" sz="2800" dirty="0">
-                <a:solidFill>
-                  <a:schemeClr val="tx1">
-                    <a:lumMod val="75000"/>
-                    <a:lumOff val="25000"/>
-                  </a:schemeClr>
-                </a:solidFill>
-              </a:rPr>
-            </a:br>
+              <a:t>Suicide and Latitude Worldwide</a:t>
+            </a:r>
             <a:endParaRPr lang="en-US" sz="2800" dirty="0">
               <a:solidFill>
                 <a:schemeClr val="tx1">
@@ -14992,736 +16344,72 @@
           </a:p>
         </p:txBody>
       </p:sp>
-      <p:cxnSp>
-        <p:nvCxnSpPr>
-          <p:cNvPr id="14" name="Straight Connector 13">
-            <a:extLst>
-              <a:ext uri="{FF2B5EF4-FFF2-40B4-BE49-F238E27FC236}">
-                <a16:creationId xmlns:a16="http://schemas.microsoft.com/office/drawing/2014/main" id="{83E690F4-843A-47A5-8620-4FB01C0D8E68}"/>
-              </a:ext>
-              <a:ext uri="{C183D7F6-B498-43B3-948B-1728B52AA6E4}">
-                <adec:decorative xmlns:adec="http://schemas.microsoft.com/office/drawing/2017/decorative" val="1"/>
-              </a:ext>
-            </a:extLst>
-          </p:cNvPr>
-          <p:cNvCxnSpPr>
-            <a:cxnSpLocks/>
-          </p:cNvCxnSpPr>
-          <p:nvPr/>
-        </p:nvCxnSpPr>
-        <p:spPr>
-          <a:xfrm>
-            <a:off x="0" y="522898"/>
-            <a:ext cx="4086225" cy="0"/>
-          </a:xfrm>
-          <a:prstGeom prst="line">
-            <a:avLst/>
-          </a:prstGeom>
-          <a:ln>
-            <a:solidFill>
-              <a:schemeClr val="accent3">
-                <a:lumMod val="50000"/>
-              </a:schemeClr>
-            </a:solidFill>
-            <a:tailEnd type="oval"/>
-          </a:ln>
-        </p:spPr>
-        <p:style>
-          <a:lnRef idx="1">
-            <a:schemeClr val="accent1"/>
-          </a:lnRef>
-          <a:fillRef idx="0">
-            <a:schemeClr val="accent1"/>
-          </a:fillRef>
-          <a:effectRef idx="0">
-            <a:schemeClr val="accent1"/>
-          </a:effectRef>
-          <a:fontRef idx="minor">
-            <a:schemeClr val="tx1"/>
-          </a:fontRef>
-        </p:style>
-      </p:cxnSp>
-      <p:cxnSp>
-        <p:nvCxnSpPr>
-          <p:cNvPr id="15" name="Straight Connector 14">
-            <a:extLst>
-              <a:ext uri="{FF2B5EF4-FFF2-40B4-BE49-F238E27FC236}">
-                <a16:creationId xmlns:a16="http://schemas.microsoft.com/office/drawing/2014/main" id="{6516ABC0-EF46-4159-B4CF-45B14EA929B3}"/>
-              </a:ext>
-              <a:ext uri="{C183D7F6-B498-43B3-948B-1728B52AA6E4}">
-                <adec:decorative xmlns:adec="http://schemas.microsoft.com/office/drawing/2017/decorative" val="1"/>
-              </a:ext>
-            </a:extLst>
-          </p:cNvPr>
-          <p:cNvCxnSpPr/>
-          <p:nvPr/>
-        </p:nvCxnSpPr>
-        <p:spPr>
-          <a:xfrm>
-            <a:off x="4300820" y="1252356"/>
-            <a:ext cx="0" cy="1206500"/>
-          </a:xfrm>
-          <a:prstGeom prst="line">
-            <a:avLst/>
-          </a:prstGeom>
-          <a:ln>
-            <a:solidFill>
-              <a:schemeClr val="accent3">
-                <a:lumMod val="50000"/>
-              </a:schemeClr>
-            </a:solidFill>
-          </a:ln>
-        </p:spPr>
-        <p:style>
-          <a:lnRef idx="1">
-            <a:schemeClr val="accent1"/>
-          </a:lnRef>
-          <a:fillRef idx="0">
-            <a:schemeClr val="accent1"/>
-          </a:fillRef>
-          <a:effectRef idx="0">
-            <a:schemeClr val="accent1"/>
-          </a:effectRef>
-          <a:fontRef idx="minor">
-            <a:schemeClr val="tx1"/>
-          </a:fontRef>
-        </p:style>
-      </p:cxnSp>
-      <p:cxnSp>
-        <p:nvCxnSpPr>
-          <p:cNvPr id="40" name="Straight Connector 39">
-            <a:extLst>
-              <a:ext uri="{FF2B5EF4-FFF2-40B4-BE49-F238E27FC236}">
-                <a16:creationId xmlns:a16="http://schemas.microsoft.com/office/drawing/2014/main" id="{B1E755E2-4A99-478A-BBEF-ACE16BEBFCB7}"/>
-              </a:ext>
-              <a:ext uri="{C183D7F6-B498-43B3-948B-1728B52AA6E4}">
-                <adec:decorative xmlns:adec="http://schemas.microsoft.com/office/drawing/2017/decorative" val="1"/>
-              </a:ext>
-            </a:extLst>
-          </p:cNvPr>
-          <p:cNvCxnSpPr/>
-          <p:nvPr/>
-        </p:nvCxnSpPr>
-        <p:spPr>
-          <a:xfrm>
-            <a:off x="8039100" y="4879971"/>
-            <a:ext cx="0" cy="1206500"/>
-          </a:xfrm>
-          <a:prstGeom prst="line">
-            <a:avLst/>
-          </a:prstGeom>
-          <a:ln>
-            <a:solidFill>
-              <a:schemeClr val="accent3">
-                <a:lumMod val="50000"/>
-              </a:schemeClr>
-            </a:solidFill>
-          </a:ln>
-        </p:spPr>
-        <p:style>
-          <a:lnRef idx="1">
-            <a:schemeClr val="accent1"/>
-          </a:lnRef>
-          <a:fillRef idx="0">
-            <a:schemeClr val="accent1"/>
-          </a:fillRef>
-          <a:effectRef idx="0">
-            <a:schemeClr val="accent1"/>
-          </a:effectRef>
-          <a:fontRef idx="minor">
-            <a:schemeClr val="tx1"/>
-          </a:fontRef>
-        </p:style>
-      </p:cxnSp>
       <p:sp>
         <p:nvSpPr>
-          <p:cNvPr id="43" name="Rectangle 42">
-            <a:extLst>
-              <a:ext uri="{FF2B5EF4-FFF2-40B4-BE49-F238E27FC236}">
-                <a16:creationId xmlns:a16="http://schemas.microsoft.com/office/drawing/2014/main" id="{51613421-44EB-4EA7-89AE-D8972D473414}"/>
-              </a:ext>
-            </a:extLst>
-          </p:cNvPr>
-          <p:cNvSpPr/>
+          <p:cNvPr id="2" name="TextBox 1">
+            <a:extLst>
+              <a:ext uri="{FF2B5EF4-FFF2-40B4-BE49-F238E27FC236}">
+                <a16:creationId xmlns:a16="http://schemas.microsoft.com/office/drawing/2014/main" id="{B54A8E57-4377-49B5-8C44-69582A61978D}"/>
+              </a:ext>
+            </a:extLst>
+          </p:cNvPr>
+          <p:cNvSpPr txBox="1"/>
           <p:nvPr/>
         </p:nvSpPr>
         <p:spPr>
           <a:xfrm>
-            <a:off x="4673175" y="1773771"/>
-            <a:ext cx="2743195" cy="954364"/>
+            <a:off x="4086225" y="4751173"/>
+            <a:ext cx="7532804" cy="1477328"/>
           </a:xfrm>
           <a:prstGeom prst="rect">
             <a:avLst/>
           </a:prstGeom>
+          <a:noFill/>
         </p:spPr>
         <p:txBody>
-          <a:bodyPr wrap="square" lIns="0" tIns="0" rIns="0" bIns="0" anchor="t">
+          <a:bodyPr wrap="square" rtlCol="0">
             <a:spAutoFit/>
           </a:bodyPr>
           <a:lstStyle/>
           <a:p>
-            <a:pPr>
-              <a:lnSpc>
-                <a:spcPts val="1900"/>
-              </a:lnSpc>
+            <a:r>
+              <a:rPr lang="en-US" b="1" dirty="0"/>
+              <a:t>Conclusions:  </a:t>
+            </a:r>
+          </a:p>
+          <a:p>
+            <a:pPr marL="285750" indent="-285750">
+              <a:buFontTx/>
+              <a:buChar char="-"/>
             </a:pPr>
             <a:r>
-              <a:rPr lang="en-US" sz="1400" dirty="0">
-                <a:solidFill>
-                  <a:schemeClr val="tx1">
-                    <a:lumMod val="75000"/>
-                    <a:lumOff val="25000"/>
-                  </a:schemeClr>
-                </a:solidFill>
-                <a:cs typeface="Segoe UI" panose="020B0502040204020203" pitchFamily="34" charset="0"/>
-              </a:rPr>
-              <a:t>11.7 % Males</a:t>
-            </a:r>
-          </a:p>
-          <a:p>
-            <a:pPr>
-              <a:lnSpc>
-                <a:spcPts val="1900"/>
-              </a:lnSpc>
+              <a:rPr lang="en-US" b="1" dirty="0"/>
+              <a:t>Although suicide rate correlates to GDP, it does appear to have a strong correlation to GDP Per capita</a:t>
+            </a:r>
+          </a:p>
+          <a:p>
+            <a:pPr marL="285750" indent="-285750">
+              <a:buFontTx/>
+              <a:buChar char="-"/>
             </a:pPr>
             <a:r>
-              <a:rPr lang="en-US" sz="1400" dirty="0">
-                <a:solidFill>
-                  <a:schemeClr val="tx1">
-                    <a:lumMod val="75000"/>
-                    <a:lumOff val="25000"/>
-                  </a:schemeClr>
-                </a:solidFill>
-                <a:cs typeface="Segoe UI" panose="020B0502040204020203" pitchFamily="34" charset="0"/>
-              </a:rPr>
-              <a:t>8.7 % Females</a:t>
-            </a:r>
-          </a:p>
-          <a:p>
-            <a:pPr>
-              <a:lnSpc>
-                <a:spcPts val="1900"/>
-              </a:lnSpc>
-            </a:pPr>
-            <a:r>
-              <a:rPr lang="en-US" sz="1400" dirty="0">
-                <a:solidFill>
-                  <a:schemeClr val="tx1">
-                    <a:lumMod val="75000"/>
-                    <a:lumOff val="25000"/>
-                  </a:schemeClr>
-                </a:solidFill>
-                <a:cs typeface="Segoe UI" panose="020B0502040204020203" pitchFamily="34" charset="0"/>
-              </a:rPr>
-              <a:t>12.0 % Both Sexes</a:t>
-            </a:r>
-          </a:p>
-          <a:p>
-            <a:pPr>
-              <a:lnSpc>
-                <a:spcPts val="1900"/>
-              </a:lnSpc>
-            </a:pPr>
-            <a:r>
-              <a:rPr lang="en-US" sz="1400" dirty="0">
-                <a:solidFill>
-                  <a:schemeClr val="tx1">
-                    <a:lumMod val="75000"/>
-                    <a:lumOff val="25000"/>
-                  </a:schemeClr>
-                </a:solidFill>
-                <a:cs typeface="Segoe UI" panose="020B0502040204020203" pitchFamily="34" charset="0"/>
-              </a:rPr>
-              <a:t>Age Ranges: 15-49; 70+ years</a:t>
-            </a:r>
-          </a:p>
-        </p:txBody>
-      </p:sp>
-      <p:sp>
-        <p:nvSpPr>
-          <p:cNvPr id="44" name="Rectangle 43">
-            <a:extLst>
-              <a:ext uri="{FF2B5EF4-FFF2-40B4-BE49-F238E27FC236}">
-                <a16:creationId xmlns:a16="http://schemas.microsoft.com/office/drawing/2014/main" id="{71E47AC8-8358-4724-91F8-0D1B21FC5F47}"/>
-              </a:ext>
-            </a:extLst>
-          </p:cNvPr>
-          <p:cNvSpPr/>
-          <p:nvPr/>
-        </p:nvSpPr>
-        <p:spPr>
-          <a:xfrm>
-            <a:off x="4673175" y="1253030"/>
-            <a:ext cx="2743195" cy="492443"/>
-          </a:xfrm>
-          <a:prstGeom prst="rect">
-            <a:avLst/>
-          </a:prstGeom>
-        </p:spPr>
-        <p:txBody>
-          <a:bodyPr wrap="square" lIns="0" tIns="0" rIns="0" bIns="0" anchor="t">
-            <a:spAutoFit/>
-          </a:bodyPr>
-          <a:lstStyle/>
-          <a:p>
-            <a:r>
-              <a:rPr lang="en-US" sz="3200" dirty="0">
-                <a:solidFill>
-                  <a:schemeClr val="accent3">
-                    <a:lumMod val="75000"/>
-                  </a:schemeClr>
-                </a:solidFill>
-                <a:cs typeface="Segoe UI" panose="020B0502040204020203" pitchFamily="34" charset="0"/>
-              </a:rPr>
-              <a:t>32.4 %</a:t>
-            </a:r>
-          </a:p>
-        </p:txBody>
-      </p:sp>
-      <p:sp>
-        <p:nvSpPr>
-          <p:cNvPr id="45" name="Rectangle 44">
-            <a:extLst>
-              <a:ext uri="{FF2B5EF4-FFF2-40B4-BE49-F238E27FC236}">
-                <a16:creationId xmlns:a16="http://schemas.microsoft.com/office/drawing/2014/main" id="{69F7E025-DDEC-4748-AAE9-9FA2A4BF1E49}"/>
-              </a:ext>
-            </a:extLst>
-          </p:cNvPr>
-          <p:cNvSpPr/>
-          <p:nvPr/>
-        </p:nvSpPr>
-        <p:spPr>
-          <a:xfrm>
-            <a:off x="4673175" y="1001338"/>
-            <a:ext cx="2743195" cy="223394"/>
-          </a:xfrm>
-          <a:prstGeom prst="rect">
-            <a:avLst/>
-          </a:prstGeom>
-        </p:spPr>
-        <p:txBody>
-          <a:bodyPr wrap="square" lIns="0" tIns="0" rIns="0" bIns="0" anchor="t">
-            <a:spAutoFit/>
-          </a:bodyPr>
-          <a:lstStyle/>
-          <a:p>
-            <a:pPr>
-              <a:lnSpc>
-                <a:spcPts val="1900"/>
-              </a:lnSpc>
-            </a:pPr>
-            <a:r>
-              <a:rPr lang="en-US" sz="1400" b="1" dirty="0">
-                <a:solidFill>
-                  <a:schemeClr val="accent3">
-                    <a:lumMod val="75000"/>
-                  </a:schemeClr>
-                </a:solidFill>
-                <a:latin typeface="+mj-lt"/>
-                <a:cs typeface="Segoe UI" panose="020B0502040204020203" pitchFamily="34" charset="0"/>
-              </a:rPr>
-              <a:t>Guyana</a:t>
-            </a:r>
-          </a:p>
-        </p:txBody>
-      </p:sp>
-      <p:sp>
-        <p:nvSpPr>
-          <p:cNvPr id="46" name="Rectangle 45">
-            <a:extLst>
-              <a:ext uri="{FF2B5EF4-FFF2-40B4-BE49-F238E27FC236}">
-                <a16:creationId xmlns:a16="http://schemas.microsoft.com/office/drawing/2014/main" id="{84176128-6116-4C3C-9CC3-394E6E116762}"/>
-              </a:ext>
-            </a:extLst>
-          </p:cNvPr>
-          <p:cNvSpPr/>
-          <p:nvPr/>
-        </p:nvSpPr>
-        <p:spPr>
-          <a:xfrm>
-            <a:off x="4657555" y="3611904"/>
-            <a:ext cx="2743195" cy="954364"/>
-          </a:xfrm>
-          <a:prstGeom prst="rect">
-            <a:avLst/>
-          </a:prstGeom>
-        </p:spPr>
-        <p:txBody>
-          <a:bodyPr wrap="square" lIns="0" tIns="0" rIns="0" bIns="0" anchor="t">
-            <a:spAutoFit/>
-          </a:bodyPr>
-          <a:lstStyle/>
-          <a:p>
-            <a:pPr>
-              <a:lnSpc>
-                <a:spcPts val="1900"/>
-              </a:lnSpc>
-            </a:pPr>
-            <a:r>
-              <a:rPr lang="en-US" sz="1400" dirty="0">
-                <a:solidFill>
-                  <a:schemeClr val="tx1">
-                    <a:lumMod val="75000"/>
-                    <a:lumOff val="25000"/>
-                  </a:schemeClr>
-                </a:solidFill>
-                <a:cs typeface="Segoe UI" panose="020B0502040204020203" pitchFamily="34" charset="0"/>
-              </a:rPr>
-              <a:t>8.0 % Males</a:t>
-            </a:r>
-          </a:p>
-          <a:p>
-            <a:pPr>
-              <a:lnSpc>
-                <a:spcPts val="1900"/>
-              </a:lnSpc>
-            </a:pPr>
-            <a:r>
-              <a:rPr lang="en-US" sz="1400" dirty="0">
-                <a:solidFill>
-                  <a:schemeClr val="tx1">
-                    <a:lumMod val="75000"/>
-                    <a:lumOff val="25000"/>
-                  </a:schemeClr>
-                </a:solidFill>
-                <a:cs typeface="Segoe UI" panose="020B0502040204020203" pitchFamily="34" charset="0"/>
-              </a:rPr>
-              <a:t>7.9 % Females</a:t>
-            </a:r>
-          </a:p>
-          <a:p>
-            <a:pPr>
-              <a:lnSpc>
-                <a:spcPts val="1900"/>
-              </a:lnSpc>
-            </a:pPr>
-            <a:r>
-              <a:rPr lang="en-US" sz="1400" dirty="0">
-                <a:solidFill>
-                  <a:schemeClr val="tx1">
-                    <a:lumMod val="75000"/>
-                    <a:lumOff val="25000"/>
-                  </a:schemeClr>
-                </a:solidFill>
-                <a:cs typeface="Segoe UI" panose="020B0502040204020203" pitchFamily="34" charset="0"/>
-              </a:rPr>
-              <a:t>9.0 % Both Sexes</a:t>
-            </a:r>
-          </a:p>
-          <a:p>
-            <a:pPr>
-              <a:lnSpc>
-                <a:spcPts val="1900"/>
-              </a:lnSpc>
-            </a:pPr>
-            <a:r>
-              <a:rPr lang="en-US" sz="1400" dirty="0">
-                <a:solidFill>
-                  <a:schemeClr val="tx1">
-                    <a:lumMod val="75000"/>
-                    <a:lumOff val="25000"/>
-                  </a:schemeClr>
-                </a:solidFill>
-                <a:cs typeface="Segoe UI" panose="020B0502040204020203" pitchFamily="34" charset="0"/>
-              </a:rPr>
-              <a:t>Age Ranges: 70+ years</a:t>
-            </a:r>
-          </a:p>
-        </p:txBody>
-      </p:sp>
-      <p:sp>
-        <p:nvSpPr>
-          <p:cNvPr id="47" name="Rectangle 46">
-            <a:extLst>
-              <a:ext uri="{FF2B5EF4-FFF2-40B4-BE49-F238E27FC236}">
-                <a16:creationId xmlns:a16="http://schemas.microsoft.com/office/drawing/2014/main" id="{839BCDE9-6CF8-45EE-BFA1-6E32ED5C240E}"/>
-              </a:ext>
-            </a:extLst>
-          </p:cNvPr>
-          <p:cNvSpPr/>
-          <p:nvPr/>
-        </p:nvSpPr>
-        <p:spPr>
-          <a:xfrm>
-            <a:off x="4657555" y="3091163"/>
-            <a:ext cx="2743195" cy="492443"/>
-          </a:xfrm>
-          <a:prstGeom prst="rect">
-            <a:avLst/>
-          </a:prstGeom>
-        </p:spPr>
-        <p:txBody>
-          <a:bodyPr wrap="square" lIns="0" tIns="0" rIns="0" bIns="0" anchor="t">
-            <a:spAutoFit/>
-          </a:bodyPr>
-          <a:lstStyle/>
-          <a:p>
-            <a:r>
-              <a:rPr lang="en-US" sz="3200" dirty="0">
-                <a:solidFill>
-                  <a:schemeClr val="accent4">
-                    <a:lumMod val="75000"/>
-                  </a:schemeClr>
-                </a:solidFill>
-                <a:cs typeface="Segoe UI" panose="020B0502040204020203" pitchFamily="34" charset="0"/>
-              </a:rPr>
-              <a:t>24.9 %</a:t>
-            </a:r>
-          </a:p>
-        </p:txBody>
-      </p:sp>
-      <p:sp>
-        <p:nvSpPr>
-          <p:cNvPr id="48" name="Rectangle 47">
-            <a:extLst>
-              <a:ext uri="{FF2B5EF4-FFF2-40B4-BE49-F238E27FC236}">
-                <a16:creationId xmlns:a16="http://schemas.microsoft.com/office/drawing/2014/main" id="{7DDB637A-4822-4FE9-8AEA-11DEA7859049}"/>
-              </a:ext>
-            </a:extLst>
-          </p:cNvPr>
-          <p:cNvSpPr/>
-          <p:nvPr/>
-        </p:nvSpPr>
-        <p:spPr>
-          <a:xfrm>
-            <a:off x="4657555" y="2839471"/>
-            <a:ext cx="2743195" cy="223394"/>
-          </a:xfrm>
-          <a:prstGeom prst="rect">
-            <a:avLst/>
-          </a:prstGeom>
-        </p:spPr>
-        <p:txBody>
-          <a:bodyPr wrap="square" lIns="0" tIns="0" rIns="0" bIns="0" anchor="t">
-            <a:spAutoFit/>
-          </a:bodyPr>
-          <a:lstStyle/>
-          <a:p>
-            <a:pPr>
-              <a:lnSpc>
-                <a:spcPts val="1900"/>
-              </a:lnSpc>
-            </a:pPr>
-            <a:r>
-              <a:rPr lang="en-US" sz="1400" b="1" dirty="0">
-                <a:solidFill>
-                  <a:schemeClr val="accent4">
-                    <a:lumMod val="75000"/>
-                  </a:schemeClr>
-                </a:solidFill>
-                <a:latin typeface="+mj-lt"/>
-                <a:cs typeface="Segoe UI" panose="020B0502040204020203" pitchFamily="34" charset="0"/>
-              </a:rPr>
-              <a:t>Cote d’Ivoire</a:t>
-            </a:r>
-          </a:p>
-        </p:txBody>
-      </p:sp>
-      <p:sp>
-        <p:nvSpPr>
-          <p:cNvPr id="49" name="Rectangle 48">
-            <a:extLst>
-              <a:ext uri="{FF2B5EF4-FFF2-40B4-BE49-F238E27FC236}">
-                <a16:creationId xmlns:a16="http://schemas.microsoft.com/office/drawing/2014/main" id="{7FA68D61-8BDC-4C14-9F0D-CF0C946CD30A}"/>
-              </a:ext>
-            </a:extLst>
-          </p:cNvPr>
-          <p:cNvSpPr/>
-          <p:nvPr/>
-        </p:nvSpPr>
-        <p:spPr>
-          <a:xfrm>
-            <a:off x="4673175" y="5558710"/>
-            <a:ext cx="2743195" cy="954364"/>
-          </a:xfrm>
-          <a:prstGeom prst="rect">
-            <a:avLst/>
-          </a:prstGeom>
-        </p:spPr>
-        <p:txBody>
-          <a:bodyPr wrap="square" lIns="0" tIns="0" rIns="0" bIns="0" anchor="t">
-            <a:spAutoFit/>
-          </a:bodyPr>
-          <a:lstStyle/>
-          <a:p>
-            <a:pPr>
-              <a:lnSpc>
-                <a:spcPts val="1900"/>
-              </a:lnSpc>
-            </a:pPr>
-            <a:r>
-              <a:rPr lang="en-US" sz="1400" dirty="0">
-                <a:solidFill>
-                  <a:schemeClr val="tx1">
-                    <a:lumMod val="75000"/>
-                    <a:lumOff val="25000"/>
-                  </a:schemeClr>
-                </a:solidFill>
-                <a:cs typeface="Segoe UI" panose="020B0502040204020203" pitchFamily="34" charset="0"/>
-              </a:rPr>
-              <a:t>7.9 % Males</a:t>
-            </a:r>
-          </a:p>
-          <a:p>
-            <a:pPr>
-              <a:lnSpc>
-                <a:spcPts val="1900"/>
-              </a:lnSpc>
-            </a:pPr>
-            <a:r>
-              <a:rPr lang="en-US" sz="1400" dirty="0">
-                <a:solidFill>
-                  <a:schemeClr val="tx1">
-                    <a:lumMod val="75000"/>
-                    <a:lumOff val="25000"/>
-                  </a:schemeClr>
-                </a:solidFill>
-                <a:cs typeface="Segoe UI" panose="020B0502040204020203" pitchFamily="34" charset="0"/>
-              </a:rPr>
-              <a:t>7.6 % Females</a:t>
-            </a:r>
-          </a:p>
-          <a:p>
-            <a:pPr>
-              <a:lnSpc>
-                <a:spcPts val="1900"/>
-              </a:lnSpc>
-            </a:pPr>
-            <a:r>
-              <a:rPr lang="en-US" sz="1400" dirty="0">
-                <a:solidFill>
-                  <a:schemeClr val="tx1">
-                    <a:lumMod val="75000"/>
-                    <a:lumOff val="25000"/>
-                  </a:schemeClr>
-                </a:solidFill>
-                <a:cs typeface="Segoe UI" panose="020B0502040204020203" pitchFamily="34" charset="0"/>
-              </a:rPr>
-              <a:t>8.5 % Both Sexes</a:t>
-            </a:r>
-          </a:p>
-          <a:p>
-            <a:pPr>
-              <a:lnSpc>
-                <a:spcPts val="1900"/>
-              </a:lnSpc>
-            </a:pPr>
-            <a:r>
-              <a:rPr lang="en-US" sz="1400" dirty="0">
-                <a:solidFill>
-                  <a:schemeClr val="tx1">
-                    <a:lumMod val="75000"/>
-                    <a:lumOff val="25000"/>
-                  </a:schemeClr>
-                </a:solidFill>
-                <a:cs typeface="Segoe UI" panose="020B0502040204020203" pitchFamily="34" charset="0"/>
-              </a:rPr>
-              <a:t>Age Ranges: Data Unavailable</a:t>
-            </a:r>
-          </a:p>
-        </p:txBody>
-      </p:sp>
-      <p:sp>
-        <p:nvSpPr>
-          <p:cNvPr id="50" name="Rectangle 49">
-            <a:extLst>
-              <a:ext uri="{FF2B5EF4-FFF2-40B4-BE49-F238E27FC236}">
-                <a16:creationId xmlns:a16="http://schemas.microsoft.com/office/drawing/2014/main" id="{B164A1DA-19AA-4A0C-9ED2-92A9346B807A}"/>
-              </a:ext>
-            </a:extLst>
-          </p:cNvPr>
-          <p:cNvSpPr/>
-          <p:nvPr/>
-        </p:nvSpPr>
-        <p:spPr>
-          <a:xfrm>
-            <a:off x="4673175" y="5024522"/>
-            <a:ext cx="2743195" cy="492443"/>
-          </a:xfrm>
-          <a:prstGeom prst="rect">
-            <a:avLst/>
-          </a:prstGeom>
-        </p:spPr>
-        <p:txBody>
-          <a:bodyPr wrap="square" lIns="0" tIns="0" rIns="0" bIns="0" anchor="t">
-            <a:spAutoFit/>
-          </a:bodyPr>
-          <a:lstStyle/>
-          <a:p>
-            <a:r>
-              <a:rPr lang="en-US" sz="3200" dirty="0">
-                <a:solidFill>
-                  <a:schemeClr val="tx1">
-                    <a:lumMod val="75000"/>
-                    <a:lumOff val="25000"/>
-                  </a:schemeClr>
-                </a:solidFill>
-                <a:cs typeface="Segoe UI" panose="020B0502040204020203" pitchFamily="34" charset="0"/>
-              </a:rPr>
-              <a:t>24 %</a:t>
-            </a:r>
-          </a:p>
-        </p:txBody>
-      </p:sp>
-      <p:sp>
-        <p:nvSpPr>
-          <p:cNvPr id="51" name="Rectangle 50">
-            <a:extLst>
-              <a:ext uri="{FF2B5EF4-FFF2-40B4-BE49-F238E27FC236}">
-                <a16:creationId xmlns:a16="http://schemas.microsoft.com/office/drawing/2014/main" id="{FA4B18CA-09B5-4584-8D25-60B58EF68413}"/>
-              </a:ext>
-            </a:extLst>
-          </p:cNvPr>
-          <p:cNvSpPr/>
-          <p:nvPr/>
-        </p:nvSpPr>
-        <p:spPr>
-          <a:xfrm>
-            <a:off x="4673175" y="4772830"/>
-            <a:ext cx="2743195" cy="223394"/>
-          </a:xfrm>
-          <a:prstGeom prst="rect">
-            <a:avLst/>
-          </a:prstGeom>
-        </p:spPr>
-        <p:txBody>
-          <a:bodyPr wrap="square" lIns="0" tIns="0" rIns="0" bIns="0" anchor="t">
-            <a:spAutoFit/>
-          </a:bodyPr>
-          <a:lstStyle/>
-          <a:p>
-            <a:pPr>
-              <a:lnSpc>
-                <a:spcPts val="1900"/>
-              </a:lnSpc>
-            </a:pPr>
-            <a:r>
-              <a:rPr lang="en-US" sz="1400" b="1" dirty="0">
-                <a:solidFill>
-                  <a:schemeClr val="tx1">
-                    <a:lumMod val="75000"/>
-                    <a:lumOff val="25000"/>
-                  </a:schemeClr>
-                </a:solidFill>
-                <a:latin typeface="+mj-lt"/>
-                <a:cs typeface="Segoe UI" panose="020B0502040204020203" pitchFamily="34" charset="0"/>
-              </a:rPr>
-              <a:t>Republic of Korea</a:t>
+              <a:rPr lang="en-US" b="1" dirty="0"/>
+              <a:t>Could hypothesis that being a rich country with poor individuals is the actual correlation to higher suicide rates</a:t>
             </a:r>
           </a:p>
         </p:txBody>
       </p:sp>
       <p:pic>
         <p:nvPicPr>
-          <p:cNvPr id="16" name="Picture 15">
-            <a:extLst>
-              <a:ext uri="{FF2B5EF4-FFF2-40B4-BE49-F238E27FC236}">
-                <a16:creationId xmlns:a16="http://schemas.microsoft.com/office/drawing/2014/main" id="{6EF6F755-9063-454C-B3CD-17EA935A59F1}"/>
+          <p:cNvPr id="1026" name="Picture 2">
+            <a:extLst>
+              <a:ext uri="{FF2B5EF4-FFF2-40B4-BE49-F238E27FC236}">
+                <a16:creationId xmlns:a16="http://schemas.microsoft.com/office/drawing/2014/main" id="{4741860B-824A-4503-872B-990AB3174AAB}"/>
               </a:ext>
             </a:extLst>
           </p:cNvPr>
           <p:cNvPicPr>
-            <a:picLocks noChangeAspect="1"/>
+            <a:picLocks noChangeAspect="1" noChangeArrowheads="1"/>
           </p:cNvPicPr>
           <p:nvPr/>
         </p:nvPicPr>
@@ -15733,31 +16421,42 @@
               </a:ext>
             </a:extLst>
           </a:blip>
+          <a:srcRect/>
           <a:stretch>
             <a:fillRect/>
           </a:stretch>
         </p:blipFill>
-        <p:spPr>
-          <a:xfrm>
-            <a:off x="564782" y="630652"/>
-            <a:ext cx="3474720" cy="1946774"/>
+        <p:spPr bwMode="auto">
+          <a:xfrm>
+            <a:off x="644870" y="900051"/>
+            <a:ext cx="5421862" cy="3490624"/>
           </a:xfrm>
           <a:prstGeom prst="rect">
             <a:avLst/>
           </a:prstGeom>
+          <a:noFill/>
+          <a:extLst>
+            <a:ext uri="{909E8E84-426E-40DD-AFC4-6F175D3DCCD1}">
+              <a14:hiddenFill xmlns:a14="http://schemas.microsoft.com/office/drawing/2010/main">
+                <a:solidFill>
+                  <a:srgbClr val="FFFFFF"/>
+                </a:solidFill>
+              </a14:hiddenFill>
+            </a:ext>
+          </a:extLst>
         </p:spPr>
       </p:pic>
       <p:pic>
         <p:nvPicPr>
-          <p:cNvPr id="18" name="Picture 17">
-            <a:extLst>
-              <a:ext uri="{FF2B5EF4-FFF2-40B4-BE49-F238E27FC236}">
-                <a16:creationId xmlns:a16="http://schemas.microsoft.com/office/drawing/2014/main" id="{26CE6159-1171-4DE1-81BC-A6289DEE149D}"/>
+          <p:cNvPr id="1028" name="Picture 4">
+            <a:extLst>
+              <a:ext uri="{FF2B5EF4-FFF2-40B4-BE49-F238E27FC236}">
+                <a16:creationId xmlns:a16="http://schemas.microsoft.com/office/drawing/2014/main" id="{2376854D-9278-445B-84E0-B4435BDEEDE9}"/>
               </a:ext>
             </a:extLst>
           </p:cNvPr>
           <p:cNvPicPr>
-            <a:picLocks noChangeAspect="1"/>
+            <a:picLocks noChangeAspect="1" noChangeArrowheads="1"/>
           </p:cNvPicPr>
           <p:nvPr/>
         </p:nvPicPr>
@@ -15769,316 +16468,120 @@
               </a:ext>
             </a:extLst>
           </a:blip>
+          <a:srcRect/>
           <a:stretch>
             <a:fillRect/>
           </a:stretch>
         </p:blipFill>
-        <p:spPr>
-          <a:xfrm>
-            <a:off x="497965" y="2494936"/>
-            <a:ext cx="3474720" cy="2111753"/>
+        <p:spPr bwMode="auto">
+          <a:xfrm>
+            <a:off x="6267078" y="894042"/>
+            <a:ext cx="5421861" cy="3490623"/>
           </a:xfrm>
           <a:prstGeom prst="rect">
             <a:avLst/>
           </a:prstGeom>
+          <a:noFill/>
+          <a:extLst>
+            <a:ext uri="{909E8E84-426E-40DD-AFC4-6F175D3DCCD1}">
+              <a14:hiddenFill xmlns:a14="http://schemas.microsoft.com/office/drawing/2010/main">
+                <a:solidFill>
+                  <a:srgbClr val="FFFFFF"/>
+                </a:solidFill>
+              </a14:hiddenFill>
+            </a:ext>
+          </a:extLst>
         </p:spPr>
       </p:pic>
-      <p:pic>
-        <p:nvPicPr>
-          <p:cNvPr id="20" name="Picture 19">
-            <a:extLst>
-              <a:ext uri="{FF2B5EF4-FFF2-40B4-BE49-F238E27FC236}">
-                <a16:creationId xmlns:a16="http://schemas.microsoft.com/office/drawing/2014/main" id="{90D74747-7A66-4311-B47E-0F97C932EA64}"/>
-              </a:ext>
-            </a:extLst>
-          </p:cNvPr>
-          <p:cNvPicPr>
-            <a:picLocks noChangeAspect="1"/>
-          </p:cNvPicPr>
-          <p:nvPr/>
-        </p:nvPicPr>
-        <p:blipFill>
-          <a:blip r:embed="rId4">
-            <a:extLst>
-              <a:ext uri="{28A0092B-C50C-407E-A947-70E740481C1C}">
-                <a14:useLocalDpi xmlns:a14="http://schemas.microsoft.com/office/drawing/2010/main" val="0"/>
-              </a:ext>
-            </a:extLst>
-          </a:blip>
-          <a:stretch>
-            <a:fillRect/>
-          </a:stretch>
-        </p:blipFill>
-        <p:spPr>
-          <a:xfrm>
-            <a:off x="102786" y="4606689"/>
-            <a:ext cx="4105693" cy="2103120"/>
+      <p:sp>
+        <p:nvSpPr>
+          <p:cNvPr id="3" name="TextBox 2">
+            <a:extLst>
+              <a:ext uri="{FF2B5EF4-FFF2-40B4-BE49-F238E27FC236}">
+                <a16:creationId xmlns:a16="http://schemas.microsoft.com/office/drawing/2014/main" id="{EF7CF0AF-576A-415F-889A-30DB2A9FB3D2}"/>
+              </a:ext>
+            </a:extLst>
+          </p:cNvPr>
+          <p:cNvSpPr txBox="1"/>
+          <p:nvPr/>
+        </p:nvSpPr>
+        <p:spPr>
+          <a:xfrm>
+            <a:off x="475129" y="4549555"/>
+            <a:ext cx="2976282" cy="2031325"/>
           </a:xfrm>
           <a:prstGeom prst="rect">
             <a:avLst/>
           </a:prstGeom>
-        </p:spPr>
-      </p:pic>
-      <p:pic>
-        <p:nvPicPr>
-          <p:cNvPr id="22" name="Picture 21">
-            <a:extLst>
-              <a:ext uri="{FF2B5EF4-FFF2-40B4-BE49-F238E27FC236}">
-                <a16:creationId xmlns:a16="http://schemas.microsoft.com/office/drawing/2014/main" id="{E79FAAD8-7EFB-4BBB-A2C4-E7C168E899BB}"/>
-              </a:ext>
-            </a:extLst>
-          </p:cNvPr>
-          <p:cNvPicPr>
-            <a:picLocks noChangeAspect="1"/>
-          </p:cNvPicPr>
-          <p:nvPr/>
-        </p:nvPicPr>
-        <p:blipFill>
-          <a:blip r:embed="rId5">
-            <a:extLst>
-              <a:ext uri="{28A0092B-C50C-407E-A947-70E740481C1C}">
-                <a14:useLocalDpi xmlns:a14="http://schemas.microsoft.com/office/drawing/2010/main" val="0"/>
-              </a:ext>
-            </a:extLst>
-          </a:blip>
-          <a:stretch>
-            <a:fillRect/>
-          </a:stretch>
-        </p:blipFill>
-        <p:spPr>
-          <a:xfrm>
-            <a:off x="8283530" y="930547"/>
-            <a:ext cx="3752027" cy="2501351"/>
-          </a:xfrm>
-          <a:prstGeom prst="rect">
-            <a:avLst/>
-          </a:prstGeom>
-        </p:spPr>
-      </p:pic>
-      <p:pic>
-        <p:nvPicPr>
-          <p:cNvPr id="24" name="Picture 23">
-            <a:extLst>
-              <a:ext uri="{FF2B5EF4-FFF2-40B4-BE49-F238E27FC236}">
-                <a16:creationId xmlns:a16="http://schemas.microsoft.com/office/drawing/2014/main" id="{169CC250-7344-4B51-B64C-0953B5DBA44A}"/>
-              </a:ext>
-            </a:extLst>
-          </p:cNvPr>
-          <p:cNvPicPr>
-            <a:picLocks noChangeAspect="1"/>
-          </p:cNvPicPr>
-          <p:nvPr/>
-        </p:nvPicPr>
-        <p:blipFill>
-          <a:blip r:embed="rId6">
-            <a:extLst>
-              <a:ext uri="{28A0092B-C50C-407E-A947-70E740481C1C}">
-                <a14:useLocalDpi xmlns:a14="http://schemas.microsoft.com/office/drawing/2010/main" val="0"/>
-              </a:ext>
-            </a:extLst>
-          </a:blip>
-          <a:stretch>
-            <a:fillRect/>
-          </a:stretch>
-        </p:blipFill>
-        <p:spPr>
-          <a:xfrm>
-            <a:off x="8330142" y="3429000"/>
-            <a:ext cx="3752004" cy="2501337"/>
-          </a:xfrm>
-          <a:prstGeom prst="rect">
-            <a:avLst/>
-          </a:prstGeom>
-        </p:spPr>
-      </p:pic>
-      <p:cxnSp>
-        <p:nvCxnSpPr>
-          <p:cNvPr id="35" name="Straight Connector 34">
-            <a:extLst>
-              <a:ext uri="{FF2B5EF4-FFF2-40B4-BE49-F238E27FC236}">
-                <a16:creationId xmlns:a16="http://schemas.microsoft.com/office/drawing/2014/main" id="{DB7EF73A-9F20-4F55-A4EF-AAEB01E7093D}"/>
-              </a:ext>
-              <a:ext uri="{C183D7F6-B498-43B3-948B-1728B52AA6E4}">
-                <adec:decorative xmlns:adec="http://schemas.microsoft.com/office/drawing/2017/decorative" val="1"/>
-              </a:ext>
-            </a:extLst>
-          </p:cNvPr>
-          <p:cNvCxnSpPr/>
-          <p:nvPr/>
-        </p:nvCxnSpPr>
-        <p:spPr>
-          <a:xfrm>
-            <a:off x="4291860" y="2888415"/>
-            <a:ext cx="0" cy="1206500"/>
-          </a:xfrm>
-          <a:prstGeom prst="line">
-            <a:avLst/>
-          </a:prstGeom>
-          <a:ln>
-            <a:solidFill>
-              <a:schemeClr val="accent3">
-                <a:lumMod val="50000"/>
-              </a:schemeClr>
-            </a:solidFill>
-          </a:ln>
-        </p:spPr>
-        <p:style>
-          <a:lnRef idx="1">
-            <a:schemeClr val="accent1"/>
-          </a:lnRef>
-          <a:fillRef idx="0">
-            <a:schemeClr val="accent1"/>
-          </a:fillRef>
-          <a:effectRef idx="0">
-            <a:schemeClr val="accent1"/>
-          </a:effectRef>
-          <a:fontRef idx="minor">
-            <a:schemeClr val="tx1"/>
-          </a:fontRef>
-        </p:style>
-      </p:cxnSp>
-      <p:cxnSp>
-        <p:nvCxnSpPr>
-          <p:cNvPr id="36" name="Straight Connector 35">
-            <a:extLst>
-              <a:ext uri="{FF2B5EF4-FFF2-40B4-BE49-F238E27FC236}">
-                <a16:creationId xmlns:a16="http://schemas.microsoft.com/office/drawing/2014/main" id="{B7CCDE4F-04AE-4520-9B3A-619384C345FE}"/>
-              </a:ext>
-              <a:ext uri="{C183D7F6-B498-43B3-948B-1728B52AA6E4}">
-                <adec:decorative xmlns:adec="http://schemas.microsoft.com/office/drawing/2017/decorative" val="1"/>
-              </a:ext>
-            </a:extLst>
-          </p:cNvPr>
-          <p:cNvCxnSpPr/>
-          <p:nvPr/>
-        </p:nvCxnSpPr>
-        <p:spPr>
-          <a:xfrm>
-            <a:off x="4280657" y="4817654"/>
-            <a:ext cx="0" cy="1206500"/>
-          </a:xfrm>
-          <a:prstGeom prst="line">
-            <a:avLst/>
-          </a:prstGeom>
-          <a:ln>
-            <a:solidFill>
-              <a:schemeClr val="accent3">
-                <a:lumMod val="50000"/>
-              </a:schemeClr>
-            </a:solidFill>
-          </a:ln>
-        </p:spPr>
-        <p:style>
-          <a:lnRef idx="1">
-            <a:schemeClr val="accent1"/>
-          </a:lnRef>
-          <a:fillRef idx="0">
-            <a:schemeClr val="accent1"/>
-          </a:fillRef>
-          <a:effectRef idx="0">
-            <a:schemeClr val="accent1"/>
-          </a:effectRef>
-          <a:fontRef idx="minor">
-            <a:schemeClr val="tx1"/>
-          </a:fontRef>
-        </p:style>
-      </p:cxnSp>
-      <p:cxnSp>
-        <p:nvCxnSpPr>
-          <p:cNvPr id="37" name="Straight Connector 36">
-            <a:extLst>
-              <a:ext uri="{FF2B5EF4-FFF2-40B4-BE49-F238E27FC236}">
-                <a16:creationId xmlns:a16="http://schemas.microsoft.com/office/drawing/2014/main" id="{3EEB90A8-5D9B-4235-B626-B72D16B87A09}"/>
-              </a:ext>
-              <a:ext uri="{C183D7F6-B498-43B3-948B-1728B52AA6E4}">
-                <adec:decorative xmlns:adec="http://schemas.microsoft.com/office/drawing/2017/decorative" val="1"/>
-              </a:ext>
-            </a:extLst>
-          </p:cNvPr>
-          <p:cNvCxnSpPr/>
-          <p:nvPr/>
-        </p:nvCxnSpPr>
-        <p:spPr>
-          <a:xfrm>
-            <a:off x="8039100" y="2839471"/>
-            <a:ext cx="0" cy="1206500"/>
-          </a:xfrm>
-          <a:prstGeom prst="line">
-            <a:avLst/>
-          </a:prstGeom>
-          <a:ln>
-            <a:solidFill>
-              <a:schemeClr val="accent3">
-                <a:lumMod val="50000"/>
-              </a:schemeClr>
-            </a:solidFill>
-          </a:ln>
-        </p:spPr>
-        <p:style>
-          <a:lnRef idx="1">
-            <a:schemeClr val="accent1"/>
-          </a:lnRef>
-          <a:fillRef idx="0">
-            <a:schemeClr val="accent1"/>
-          </a:fillRef>
-          <a:effectRef idx="0">
-            <a:schemeClr val="accent1"/>
-          </a:effectRef>
-          <a:fontRef idx="minor">
-            <a:schemeClr val="tx1"/>
-          </a:fontRef>
-        </p:style>
-      </p:cxnSp>
-      <p:cxnSp>
-        <p:nvCxnSpPr>
-          <p:cNvPr id="38" name="Straight Connector 37">
-            <a:extLst>
-              <a:ext uri="{FF2B5EF4-FFF2-40B4-BE49-F238E27FC236}">
-                <a16:creationId xmlns:a16="http://schemas.microsoft.com/office/drawing/2014/main" id="{E9E03219-09ED-49EC-A2B0-96D63433B216}"/>
-              </a:ext>
-              <a:ext uri="{C183D7F6-B498-43B3-948B-1728B52AA6E4}">
-                <adec:decorative xmlns:adec="http://schemas.microsoft.com/office/drawing/2017/decorative" val="1"/>
-              </a:ext>
-            </a:extLst>
-          </p:cNvPr>
-          <p:cNvCxnSpPr/>
-          <p:nvPr/>
-        </p:nvCxnSpPr>
-        <p:spPr>
-          <a:xfrm>
-            <a:off x="8036859" y="1202669"/>
-            <a:ext cx="0" cy="1206500"/>
-          </a:xfrm>
-          <a:prstGeom prst="line">
-            <a:avLst/>
-          </a:prstGeom>
-          <a:ln>
-            <a:solidFill>
-              <a:schemeClr val="accent3">
-                <a:lumMod val="50000"/>
-              </a:schemeClr>
-            </a:solidFill>
-          </a:ln>
-        </p:spPr>
-        <p:style>
-          <a:lnRef idx="1">
-            <a:schemeClr val="accent1"/>
-          </a:lnRef>
-          <a:fillRef idx="0">
-            <a:schemeClr val="accent1"/>
-          </a:fillRef>
-          <a:effectRef idx="0">
-            <a:schemeClr val="accent1"/>
-          </a:effectRef>
-          <a:fontRef idx="minor">
-            <a:schemeClr val="tx1"/>
-          </a:fontRef>
-        </p:style>
-      </p:cxnSp>
+          <a:noFill/>
+        </p:spPr>
+        <p:txBody>
+          <a:bodyPr wrap="square" rtlCol="0">
+            <a:spAutoFit/>
+          </a:bodyPr>
+          <a:lstStyle/>
+          <a:p>
+            <a:r>
+              <a:rPr lang="en-US" dirty="0"/>
+              <a:t>Tope 5 GDP per Person Countries, include:</a:t>
+            </a:r>
+          </a:p>
+          <a:p>
+            <a:pPr marL="285750" indent="-285750">
+              <a:buFont typeface="Arial" panose="020B0604020202020204" pitchFamily="34" charset="0"/>
+              <a:buChar char="•"/>
+            </a:pPr>
+            <a:r>
+              <a:rPr lang="en-US" dirty="0"/>
+              <a:t>Luxembourg</a:t>
+            </a:r>
+          </a:p>
+          <a:p>
+            <a:pPr marL="285750" indent="-285750">
+              <a:buFont typeface="Arial" panose="020B0604020202020204" pitchFamily="34" charset="0"/>
+              <a:buChar char="•"/>
+            </a:pPr>
+            <a:r>
+              <a:rPr lang="en-US" dirty="0"/>
+              <a:t>Switzerland2015</a:t>
+            </a:r>
+          </a:p>
+          <a:p>
+            <a:pPr marL="285750" indent="-285750">
+              <a:buFont typeface="Arial" panose="020B0604020202020204" pitchFamily="34" charset="0"/>
+              <a:buChar char="•"/>
+            </a:pPr>
+            <a:r>
+              <a:rPr lang="en-US" dirty="0"/>
+              <a:t>Singapore2015</a:t>
+            </a:r>
+          </a:p>
+          <a:p>
+            <a:pPr marL="285750" indent="-285750">
+              <a:buFont typeface="Arial" panose="020B0604020202020204" pitchFamily="34" charset="0"/>
+              <a:buChar char="•"/>
+            </a:pPr>
+            <a:r>
+              <a:rPr lang="en-US" dirty="0"/>
+              <a:t>Norway2015</a:t>
+            </a:r>
+          </a:p>
+          <a:p>
+            <a:pPr marL="285750" indent="-285750">
+              <a:buFont typeface="Arial" panose="020B0604020202020204" pitchFamily="34" charset="0"/>
+              <a:buChar char="•"/>
+            </a:pPr>
+            <a:r>
+              <a:rPr lang="en-US" dirty="0"/>
+              <a:t>Qatar2015</a:t>
+            </a:r>
+          </a:p>
+        </p:txBody>
+      </p:sp>
     </p:spTree>
     <p:extLst>
       <p:ext uri="{BB962C8B-B14F-4D97-AF65-F5344CB8AC3E}">
-        <p14:creationId xmlns:p14="http://schemas.microsoft.com/office/powerpoint/2010/main" val="1079598139"/>
+        <p14:creationId xmlns:p14="http://schemas.microsoft.com/office/powerpoint/2010/main" val="3445909816"/>
       </p:ext>
     </p:extLst>
   </p:cSld>
@@ -16258,7 +16761,7 @@
                   </a:schemeClr>
                 </a:solidFill>
               </a:rPr>
-              <a:t>Year 2010</a:t>
+              <a:t>Year 2015</a:t>
             </a:r>
             <a:br>
               <a:rPr lang="en-US" sz="2800" dirty="0">
@@ -16464,7 +16967,7 @@
                 </a:solidFill>
                 <a:cs typeface="Segoe UI" panose="020B0502040204020203" pitchFamily="34" charset="0"/>
               </a:rPr>
-              <a:t>9.5 % Males</a:t>
+              <a:t>11.7 % Males</a:t>
             </a:r>
           </a:p>
           <a:p>
@@ -16483,7 +16986,7 @@
                 </a:solidFill>
                 <a:cs typeface="Segoe UI" panose="020B0502040204020203" pitchFamily="34" charset="0"/>
               </a:rPr>
-              <a:t>8.0 % Females</a:t>
+              <a:t>8.7 % Females</a:t>
             </a:r>
           </a:p>
           <a:p>
@@ -16502,7 +17005,7 @@
                 </a:solidFill>
                 <a:cs typeface="Segoe UI" panose="020B0502040204020203" pitchFamily="34" charset="0"/>
               </a:rPr>
-              <a:t>10.2 % Both Sexes</a:t>
+              <a:t>12.0 % Both Sexes</a:t>
             </a:r>
           </a:p>
           <a:p>
@@ -16562,7 +17065,7 @@
                 </a:solidFill>
                 <a:cs typeface="Segoe UI" panose="020B0502040204020203" pitchFamily="34" charset="0"/>
               </a:rPr>
-              <a:t>27.7 %</a:t>
+              <a:t>32.4 %</a:t>
             </a:r>
           </a:p>
         </p:txBody>
@@ -16656,7 +17159,7 @@
                 </a:solidFill>
                 <a:cs typeface="Segoe UI" panose="020B0502040204020203" pitchFamily="34" charset="0"/>
               </a:rPr>
-              <a:t>9.3 % Males</a:t>
+              <a:t>8.0 % Males</a:t>
             </a:r>
           </a:p>
           <a:p>
@@ -16675,7 +17178,7 @@
                 </a:solidFill>
                 <a:cs typeface="Segoe UI" panose="020B0502040204020203" pitchFamily="34" charset="0"/>
               </a:rPr>
-              <a:t>7.5 % Females</a:t>
+              <a:t>7.9 % Females</a:t>
             </a:r>
           </a:p>
           <a:p>
@@ -16694,7 +17197,7 @@
                 </a:solidFill>
                 <a:cs typeface="Segoe UI" panose="020B0502040204020203" pitchFamily="34" charset="0"/>
               </a:rPr>
-              <a:t>9.8 % Both Sexes</a:t>
+              <a:t>9.0 % Both Sexes</a:t>
             </a:r>
           </a:p>
           <a:p>
@@ -16754,7 +17257,7 @@
                 </a:solidFill>
                 <a:cs typeface="Segoe UI" panose="020B0502040204020203" pitchFamily="34" charset="0"/>
               </a:rPr>
-              <a:t>26.6 %</a:t>
+              <a:t>24.9 %</a:t>
             </a:r>
           </a:p>
         </p:txBody>
@@ -16801,7 +17304,7 @@
                 <a:latin typeface="+mj-lt"/>
                 <a:cs typeface="Segoe UI" panose="020B0502040204020203" pitchFamily="34" charset="0"/>
               </a:rPr>
-              <a:t>Suriname</a:t>
+              <a:t>Cote d’Ivoire</a:t>
             </a:r>
           </a:p>
         </p:txBody>
@@ -16848,7 +17351,7 @@
                 </a:solidFill>
                 <a:cs typeface="Segoe UI" panose="020B0502040204020203" pitchFamily="34" charset="0"/>
               </a:rPr>
-              <a:t>8.3 % Males</a:t>
+              <a:t>7.9 % Males</a:t>
             </a:r>
           </a:p>
           <a:p>
@@ -16867,7 +17370,7 @@
                 </a:solidFill>
                 <a:cs typeface="Segoe UI" panose="020B0502040204020203" pitchFamily="34" charset="0"/>
               </a:rPr>
-              <a:t>10.6 % Females</a:t>
+              <a:t>7.6 % Females</a:t>
             </a:r>
           </a:p>
           <a:p>
@@ -16886,7 +17389,7 @@
                 </a:solidFill>
                 <a:cs typeface="Segoe UI" panose="020B0502040204020203" pitchFamily="34" charset="0"/>
               </a:rPr>
-              <a:t>9.8 % Both Sexes</a:t>
+              <a:t>8.5 % Both Sexes</a:t>
             </a:r>
           </a:p>
           <a:p>
@@ -16947,7 +17450,7 @@
                 </a:solidFill>
                 <a:cs typeface="Segoe UI" panose="020B0502040204020203" pitchFamily="34" charset="0"/>
               </a:rPr>
-              <a:t>28.7 %</a:t>
+              <a:t>24 %</a:t>
             </a:r>
           </a:p>
         </p:txBody>
@@ -17002,10 +17505,10 @@
       </p:sp>
       <p:pic>
         <p:nvPicPr>
-          <p:cNvPr id="22" name="Picture 21">
-            <a:extLst>
-              <a:ext uri="{FF2B5EF4-FFF2-40B4-BE49-F238E27FC236}">
-                <a16:creationId xmlns:a16="http://schemas.microsoft.com/office/drawing/2014/main" id="{E79FAAD8-7EFB-4BBB-A2C4-E7C168E899BB}"/>
+          <p:cNvPr id="16" name="Picture 15">
+            <a:extLst>
+              <a:ext uri="{FF2B5EF4-FFF2-40B4-BE49-F238E27FC236}">
+                <a16:creationId xmlns:a16="http://schemas.microsoft.com/office/drawing/2014/main" id="{6EF6F755-9063-454C-B3CD-17EA935A59F1}"/>
               </a:ext>
             </a:extLst>
           </p:cNvPr>
@@ -17028,8 +17531,152 @@
         </p:blipFill>
         <p:spPr>
           <a:xfrm>
-            <a:off x="8283529" y="930546"/>
-            <a:ext cx="3840480" cy="2560320"/>
+            <a:off x="564782" y="630652"/>
+            <a:ext cx="3474720" cy="1946774"/>
+          </a:xfrm>
+          <a:prstGeom prst="rect">
+            <a:avLst/>
+          </a:prstGeom>
+        </p:spPr>
+      </p:pic>
+      <p:pic>
+        <p:nvPicPr>
+          <p:cNvPr id="18" name="Picture 17">
+            <a:extLst>
+              <a:ext uri="{FF2B5EF4-FFF2-40B4-BE49-F238E27FC236}">
+                <a16:creationId xmlns:a16="http://schemas.microsoft.com/office/drawing/2014/main" id="{26CE6159-1171-4DE1-81BC-A6289DEE149D}"/>
+              </a:ext>
+            </a:extLst>
+          </p:cNvPr>
+          <p:cNvPicPr>
+            <a:picLocks noChangeAspect="1"/>
+          </p:cNvPicPr>
+          <p:nvPr/>
+        </p:nvPicPr>
+        <p:blipFill>
+          <a:blip r:embed="rId3">
+            <a:extLst>
+              <a:ext uri="{28A0092B-C50C-407E-A947-70E740481C1C}">
+                <a14:useLocalDpi xmlns:a14="http://schemas.microsoft.com/office/drawing/2010/main" val="0"/>
+              </a:ext>
+            </a:extLst>
+          </a:blip>
+          <a:stretch>
+            <a:fillRect/>
+          </a:stretch>
+        </p:blipFill>
+        <p:spPr>
+          <a:xfrm>
+            <a:off x="497965" y="2494936"/>
+            <a:ext cx="3474720" cy="2111753"/>
+          </a:xfrm>
+          <a:prstGeom prst="rect">
+            <a:avLst/>
+          </a:prstGeom>
+        </p:spPr>
+      </p:pic>
+      <p:pic>
+        <p:nvPicPr>
+          <p:cNvPr id="20" name="Picture 19">
+            <a:extLst>
+              <a:ext uri="{FF2B5EF4-FFF2-40B4-BE49-F238E27FC236}">
+                <a16:creationId xmlns:a16="http://schemas.microsoft.com/office/drawing/2014/main" id="{90D74747-7A66-4311-B47E-0F97C932EA64}"/>
+              </a:ext>
+            </a:extLst>
+          </p:cNvPr>
+          <p:cNvPicPr>
+            <a:picLocks noChangeAspect="1"/>
+          </p:cNvPicPr>
+          <p:nvPr/>
+        </p:nvPicPr>
+        <p:blipFill>
+          <a:blip r:embed="rId4">
+            <a:extLst>
+              <a:ext uri="{28A0092B-C50C-407E-A947-70E740481C1C}">
+                <a14:useLocalDpi xmlns:a14="http://schemas.microsoft.com/office/drawing/2010/main" val="0"/>
+              </a:ext>
+            </a:extLst>
+          </a:blip>
+          <a:stretch>
+            <a:fillRect/>
+          </a:stretch>
+        </p:blipFill>
+        <p:spPr>
+          <a:xfrm>
+            <a:off x="102786" y="4606689"/>
+            <a:ext cx="4105693" cy="2103120"/>
+          </a:xfrm>
+          <a:prstGeom prst="rect">
+            <a:avLst/>
+          </a:prstGeom>
+        </p:spPr>
+      </p:pic>
+      <p:pic>
+        <p:nvPicPr>
+          <p:cNvPr id="22" name="Picture 21">
+            <a:extLst>
+              <a:ext uri="{FF2B5EF4-FFF2-40B4-BE49-F238E27FC236}">
+                <a16:creationId xmlns:a16="http://schemas.microsoft.com/office/drawing/2014/main" id="{E79FAAD8-7EFB-4BBB-A2C4-E7C168E899BB}"/>
+              </a:ext>
+            </a:extLst>
+          </p:cNvPr>
+          <p:cNvPicPr>
+            <a:picLocks noChangeAspect="1"/>
+          </p:cNvPicPr>
+          <p:nvPr/>
+        </p:nvPicPr>
+        <p:blipFill>
+          <a:blip r:embed="rId5">
+            <a:extLst>
+              <a:ext uri="{28A0092B-C50C-407E-A947-70E740481C1C}">
+                <a14:useLocalDpi xmlns:a14="http://schemas.microsoft.com/office/drawing/2010/main" val="0"/>
+              </a:ext>
+            </a:extLst>
+          </a:blip>
+          <a:stretch>
+            <a:fillRect/>
+          </a:stretch>
+        </p:blipFill>
+        <p:spPr>
+          <a:xfrm>
+            <a:off x="8283530" y="930547"/>
+            <a:ext cx="3752027" cy="2501351"/>
+          </a:xfrm>
+          <a:prstGeom prst="rect">
+            <a:avLst/>
+          </a:prstGeom>
+        </p:spPr>
+      </p:pic>
+      <p:pic>
+        <p:nvPicPr>
+          <p:cNvPr id="24" name="Picture 23">
+            <a:extLst>
+              <a:ext uri="{FF2B5EF4-FFF2-40B4-BE49-F238E27FC236}">
+                <a16:creationId xmlns:a16="http://schemas.microsoft.com/office/drawing/2014/main" id="{169CC250-7344-4B51-B64C-0953B5DBA44A}"/>
+              </a:ext>
+            </a:extLst>
+          </p:cNvPr>
+          <p:cNvPicPr>
+            <a:picLocks noChangeAspect="1"/>
+          </p:cNvPicPr>
+          <p:nvPr/>
+        </p:nvPicPr>
+        <p:blipFill>
+          <a:blip r:embed="rId6">
+            <a:extLst>
+              <a:ext uri="{28A0092B-C50C-407E-A947-70E740481C1C}">
+                <a14:useLocalDpi xmlns:a14="http://schemas.microsoft.com/office/drawing/2010/main" val="0"/>
+              </a:ext>
+            </a:extLst>
+          </a:blip>
+          <a:stretch>
+            <a:fillRect/>
+          </a:stretch>
+        </p:blipFill>
+        <p:spPr>
+          <a:xfrm>
+            <a:off x="8330142" y="3429000"/>
+            <a:ext cx="3752004" cy="2501337"/>
           </a:xfrm>
           <a:prstGeom prst="rect">
             <a:avLst/>
@@ -17220,154 +17867,10 @@
           </a:fontRef>
         </p:style>
       </p:cxnSp>
-      <p:pic>
-        <p:nvPicPr>
-          <p:cNvPr id="3" name="Picture 2">
-            <a:extLst>
-              <a:ext uri="{FF2B5EF4-FFF2-40B4-BE49-F238E27FC236}">
-                <a16:creationId xmlns:a16="http://schemas.microsoft.com/office/drawing/2014/main" id="{2CFF9684-B093-4F27-B1C6-608E69601101}"/>
-              </a:ext>
-            </a:extLst>
-          </p:cNvPr>
-          <p:cNvPicPr>
-            <a:picLocks noChangeAspect="1"/>
-          </p:cNvPicPr>
-          <p:nvPr/>
-        </p:nvPicPr>
-        <p:blipFill>
-          <a:blip r:embed="rId3">
-            <a:extLst>
-              <a:ext uri="{28A0092B-C50C-407E-A947-70E740481C1C}">
-                <a14:useLocalDpi xmlns:a14="http://schemas.microsoft.com/office/drawing/2010/main" val="0"/>
-              </a:ext>
-            </a:extLst>
-          </a:blip>
-          <a:stretch>
-            <a:fillRect/>
-          </a:stretch>
-        </p:blipFill>
-        <p:spPr>
-          <a:xfrm>
-            <a:off x="459041" y="713102"/>
-            <a:ext cx="3200400" cy="1866900"/>
-          </a:xfrm>
-          <a:prstGeom prst="rect">
-            <a:avLst/>
-          </a:prstGeom>
-        </p:spPr>
-      </p:pic>
-      <p:pic>
-        <p:nvPicPr>
-          <p:cNvPr id="6" name="Picture 5">
-            <a:extLst>
-              <a:ext uri="{FF2B5EF4-FFF2-40B4-BE49-F238E27FC236}">
-                <a16:creationId xmlns:a16="http://schemas.microsoft.com/office/drawing/2014/main" id="{DEA6AB48-B84C-4057-BD62-B0B0E499C0B7}"/>
-              </a:ext>
-            </a:extLst>
-          </p:cNvPr>
-          <p:cNvPicPr>
-            <a:picLocks noChangeAspect="1"/>
-          </p:cNvPicPr>
-          <p:nvPr/>
-        </p:nvPicPr>
-        <p:blipFill>
-          <a:blip r:embed="rId4">
-            <a:extLst>
-              <a:ext uri="{28A0092B-C50C-407E-A947-70E740481C1C}">
-                <a14:useLocalDpi xmlns:a14="http://schemas.microsoft.com/office/drawing/2010/main" val="0"/>
-              </a:ext>
-            </a:extLst>
-          </a:blip>
-          <a:stretch>
-            <a:fillRect/>
-          </a:stretch>
-        </p:blipFill>
-        <p:spPr>
-          <a:xfrm>
-            <a:off x="470971" y="2630310"/>
-            <a:ext cx="3200400" cy="1825683"/>
-          </a:xfrm>
-          <a:prstGeom prst="rect">
-            <a:avLst/>
-          </a:prstGeom>
-        </p:spPr>
-      </p:pic>
-      <p:pic>
-        <p:nvPicPr>
-          <p:cNvPr id="9" name="Picture 8">
-            <a:extLst>
-              <a:ext uri="{FF2B5EF4-FFF2-40B4-BE49-F238E27FC236}">
-                <a16:creationId xmlns:a16="http://schemas.microsoft.com/office/drawing/2014/main" id="{1BE41955-8372-46E6-BBE8-6B989CF71C45}"/>
-              </a:ext>
-            </a:extLst>
-          </p:cNvPr>
-          <p:cNvPicPr>
-            <a:picLocks noChangeAspect="1"/>
-          </p:cNvPicPr>
-          <p:nvPr/>
-        </p:nvPicPr>
-        <p:blipFill>
-          <a:blip r:embed="rId5">
-            <a:extLst>
-              <a:ext uri="{28A0092B-C50C-407E-A947-70E740481C1C}">
-                <a14:useLocalDpi xmlns:a14="http://schemas.microsoft.com/office/drawing/2010/main" val="0"/>
-              </a:ext>
-            </a:extLst>
-          </a:blip>
-          <a:stretch>
-            <a:fillRect/>
-          </a:stretch>
-        </p:blipFill>
-        <p:spPr>
-          <a:xfrm>
-            <a:off x="470971" y="4506301"/>
-            <a:ext cx="3200400" cy="1903556"/>
-          </a:xfrm>
-          <a:prstGeom prst="rect">
-            <a:avLst/>
-          </a:prstGeom>
-        </p:spPr>
-      </p:pic>
-      <p:pic>
-        <p:nvPicPr>
-          <p:cNvPr id="12" name="Picture 11">
-            <a:extLst>
-              <a:ext uri="{FF2B5EF4-FFF2-40B4-BE49-F238E27FC236}">
-                <a16:creationId xmlns:a16="http://schemas.microsoft.com/office/drawing/2014/main" id="{CCB2544D-5BAC-41FF-B282-6E92E46B176B}"/>
-              </a:ext>
-            </a:extLst>
-          </p:cNvPr>
-          <p:cNvPicPr>
-            <a:picLocks noChangeAspect="1"/>
-          </p:cNvPicPr>
-          <p:nvPr/>
-        </p:nvPicPr>
-        <p:blipFill>
-          <a:blip r:embed="rId6">
-            <a:extLst>
-              <a:ext uri="{28A0092B-C50C-407E-A947-70E740481C1C}">
-                <a14:useLocalDpi xmlns:a14="http://schemas.microsoft.com/office/drawing/2010/main" val="0"/>
-              </a:ext>
-            </a:extLst>
-          </a:blip>
-          <a:stretch>
-            <a:fillRect/>
-          </a:stretch>
-        </p:blipFill>
-        <p:spPr>
-          <a:xfrm>
-            <a:off x="8299149" y="3490866"/>
-            <a:ext cx="3840480" cy="2560320"/>
-          </a:xfrm>
-          <a:prstGeom prst="rect">
-            <a:avLst/>
-          </a:prstGeom>
-        </p:spPr>
-      </p:pic>
     </p:spTree>
     <p:extLst>
       <p:ext uri="{BB962C8B-B14F-4D97-AF65-F5344CB8AC3E}">
-        <p14:creationId xmlns:p14="http://schemas.microsoft.com/office/powerpoint/2010/main" val="37466438"/>
+        <p14:creationId xmlns:p14="http://schemas.microsoft.com/office/powerpoint/2010/main" val="1079598139"/>
       </p:ext>
     </p:extLst>
   </p:cSld>
@@ -17547,7 +18050,7 @@
                   </a:schemeClr>
                 </a:solidFill>
               </a:rPr>
-              <a:t>Year 2000</a:t>
+              <a:t>Year 2010</a:t>
             </a:r>
             <a:br>
               <a:rPr lang="en-US" sz="2800" dirty="0">
@@ -17753,7 +18256,7 @@
                 </a:solidFill>
                 <a:cs typeface="Segoe UI" panose="020B0502040204020203" pitchFamily="34" charset="0"/>
               </a:rPr>
-              <a:t>14.5 % Males</a:t>
+              <a:t>9.5 % Males</a:t>
             </a:r>
           </a:p>
           <a:p>
@@ -17772,7 +18275,7 @@
                 </a:solidFill>
                 <a:cs typeface="Segoe UI" panose="020B0502040204020203" pitchFamily="34" charset="0"/>
               </a:rPr>
-              <a:t>?? % Females</a:t>
+              <a:t>8.0 % Females</a:t>
             </a:r>
           </a:p>
           <a:p>
@@ -17791,7 +18294,7 @@
                 </a:solidFill>
                 <a:cs typeface="Segoe UI" panose="020B0502040204020203" pitchFamily="34" charset="0"/>
               </a:rPr>
-              <a:t>14.0 % Both Sexes</a:t>
+              <a:t>10.2 % Both Sexes</a:t>
             </a:r>
           </a:p>
           <a:p>
@@ -17810,7 +18313,7 @@
                 </a:solidFill>
                 <a:cs typeface="Segoe UI" panose="020B0502040204020203" pitchFamily="34" charset="0"/>
               </a:rPr>
-              <a:t>Age Ranges: 50-69 years</a:t>
+              <a:t>Age Ranges: 15-49; 70+ years</a:t>
             </a:r>
           </a:p>
         </p:txBody>
@@ -17851,7 +18354,7 @@
                 </a:solidFill>
                 <a:cs typeface="Segoe UI" panose="020B0502040204020203" pitchFamily="34" charset="0"/>
               </a:rPr>
-              <a:t>28.5 %</a:t>
+              <a:t>27.7 %</a:t>
             </a:r>
           </a:p>
         </p:txBody>
@@ -17898,7 +18401,7 @@
                 <a:latin typeface="+mj-lt"/>
                 <a:cs typeface="Segoe UI" panose="020B0502040204020203" pitchFamily="34" charset="0"/>
               </a:rPr>
-              <a:t>Russian Federation</a:t>
+              <a:t>Guyana</a:t>
             </a:r>
           </a:p>
         </p:txBody>
@@ -17945,7 +18448,7 @@
                 </a:solidFill>
                 <a:cs typeface="Segoe UI" panose="020B0502040204020203" pitchFamily="34" charset="0"/>
               </a:rPr>
-              <a:t>13.8 % Males</a:t>
+              <a:t>9.3 % Males</a:t>
             </a:r>
           </a:p>
           <a:p>
@@ -17964,7 +18467,7 @@
                 </a:solidFill>
                 <a:cs typeface="Segoe UI" panose="020B0502040204020203" pitchFamily="34" charset="0"/>
               </a:rPr>
-              <a:t>?? % Females</a:t>
+              <a:t>7.5 % Females</a:t>
             </a:r>
           </a:p>
           <a:p>
@@ -17983,199 +18486,7 @@
                 </a:solidFill>
                 <a:cs typeface="Segoe UI" panose="020B0502040204020203" pitchFamily="34" charset="0"/>
               </a:rPr>
-              <a:t>13.6 % Both Sexes</a:t>
-            </a:r>
-          </a:p>
-          <a:p>
-            <a:pPr>
-              <a:lnSpc>
-                <a:spcPts val="1900"/>
-              </a:lnSpc>
-            </a:pPr>
-            <a:r>
-              <a:rPr lang="en-US" sz="1400" dirty="0">
-                <a:solidFill>
-                  <a:schemeClr val="tx1">
-                    <a:lumMod val="75000"/>
-                    <a:lumOff val="25000"/>
-                  </a:schemeClr>
-                </a:solidFill>
-                <a:cs typeface="Segoe UI" panose="020B0502040204020203" pitchFamily="34" charset="0"/>
-              </a:rPr>
-              <a:t>Age Ranges: 50-69 years</a:t>
-            </a:r>
-          </a:p>
-        </p:txBody>
-      </p:sp>
-      <p:sp>
-        <p:nvSpPr>
-          <p:cNvPr id="47" name="Rectangle 46">
-            <a:extLst>
-              <a:ext uri="{FF2B5EF4-FFF2-40B4-BE49-F238E27FC236}">
-                <a16:creationId xmlns:a16="http://schemas.microsoft.com/office/drawing/2014/main" id="{839BCDE9-6CF8-45EE-BFA1-6E32ED5C240E}"/>
-              </a:ext>
-            </a:extLst>
-          </p:cNvPr>
-          <p:cNvSpPr/>
-          <p:nvPr/>
-        </p:nvSpPr>
-        <p:spPr>
-          <a:xfrm>
-            <a:off x="4657555" y="3091163"/>
-            <a:ext cx="2743195" cy="492443"/>
-          </a:xfrm>
-          <a:prstGeom prst="rect">
-            <a:avLst/>
-          </a:prstGeom>
-        </p:spPr>
-        <p:txBody>
-          <a:bodyPr wrap="square" lIns="0" tIns="0" rIns="0" bIns="0" anchor="t">
-            <a:spAutoFit/>
-          </a:bodyPr>
-          <a:lstStyle/>
-          <a:p>
-            <a:r>
-              <a:rPr lang="en-US" sz="3200" dirty="0">
-                <a:solidFill>
-                  <a:schemeClr val="accent4">
-                    <a:lumMod val="75000"/>
-                  </a:schemeClr>
-                </a:solidFill>
-                <a:cs typeface="Segoe UI" panose="020B0502040204020203" pitchFamily="34" charset="0"/>
-              </a:rPr>
-              <a:t>27.4 %</a:t>
-            </a:r>
-          </a:p>
-        </p:txBody>
-      </p:sp>
-      <p:sp>
-        <p:nvSpPr>
-          <p:cNvPr id="48" name="Rectangle 47">
-            <a:extLst>
-              <a:ext uri="{FF2B5EF4-FFF2-40B4-BE49-F238E27FC236}">
-                <a16:creationId xmlns:a16="http://schemas.microsoft.com/office/drawing/2014/main" id="{7DDB637A-4822-4FE9-8AEA-11DEA7859049}"/>
-              </a:ext>
-            </a:extLst>
-          </p:cNvPr>
-          <p:cNvSpPr/>
-          <p:nvPr/>
-        </p:nvSpPr>
-        <p:spPr>
-          <a:xfrm>
-            <a:off x="4657555" y="2839471"/>
-            <a:ext cx="2743195" cy="223394"/>
-          </a:xfrm>
-          <a:prstGeom prst="rect">
-            <a:avLst/>
-          </a:prstGeom>
-        </p:spPr>
-        <p:txBody>
-          <a:bodyPr wrap="square" lIns="0" tIns="0" rIns="0" bIns="0" anchor="t">
-            <a:spAutoFit/>
-          </a:bodyPr>
-          <a:lstStyle/>
-          <a:p>
-            <a:pPr>
-              <a:lnSpc>
-                <a:spcPts val="1900"/>
-              </a:lnSpc>
-            </a:pPr>
-            <a:r>
-              <a:rPr lang="en-US" sz="1400" b="1" dirty="0">
-                <a:solidFill>
-                  <a:schemeClr val="accent4">
-                    <a:lumMod val="75000"/>
-                  </a:schemeClr>
-                </a:solidFill>
-                <a:latin typeface="+mj-lt"/>
-                <a:cs typeface="Segoe UI" panose="020B0502040204020203" pitchFamily="34" charset="0"/>
-              </a:rPr>
-              <a:t>Lithuania</a:t>
-            </a:r>
-          </a:p>
-        </p:txBody>
-      </p:sp>
-      <p:sp>
-        <p:nvSpPr>
-          <p:cNvPr id="49" name="Rectangle 48">
-            <a:extLst>
-              <a:ext uri="{FF2B5EF4-FFF2-40B4-BE49-F238E27FC236}">
-                <a16:creationId xmlns:a16="http://schemas.microsoft.com/office/drawing/2014/main" id="{7FA68D61-8BDC-4C14-9F0D-CF0C946CD30A}"/>
-              </a:ext>
-            </a:extLst>
-          </p:cNvPr>
-          <p:cNvSpPr/>
-          <p:nvPr/>
-        </p:nvSpPr>
-        <p:spPr>
-          <a:xfrm>
-            <a:off x="4673175" y="5558710"/>
-            <a:ext cx="2743195" cy="954364"/>
-          </a:xfrm>
-          <a:prstGeom prst="rect">
-            <a:avLst/>
-          </a:prstGeom>
-        </p:spPr>
-        <p:txBody>
-          <a:bodyPr wrap="square" lIns="0" tIns="0" rIns="0" bIns="0" anchor="t">
-            <a:spAutoFit/>
-          </a:bodyPr>
-          <a:lstStyle/>
-          <a:p>
-            <a:pPr>
-              <a:lnSpc>
-                <a:spcPts val="1900"/>
-              </a:lnSpc>
-            </a:pPr>
-            <a:r>
-              <a:rPr lang="en-US" sz="1400" dirty="0">
-                <a:solidFill>
-                  <a:schemeClr val="tx1">
-                    <a:lumMod val="75000"/>
-                    <a:lumOff val="25000"/>
-                  </a:schemeClr>
-                </a:solidFill>
-                <a:cs typeface="Segoe UI" panose="020B0502040204020203" pitchFamily="34" charset="0"/>
-              </a:rPr>
-              <a:t>?? % Males</a:t>
-            </a:r>
-          </a:p>
-          <a:p>
-            <a:pPr>
-              <a:lnSpc>
-                <a:spcPts val="1900"/>
-              </a:lnSpc>
-            </a:pPr>
-            <a:r>
-              <a:rPr lang="en-US" sz="1400" dirty="0">
-                <a:solidFill>
-                  <a:schemeClr val="tx1">
-                    <a:lumMod val="75000"/>
-                    <a:lumOff val="25000"/>
-                  </a:schemeClr>
-                </a:solidFill>
-                <a:cs typeface="Segoe UI" panose="020B0502040204020203" pitchFamily="34" charset="0"/>
-              </a:rPr>
-              <a:t>16.1 % Females</a:t>
-            </a:r>
-          </a:p>
-          <a:p>
-            <a:pPr>
-              <a:lnSpc>
-                <a:spcPts val="1900"/>
-              </a:lnSpc>
-            </a:pPr>
-            <a:r>
-              <a:rPr lang="en-US" sz="1400" dirty="0">
-                <a:solidFill>
-                  <a:schemeClr val="tx1">
-                    <a:lumMod val="75000"/>
-                    <a:lumOff val="25000"/>
-                  </a:schemeClr>
-                </a:solidFill>
-                <a:cs typeface="Segoe UI" panose="020B0502040204020203" pitchFamily="34" charset="0"/>
-              </a:rPr>
-              <a:t>7.9 % Both Sexes</a:t>
+              <a:t>9.8 % Both Sexes</a:t>
             </a:r>
           </a:p>
           <a:p>
@@ -18201,6 +18512,198 @@
       </p:sp>
       <p:sp>
         <p:nvSpPr>
+          <p:cNvPr id="47" name="Rectangle 46">
+            <a:extLst>
+              <a:ext uri="{FF2B5EF4-FFF2-40B4-BE49-F238E27FC236}">
+                <a16:creationId xmlns:a16="http://schemas.microsoft.com/office/drawing/2014/main" id="{839BCDE9-6CF8-45EE-BFA1-6E32ED5C240E}"/>
+              </a:ext>
+            </a:extLst>
+          </p:cNvPr>
+          <p:cNvSpPr/>
+          <p:nvPr/>
+        </p:nvSpPr>
+        <p:spPr>
+          <a:xfrm>
+            <a:off x="4657555" y="3091163"/>
+            <a:ext cx="2743195" cy="492443"/>
+          </a:xfrm>
+          <a:prstGeom prst="rect">
+            <a:avLst/>
+          </a:prstGeom>
+        </p:spPr>
+        <p:txBody>
+          <a:bodyPr wrap="square" lIns="0" tIns="0" rIns="0" bIns="0" anchor="t">
+            <a:spAutoFit/>
+          </a:bodyPr>
+          <a:lstStyle/>
+          <a:p>
+            <a:r>
+              <a:rPr lang="en-US" sz="3200" dirty="0">
+                <a:solidFill>
+                  <a:schemeClr val="accent4">
+                    <a:lumMod val="75000"/>
+                  </a:schemeClr>
+                </a:solidFill>
+                <a:cs typeface="Segoe UI" panose="020B0502040204020203" pitchFamily="34" charset="0"/>
+              </a:rPr>
+              <a:t>26.6 %</a:t>
+            </a:r>
+          </a:p>
+        </p:txBody>
+      </p:sp>
+      <p:sp>
+        <p:nvSpPr>
+          <p:cNvPr id="48" name="Rectangle 47">
+            <a:extLst>
+              <a:ext uri="{FF2B5EF4-FFF2-40B4-BE49-F238E27FC236}">
+                <a16:creationId xmlns:a16="http://schemas.microsoft.com/office/drawing/2014/main" id="{7DDB637A-4822-4FE9-8AEA-11DEA7859049}"/>
+              </a:ext>
+            </a:extLst>
+          </p:cNvPr>
+          <p:cNvSpPr/>
+          <p:nvPr/>
+        </p:nvSpPr>
+        <p:spPr>
+          <a:xfrm>
+            <a:off x="4657555" y="2839471"/>
+            <a:ext cx="2743195" cy="223394"/>
+          </a:xfrm>
+          <a:prstGeom prst="rect">
+            <a:avLst/>
+          </a:prstGeom>
+        </p:spPr>
+        <p:txBody>
+          <a:bodyPr wrap="square" lIns="0" tIns="0" rIns="0" bIns="0" anchor="t">
+            <a:spAutoFit/>
+          </a:bodyPr>
+          <a:lstStyle/>
+          <a:p>
+            <a:pPr>
+              <a:lnSpc>
+                <a:spcPts val="1900"/>
+              </a:lnSpc>
+            </a:pPr>
+            <a:r>
+              <a:rPr lang="en-US" sz="1400" b="1" dirty="0">
+                <a:solidFill>
+                  <a:schemeClr val="accent4">
+                    <a:lumMod val="75000"/>
+                  </a:schemeClr>
+                </a:solidFill>
+                <a:latin typeface="+mj-lt"/>
+                <a:cs typeface="Segoe UI" panose="020B0502040204020203" pitchFamily="34" charset="0"/>
+              </a:rPr>
+              <a:t>Suriname</a:t>
+            </a:r>
+          </a:p>
+        </p:txBody>
+      </p:sp>
+      <p:sp>
+        <p:nvSpPr>
+          <p:cNvPr id="49" name="Rectangle 48">
+            <a:extLst>
+              <a:ext uri="{FF2B5EF4-FFF2-40B4-BE49-F238E27FC236}">
+                <a16:creationId xmlns:a16="http://schemas.microsoft.com/office/drawing/2014/main" id="{7FA68D61-8BDC-4C14-9F0D-CF0C946CD30A}"/>
+              </a:ext>
+            </a:extLst>
+          </p:cNvPr>
+          <p:cNvSpPr/>
+          <p:nvPr/>
+        </p:nvSpPr>
+        <p:spPr>
+          <a:xfrm>
+            <a:off x="4673175" y="5558710"/>
+            <a:ext cx="2743195" cy="954364"/>
+          </a:xfrm>
+          <a:prstGeom prst="rect">
+            <a:avLst/>
+          </a:prstGeom>
+        </p:spPr>
+        <p:txBody>
+          <a:bodyPr wrap="square" lIns="0" tIns="0" rIns="0" bIns="0" anchor="t">
+            <a:spAutoFit/>
+          </a:bodyPr>
+          <a:lstStyle/>
+          <a:p>
+            <a:pPr>
+              <a:lnSpc>
+                <a:spcPts val="1900"/>
+              </a:lnSpc>
+            </a:pPr>
+            <a:r>
+              <a:rPr lang="en-US" sz="1400" dirty="0">
+                <a:solidFill>
+                  <a:schemeClr val="tx1">
+                    <a:lumMod val="75000"/>
+                    <a:lumOff val="25000"/>
+                  </a:schemeClr>
+                </a:solidFill>
+                <a:cs typeface="Segoe UI" panose="020B0502040204020203" pitchFamily="34" charset="0"/>
+              </a:rPr>
+              <a:t>8.3 % Males</a:t>
+            </a:r>
+          </a:p>
+          <a:p>
+            <a:pPr>
+              <a:lnSpc>
+                <a:spcPts val="1900"/>
+              </a:lnSpc>
+            </a:pPr>
+            <a:r>
+              <a:rPr lang="en-US" sz="1400" dirty="0">
+                <a:solidFill>
+                  <a:schemeClr val="tx1">
+                    <a:lumMod val="75000"/>
+                    <a:lumOff val="25000"/>
+                  </a:schemeClr>
+                </a:solidFill>
+                <a:cs typeface="Segoe UI" panose="020B0502040204020203" pitchFamily="34" charset="0"/>
+              </a:rPr>
+              <a:t>10.6 % Females</a:t>
+            </a:r>
+          </a:p>
+          <a:p>
+            <a:pPr>
+              <a:lnSpc>
+                <a:spcPts val="1900"/>
+              </a:lnSpc>
+            </a:pPr>
+            <a:r>
+              <a:rPr lang="en-US" sz="1400" dirty="0">
+                <a:solidFill>
+                  <a:schemeClr val="tx1">
+                    <a:lumMod val="75000"/>
+                    <a:lumOff val="25000"/>
+                  </a:schemeClr>
+                </a:solidFill>
+                <a:cs typeface="Segoe UI" panose="020B0502040204020203" pitchFamily="34" charset="0"/>
+              </a:rPr>
+              <a:t>9.8 % Both Sexes</a:t>
+            </a:r>
+          </a:p>
+          <a:p>
+            <a:pPr>
+              <a:lnSpc>
+                <a:spcPts val="1900"/>
+              </a:lnSpc>
+            </a:pPr>
+            <a:r>
+              <a:rPr lang="en-US" sz="1400" dirty="0">
+                <a:solidFill>
+                  <a:schemeClr val="tx1">
+                    <a:lumMod val="75000"/>
+                    <a:lumOff val="25000"/>
+                  </a:schemeClr>
+                </a:solidFill>
+                <a:cs typeface="Segoe UI" panose="020B0502040204020203" pitchFamily="34" charset="0"/>
+              </a:rPr>
+              <a:t>Age Ranges: Data Unavailable</a:t>
+            </a:r>
+          </a:p>
+        </p:txBody>
+      </p:sp>
+      <p:sp>
+        <p:nvSpPr>
           <p:cNvPr id="50" name="Rectangle 49">
             <a:extLst>
               <a:ext uri="{FF2B5EF4-FFF2-40B4-BE49-F238E27FC236}">
@@ -18236,7 +18739,7 @@
                 </a:solidFill>
                 <a:cs typeface="Segoe UI" panose="020B0502040204020203" pitchFamily="34" charset="0"/>
               </a:rPr>
-              <a:t>24 %</a:t>
+              <a:t>28.7 %</a:t>
             </a:r>
           </a:p>
         </p:txBody>
@@ -18284,11 +18787,47 @@
                 <a:latin typeface="+mj-lt"/>
                 <a:cs typeface="Segoe UI" panose="020B0502040204020203" pitchFamily="34" charset="0"/>
               </a:rPr>
-              <a:t>Lesotho</a:t>
+              <a:t>Republic of Korea</a:t>
             </a:r>
           </a:p>
         </p:txBody>
       </p:sp>
+      <p:pic>
+        <p:nvPicPr>
+          <p:cNvPr id="22" name="Picture 21">
+            <a:extLst>
+              <a:ext uri="{FF2B5EF4-FFF2-40B4-BE49-F238E27FC236}">
+                <a16:creationId xmlns:a16="http://schemas.microsoft.com/office/drawing/2014/main" id="{E79FAAD8-7EFB-4BBB-A2C4-E7C168E899BB}"/>
+              </a:ext>
+            </a:extLst>
+          </p:cNvPr>
+          <p:cNvPicPr>
+            <a:picLocks noChangeAspect="1"/>
+          </p:cNvPicPr>
+          <p:nvPr/>
+        </p:nvPicPr>
+        <p:blipFill>
+          <a:blip r:embed="rId2">
+            <a:extLst>
+              <a:ext uri="{28A0092B-C50C-407E-A947-70E740481C1C}">
+                <a14:useLocalDpi xmlns:a14="http://schemas.microsoft.com/office/drawing/2010/main" val="0"/>
+              </a:ext>
+            </a:extLst>
+          </a:blip>
+          <a:stretch>
+            <a:fillRect/>
+          </a:stretch>
+        </p:blipFill>
+        <p:spPr>
+          <a:xfrm>
+            <a:off x="8283529" y="930546"/>
+            <a:ext cx="3840480" cy="2560320"/>
+          </a:xfrm>
+          <a:prstGeom prst="rect">
+            <a:avLst/>
+          </a:prstGeom>
+        </p:spPr>
+      </p:pic>
       <p:cxnSp>
         <p:nvCxnSpPr>
           <p:cNvPr id="35" name="Straight Connector 34">
@@ -18475,10 +19014,10 @@
       </p:cxnSp>
       <p:pic>
         <p:nvPicPr>
-          <p:cNvPr id="5" name="Picture 4">
-            <a:extLst>
-              <a:ext uri="{FF2B5EF4-FFF2-40B4-BE49-F238E27FC236}">
-                <a16:creationId xmlns:a16="http://schemas.microsoft.com/office/drawing/2014/main" id="{24242EB3-7A07-456B-83E3-731D52336B57}"/>
+          <p:cNvPr id="3" name="Picture 2">
+            <a:extLst>
+              <a:ext uri="{FF2B5EF4-FFF2-40B4-BE49-F238E27FC236}">
+                <a16:creationId xmlns:a16="http://schemas.microsoft.com/office/drawing/2014/main" id="{2CFF9684-B093-4F27-B1C6-608E69601101}"/>
               </a:ext>
             </a:extLst>
           </p:cNvPr>
@@ -18488,7 +19027,7 @@
           <p:nvPr/>
         </p:nvPicPr>
         <p:blipFill>
-          <a:blip r:embed="rId2">
+          <a:blip r:embed="rId3">
             <a:extLst>
               <a:ext uri="{28A0092B-C50C-407E-A947-70E740481C1C}">
                 <a14:useLocalDpi xmlns:a14="http://schemas.microsoft.com/office/drawing/2010/main" val="0"/>
@@ -18501,8 +19040,8 @@
         </p:blipFill>
         <p:spPr>
           <a:xfrm>
-            <a:off x="353422" y="4635892"/>
-            <a:ext cx="3304505" cy="2047976"/>
+            <a:off x="459041" y="713102"/>
+            <a:ext cx="3200400" cy="1866900"/>
           </a:xfrm>
           <a:prstGeom prst="rect">
             <a:avLst/>
@@ -18511,10 +19050,10 @@
       </p:pic>
       <p:pic>
         <p:nvPicPr>
-          <p:cNvPr id="10" name="Picture 9">
-            <a:extLst>
-              <a:ext uri="{FF2B5EF4-FFF2-40B4-BE49-F238E27FC236}">
-                <a16:creationId xmlns:a16="http://schemas.microsoft.com/office/drawing/2014/main" id="{8196B9AF-95A9-42F2-8E2B-E9212560A006}"/>
+          <p:cNvPr id="6" name="Picture 5">
+            <a:extLst>
+              <a:ext uri="{FF2B5EF4-FFF2-40B4-BE49-F238E27FC236}">
+                <a16:creationId xmlns:a16="http://schemas.microsoft.com/office/drawing/2014/main" id="{DEA6AB48-B84C-4057-BD62-B0B0E499C0B7}"/>
               </a:ext>
             </a:extLst>
           </p:cNvPr>
@@ -18524,7 +19063,7 @@
           <p:nvPr/>
         </p:nvPicPr>
         <p:blipFill>
-          <a:blip r:embed="rId3">
+          <a:blip r:embed="rId4">
             <a:extLst>
               <a:ext uri="{28A0092B-C50C-407E-A947-70E740481C1C}">
                 <a14:useLocalDpi xmlns:a14="http://schemas.microsoft.com/office/drawing/2010/main" val="0"/>
@@ -18537,8 +19076,8 @@
         </p:blipFill>
         <p:spPr>
           <a:xfrm>
-            <a:off x="408870" y="2587916"/>
-            <a:ext cx="3133160" cy="2047976"/>
+            <a:off x="470971" y="2630310"/>
+            <a:ext cx="3200400" cy="1825683"/>
           </a:xfrm>
           <a:prstGeom prst="rect">
             <a:avLst/>
@@ -18547,10 +19086,10 @@
       </p:pic>
       <p:pic>
         <p:nvPicPr>
-          <p:cNvPr id="16" name="Picture 15">
-            <a:extLst>
-              <a:ext uri="{FF2B5EF4-FFF2-40B4-BE49-F238E27FC236}">
-                <a16:creationId xmlns:a16="http://schemas.microsoft.com/office/drawing/2014/main" id="{CB86D8A5-8617-4726-9210-1F892D367EBE}"/>
+          <p:cNvPr id="9" name="Picture 8">
+            <a:extLst>
+              <a:ext uri="{FF2B5EF4-FFF2-40B4-BE49-F238E27FC236}">
+                <a16:creationId xmlns:a16="http://schemas.microsoft.com/office/drawing/2014/main" id="{1BE41955-8372-46E6-BBE8-6B989CF71C45}"/>
               </a:ext>
             </a:extLst>
           </p:cNvPr>
@@ -18560,7 +19099,7 @@
           <p:nvPr/>
         </p:nvPicPr>
         <p:blipFill>
-          <a:blip r:embed="rId4">
+          <a:blip r:embed="rId5">
             <a:extLst>
               <a:ext uri="{28A0092B-C50C-407E-A947-70E740481C1C}">
                 <a14:useLocalDpi xmlns:a14="http://schemas.microsoft.com/office/drawing/2010/main" val="0"/>
@@ -18573,8 +19112,8 @@
         </p:blipFill>
         <p:spPr>
           <a:xfrm>
-            <a:off x="461181" y="597146"/>
-            <a:ext cx="3133160" cy="2047976"/>
+            <a:off x="470971" y="4506301"/>
+            <a:ext cx="3200400" cy="1903556"/>
           </a:xfrm>
           <a:prstGeom prst="rect">
             <a:avLst/>
@@ -18583,10 +19122,10 @@
       </p:pic>
       <p:pic>
         <p:nvPicPr>
-          <p:cNvPr id="18" name="Picture 17">
-            <a:extLst>
-              <a:ext uri="{FF2B5EF4-FFF2-40B4-BE49-F238E27FC236}">
-                <a16:creationId xmlns:a16="http://schemas.microsoft.com/office/drawing/2014/main" id="{1455C609-0DC8-4D8E-80B2-3317331765DC}"/>
+          <p:cNvPr id="12" name="Picture 11">
+            <a:extLst>
+              <a:ext uri="{FF2B5EF4-FFF2-40B4-BE49-F238E27FC236}">
+                <a16:creationId xmlns:a16="http://schemas.microsoft.com/office/drawing/2014/main" id="{CCB2544D-5BAC-41FF-B282-6E92E46B176B}"/>
               </a:ext>
             </a:extLst>
           </p:cNvPr>
@@ -18596,7 +19135,7 @@
           <p:nvPr/>
         </p:nvPicPr>
         <p:blipFill>
-          <a:blip r:embed="rId5">
+          <a:blip r:embed="rId6">
             <a:extLst>
               <a:ext uri="{28A0092B-C50C-407E-A947-70E740481C1C}">
                 <a14:useLocalDpi xmlns:a14="http://schemas.microsoft.com/office/drawing/2010/main" val="0"/>
@@ -18609,80 +19148,8 @@
         </p:blipFill>
         <p:spPr>
           <a:xfrm>
-            <a:off x="8602247" y="4636296"/>
-            <a:ext cx="3029157" cy="2019438"/>
-          </a:xfrm>
-          <a:prstGeom prst="rect">
-            <a:avLst/>
-          </a:prstGeom>
-        </p:spPr>
-      </p:pic>
-      <p:pic>
-        <p:nvPicPr>
-          <p:cNvPr id="20" name="Picture 19">
-            <a:extLst>
-              <a:ext uri="{FF2B5EF4-FFF2-40B4-BE49-F238E27FC236}">
-                <a16:creationId xmlns:a16="http://schemas.microsoft.com/office/drawing/2014/main" id="{D9267355-5CCB-48D6-AF76-C6C9C790337F}"/>
-              </a:ext>
-            </a:extLst>
-          </p:cNvPr>
-          <p:cNvPicPr>
-            <a:picLocks noChangeAspect="1"/>
-          </p:cNvPicPr>
-          <p:nvPr/>
-        </p:nvPicPr>
-        <p:blipFill>
-          <a:blip r:embed="rId6">
-            <a:extLst>
-              <a:ext uri="{28A0092B-C50C-407E-A947-70E740481C1C}">
-                <a14:useLocalDpi xmlns:a14="http://schemas.microsoft.com/office/drawing/2010/main" val="0"/>
-              </a:ext>
-            </a:extLst>
-          </a:blip>
-          <a:stretch>
-            <a:fillRect/>
-          </a:stretch>
-        </p:blipFill>
-        <p:spPr>
-          <a:xfrm>
-            <a:off x="8602247" y="2555097"/>
-            <a:ext cx="3029157" cy="2019438"/>
-          </a:xfrm>
-          <a:prstGeom prst="rect">
-            <a:avLst/>
-          </a:prstGeom>
-        </p:spPr>
-      </p:pic>
-      <p:pic>
-        <p:nvPicPr>
-          <p:cNvPr id="23" name="Picture 22">
-            <a:extLst>
-              <a:ext uri="{FF2B5EF4-FFF2-40B4-BE49-F238E27FC236}">
-                <a16:creationId xmlns:a16="http://schemas.microsoft.com/office/drawing/2014/main" id="{54E9474E-5FA0-4439-9A3A-5EA53E53BA1B}"/>
-              </a:ext>
-            </a:extLst>
-          </p:cNvPr>
-          <p:cNvPicPr>
-            <a:picLocks noChangeAspect="1"/>
-          </p:cNvPicPr>
-          <p:nvPr/>
-        </p:nvPicPr>
-        <p:blipFill>
-          <a:blip r:embed="rId7">
-            <a:extLst>
-              <a:ext uri="{28A0092B-C50C-407E-A947-70E740481C1C}">
-                <a14:useLocalDpi xmlns:a14="http://schemas.microsoft.com/office/drawing/2010/main" val="0"/>
-              </a:ext>
-            </a:extLst>
-          </a:blip>
-          <a:stretch>
-            <a:fillRect/>
-          </a:stretch>
-        </p:blipFill>
-        <p:spPr>
-          <a:xfrm>
-            <a:off x="8597661" y="622626"/>
-            <a:ext cx="3033744" cy="2022496"/>
+            <a:off x="8299149" y="3490866"/>
+            <a:ext cx="3840480" cy="2560320"/>
           </a:xfrm>
           <a:prstGeom prst="rect">
             <a:avLst/>
@@ -18692,7 +19159,7 @@
     </p:spTree>
     <p:extLst>
       <p:ext uri="{BB962C8B-B14F-4D97-AF65-F5344CB8AC3E}">
-        <p14:creationId xmlns:p14="http://schemas.microsoft.com/office/powerpoint/2010/main" val="3897069696"/>
+        <p14:creationId xmlns:p14="http://schemas.microsoft.com/office/powerpoint/2010/main" val="37466438"/>
       </p:ext>
     </p:extLst>
   </p:cSld>
